--- a/ПиОА-3. Лекция 03. Автоматизация Word (ч.3).pptx
+++ b/ПиОА-3. Лекция 03. Автоматизация Word (ч.3).pptx
@@ -260,7 +260,7 @@
           <a:p>
             <a:fld id="{572EB846-5EAC-4CBC-B7D2-741C014D0FC9}" type="datetimeFigureOut">
               <a:rPr lang="ru-RU" smtClean="0"/>
-              <a:t>23.09.2024</a:t>
+              <a:t>07.10.2024</a:t>
             </a:fld>
             <a:endParaRPr lang="ru-RU"/>
           </a:p>
@@ -324,38 +324,37 @@
           <a:p>
             <a:pPr lvl="0"/>
             <a:r>
-              <a:rPr lang="ru-RU" smtClean="0"/>
+              <a:rPr lang="ru-RU"/>
               <a:t>Образец текста</a:t>
             </a:r>
           </a:p>
           <a:p>
             <a:pPr lvl="1"/>
             <a:r>
-              <a:rPr lang="ru-RU" smtClean="0"/>
+              <a:rPr lang="ru-RU"/>
               <a:t>Второй уровень</a:t>
             </a:r>
           </a:p>
           <a:p>
             <a:pPr lvl="2"/>
             <a:r>
-              <a:rPr lang="ru-RU" smtClean="0"/>
+              <a:rPr lang="ru-RU"/>
               <a:t>Третий уровень</a:t>
             </a:r>
           </a:p>
           <a:p>
             <a:pPr lvl="3"/>
             <a:r>
-              <a:rPr lang="ru-RU" smtClean="0"/>
+              <a:rPr lang="ru-RU"/>
               <a:t>Четвертый уровень</a:t>
             </a:r>
           </a:p>
           <a:p>
             <a:pPr lvl="4"/>
             <a:r>
-              <a:rPr lang="ru-RU" smtClean="0"/>
+              <a:rPr lang="ru-RU"/>
               <a:t>Пятый уровень</a:t>
             </a:r>
-            <a:endParaRPr lang="ru-RU"/>
           </a:p>
         </p:txBody>
       </p:sp>
@@ -734,10 +733,9 @@
           <a:lstStyle/>
           <a:p>
             <a:r>
-              <a:rPr lang="ru-RU" smtClean="0"/>
+              <a:rPr lang="ru-RU"/>
               <a:t>Образец заголовка</a:t>
             </a:r>
-            <a:endParaRPr lang="ru-RU"/>
           </a:p>
         </p:txBody>
       </p:sp>
@@ -853,10 +851,9 @@
           </a:lstStyle>
           <a:p>
             <a:r>
-              <a:rPr lang="ru-RU" smtClean="0"/>
+              <a:rPr lang="ru-RU"/>
               <a:t>Образец подзаголовка</a:t>
             </a:r>
-            <a:endParaRPr lang="ru-RU"/>
           </a:p>
         </p:txBody>
       </p:sp>
@@ -877,7 +874,7 @@
           <a:p>
             <a:fld id="{A859B362-5864-4422-AE46-28A4E7714DCC}" type="datetimeFigureOut">
               <a:rPr lang="ru-RU" smtClean="0"/>
-              <a:t>23.09.2024</a:t>
+              <a:t>07.10.2024</a:t>
             </a:fld>
             <a:endParaRPr lang="ru-RU"/>
           </a:p>
@@ -971,10 +968,9 @@
           <a:lstStyle/>
           <a:p>
             <a:r>
-              <a:rPr lang="ru-RU" smtClean="0"/>
+              <a:rPr lang="ru-RU"/>
               <a:t>Образец заголовка</a:t>
             </a:r>
-            <a:endParaRPr lang="ru-RU"/>
           </a:p>
         </p:txBody>
       </p:sp>
@@ -995,38 +991,37 @@
           <a:p>
             <a:pPr lvl="0"/>
             <a:r>
-              <a:rPr lang="ru-RU" smtClean="0"/>
+              <a:rPr lang="ru-RU"/>
               <a:t>Образец текста</a:t>
             </a:r>
           </a:p>
           <a:p>
             <a:pPr lvl="1"/>
             <a:r>
-              <a:rPr lang="ru-RU" smtClean="0"/>
+              <a:rPr lang="ru-RU"/>
               <a:t>Второй уровень</a:t>
             </a:r>
           </a:p>
           <a:p>
             <a:pPr lvl="2"/>
             <a:r>
-              <a:rPr lang="ru-RU" smtClean="0"/>
+              <a:rPr lang="ru-RU"/>
               <a:t>Третий уровень</a:t>
             </a:r>
           </a:p>
           <a:p>
             <a:pPr lvl="3"/>
             <a:r>
-              <a:rPr lang="ru-RU" smtClean="0"/>
+              <a:rPr lang="ru-RU"/>
               <a:t>Четвертый уровень</a:t>
             </a:r>
           </a:p>
           <a:p>
             <a:pPr lvl="4"/>
             <a:r>
-              <a:rPr lang="ru-RU" smtClean="0"/>
+              <a:rPr lang="ru-RU"/>
               <a:t>Пятый уровень</a:t>
             </a:r>
-            <a:endParaRPr lang="ru-RU"/>
           </a:p>
         </p:txBody>
       </p:sp>
@@ -1047,7 +1042,7 @@
           <a:p>
             <a:fld id="{A859B362-5864-4422-AE46-28A4E7714DCC}" type="datetimeFigureOut">
               <a:rPr lang="ru-RU" smtClean="0"/>
-              <a:t>23.09.2024</a:t>
+              <a:t>07.10.2024</a:t>
             </a:fld>
             <a:endParaRPr lang="ru-RU"/>
           </a:p>
@@ -1146,10 +1141,9 @@
           <a:lstStyle/>
           <a:p>
             <a:r>
-              <a:rPr lang="ru-RU" smtClean="0"/>
+              <a:rPr lang="ru-RU"/>
               <a:t>Образец заголовка</a:t>
             </a:r>
-            <a:endParaRPr lang="ru-RU"/>
           </a:p>
         </p:txBody>
       </p:sp>
@@ -1175,38 +1169,37 @@
           <a:p>
             <a:pPr lvl="0"/>
             <a:r>
-              <a:rPr lang="ru-RU" smtClean="0"/>
+              <a:rPr lang="ru-RU"/>
               <a:t>Образец текста</a:t>
             </a:r>
           </a:p>
           <a:p>
             <a:pPr lvl="1"/>
             <a:r>
-              <a:rPr lang="ru-RU" smtClean="0"/>
+              <a:rPr lang="ru-RU"/>
               <a:t>Второй уровень</a:t>
             </a:r>
           </a:p>
           <a:p>
             <a:pPr lvl="2"/>
             <a:r>
-              <a:rPr lang="ru-RU" smtClean="0"/>
+              <a:rPr lang="ru-RU"/>
               <a:t>Третий уровень</a:t>
             </a:r>
           </a:p>
           <a:p>
             <a:pPr lvl="3"/>
             <a:r>
-              <a:rPr lang="ru-RU" smtClean="0"/>
+              <a:rPr lang="ru-RU"/>
               <a:t>Четвертый уровень</a:t>
             </a:r>
           </a:p>
           <a:p>
             <a:pPr lvl="4"/>
             <a:r>
-              <a:rPr lang="ru-RU" smtClean="0"/>
+              <a:rPr lang="ru-RU"/>
               <a:t>Пятый уровень</a:t>
             </a:r>
-            <a:endParaRPr lang="ru-RU"/>
           </a:p>
         </p:txBody>
       </p:sp>
@@ -1227,7 +1220,7 @@
           <a:p>
             <a:fld id="{A859B362-5864-4422-AE46-28A4E7714DCC}" type="datetimeFigureOut">
               <a:rPr lang="ru-RU" smtClean="0"/>
-              <a:t>23.09.2024</a:t>
+              <a:t>07.10.2024</a:t>
             </a:fld>
             <a:endParaRPr lang="ru-RU"/>
           </a:p>
@@ -1321,10 +1314,9 @@
           <a:lstStyle/>
           <a:p>
             <a:r>
-              <a:rPr lang="ru-RU" smtClean="0"/>
+              <a:rPr lang="ru-RU"/>
               <a:t>Образец заголовка</a:t>
             </a:r>
-            <a:endParaRPr lang="ru-RU"/>
           </a:p>
         </p:txBody>
       </p:sp>
@@ -1345,38 +1337,37 @@
           <a:p>
             <a:pPr lvl="0"/>
             <a:r>
-              <a:rPr lang="ru-RU" smtClean="0"/>
+              <a:rPr lang="ru-RU"/>
               <a:t>Образец текста</a:t>
             </a:r>
           </a:p>
           <a:p>
             <a:pPr lvl="1"/>
             <a:r>
-              <a:rPr lang="ru-RU" smtClean="0"/>
+              <a:rPr lang="ru-RU"/>
               <a:t>Второй уровень</a:t>
             </a:r>
           </a:p>
           <a:p>
             <a:pPr lvl="2"/>
             <a:r>
-              <a:rPr lang="ru-RU" smtClean="0"/>
+              <a:rPr lang="ru-RU"/>
               <a:t>Третий уровень</a:t>
             </a:r>
           </a:p>
           <a:p>
             <a:pPr lvl="3"/>
             <a:r>
-              <a:rPr lang="ru-RU" smtClean="0"/>
+              <a:rPr lang="ru-RU"/>
               <a:t>Четвертый уровень</a:t>
             </a:r>
           </a:p>
           <a:p>
             <a:pPr lvl="4"/>
             <a:r>
-              <a:rPr lang="ru-RU" smtClean="0"/>
+              <a:rPr lang="ru-RU"/>
               <a:t>Пятый уровень</a:t>
             </a:r>
-            <a:endParaRPr lang="ru-RU"/>
           </a:p>
         </p:txBody>
       </p:sp>
@@ -1397,7 +1388,7 @@
           <a:p>
             <a:fld id="{A859B362-5864-4422-AE46-28A4E7714DCC}" type="datetimeFigureOut">
               <a:rPr lang="ru-RU" smtClean="0"/>
-              <a:t>23.09.2024</a:t>
+              <a:t>07.10.2024</a:t>
             </a:fld>
             <a:endParaRPr lang="ru-RU"/>
           </a:p>
@@ -1500,10 +1491,9 @@
           </a:lstStyle>
           <a:p>
             <a:r>
-              <a:rPr lang="ru-RU" smtClean="0"/>
+              <a:rPr lang="ru-RU"/>
               <a:t>Образец заголовка</a:t>
             </a:r>
-            <a:endParaRPr lang="ru-RU"/>
           </a:p>
         </p:txBody>
       </p:sp>
@@ -1620,7 +1610,7 @@
           <a:p>
             <a:pPr lvl="0"/>
             <a:r>
-              <a:rPr lang="ru-RU" smtClean="0"/>
+              <a:rPr lang="ru-RU"/>
               <a:t>Образец текста</a:t>
             </a:r>
           </a:p>
@@ -1643,7 +1633,7 @@
           <a:p>
             <a:fld id="{A859B362-5864-4422-AE46-28A4E7714DCC}" type="datetimeFigureOut">
               <a:rPr lang="ru-RU" smtClean="0"/>
-              <a:t>23.09.2024</a:t>
+              <a:t>07.10.2024</a:t>
             </a:fld>
             <a:endParaRPr lang="ru-RU"/>
           </a:p>
@@ -1737,10 +1727,9 @@
           <a:lstStyle/>
           <a:p>
             <a:r>
-              <a:rPr lang="ru-RU" smtClean="0"/>
+              <a:rPr lang="ru-RU"/>
               <a:t>Образец заголовка</a:t>
             </a:r>
-            <a:endParaRPr lang="ru-RU"/>
           </a:p>
         </p:txBody>
       </p:sp>
@@ -1794,38 +1783,37 @@
           <a:p>
             <a:pPr lvl="0"/>
             <a:r>
-              <a:rPr lang="ru-RU" smtClean="0"/>
+              <a:rPr lang="ru-RU"/>
               <a:t>Образец текста</a:t>
             </a:r>
           </a:p>
           <a:p>
             <a:pPr lvl="1"/>
             <a:r>
-              <a:rPr lang="ru-RU" smtClean="0"/>
+              <a:rPr lang="ru-RU"/>
               <a:t>Второй уровень</a:t>
             </a:r>
           </a:p>
           <a:p>
             <a:pPr lvl="2"/>
             <a:r>
-              <a:rPr lang="ru-RU" smtClean="0"/>
+              <a:rPr lang="ru-RU"/>
               <a:t>Третий уровень</a:t>
             </a:r>
           </a:p>
           <a:p>
             <a:pPr lvl="3"/>
             <a:r>
-              <a:rPr lang="ru-RU" smtClean="0"/>
+              <a:rPr lang="ru-RU"/>
               <a:t>Четвертый уровень</a:t>
             </a:r>
           </a:p>
           <a:p>
             <a:pPr lvl="4"/>
             <a:r>
-              <a:rPr lang="ru-RU" smtClean="0"/>
+              <a:rPr lang="ru-RU"/>
               <a:t>Пятый уровень</a:t>
             </a:r>
-            <a:endParaRPr lang="ru-RU"/>
           </a:p>
         </p:txBody>
       </p:sp>
@@ -1879,38 +1867,37 @@
           <a:p>
             <a:pPr lvl="0"/>
             <a:r>
-              <a:rPr lang="ru-RU" smtClean="0"/>
+              <a:rPr lang="ru-RU"/>
               <a:t>Образец текста</a:t>
             </a:r>
           </a:p>
           <a:p>
             <a:pPr lvl="1"/>
             <a:r>
-              <a:rPr lang="ru-RU" smtClean="0"/>
+              <a:rPr lang="ru-RU"/>
               <a:t>Второй уровень</a:t>
             </a:r>
           </a:p>
           <a:p>
             <a:pPr lvl="2"/>
             <a:r>
-              <a:rPr lang="ru-RU" smtClean="0"/>
+              <a:rPr lang="ru-RU"/>
               <a:t>Третий уровень</a:t>
             </a:r>
           </a:p>
           <a:p>
             <a:pPr lvl="3"/>
             <a:r>
-              <a:rPr lang="ru-RU" smtClean="0"/>
+              <a:rPr lang="ru-RU"/>
               <a:t>Четвертый уровень</a:t>
             </a:r>
           </a:p>
           <a:p>
             <a:pPr lvl="4"/>
             <a:r>
-              <a:rPr lang="ru-RU" smtClean="0"/>
+              <a:rPr lang="ru-RU"/>
               <a:t>Пятый уровень</a:t>
             </a:r>
-            <a:endParaRPr lang="ru-RU"/>
           </a:p>
         </p:txBody>
       </p:sp>
@@ -1931,7 +1918,7 @@
           <a:p>
             <a:fld id="{A859B362-5864-4422-AE46-28A4E7714DCC}" type="datetimeFigureOut">
               <a:rPr lang="ru-RU" smtClean="0"/>
-              <a:t>23.09.2024</a:t>
+              <a:t>07.10.2024</a:t>
             </a:fld>
             <a:endParaRPr lang="ru-RU"/>
           </a:p>
@@ -2029,10 +2016,9 @@
           </a:lstStyle>
           <a:p>
             <a:r>
-              <a:rPr lang="ru-RU" smtClean="0"/>
+              <a:rPr lang="ru-RU"/>
               <a:t>Образец заголовка</a:t>
             </a:r>
-            <a:endParaRPr lang="ru-RU"/>
           </a:p>
         </p:txBody>
       </p:sp>
@@ -2095,7 +2081,7 @@
           <a:p>
             <a:pPr lvl="0"/>
             <a:r>
-              <a:rPr lang="ru-RU" smtClean="0"/>
+              <a:rPr lang="ru-RU"/>
               <a:t>Образец текста</a:t>
             </a:r>
           </a:p>
@@ -2151,38 +2137,37 @@
           <a:p>
             <a:pPr lvl="0"/>
             <a:r>
-              <a:rPr lang="ru-RU" smtClean="0"/>
+              <a:rPr lang="ru-RU"/>
               <a:t>Образец текста</a:t>
             </a:r>
           </a:p>
           <a:p>
             <a:pPr lvl="1"/>
             <a:r>
-              <a:rPr lang="ru-RU" smtClean="0"/>
+              <a:rPr lang="ru-RU"/>
               <a:t>Второй уровень</a:t>
             </a:r>
           </a:p>
           <a:p>
             <a:pPr lvl="2"/>
             <a:r>
-              <a:rPr lang="ru-RU" smtClean="0"/>
+              <a:rPr lang="ru-RU"/>
               <a:t>Третий уровень</a:t>
             </a:r>
           </a:p>
           <a:p>
             <a:pPr lvl="3"/>
             <a:r>
-              <a:rPr lang="ru-RU" smtClean="0"/>
+              <a:rPr lang="ru-RU"/>
               <a:t>Четвертый уровень</a:t>
             </a:r>
           </a:p>
           <a:p>
             <a:pPr lvl="4"/>
             <a:r>
-              <a:rPr lang="ru-RU" smtClean="0"/>
+              <a:rPr lang="ru-RU"/>
               <a:t>Пятый уровень</a:t>
             </a:r>
-            <a:endParaRPr lang="ru-RU"/>
           </a:p>
         </p:txBody>
       </p:sp>
@@ -2245,7 +2230,7 @@
           <a:p>
             <a:pPr lvl="0"/>
             <a:r>
-              <a:rPr lang="ru-RU" smtClean="0"/>
+              <a:rPr lang="ru-RU"/>
               <a:t>Образец текста</a:t>
             </a:r>
           </a:p>
@@ -2301,38 +2286,37 @@
           <a:p>
             <a:pPr lvl="0"/>
             <a:r>
-              <a:rPr lang="ru-RU" smtClean="0"/>
+              <a:rPr lang="ru-RU"/>
               <a:t>Образец текста</a:t>
             </a:r>
           </a:p>
           <a:p>
             <a:pPr lvl="1"/>
             <a:r>
-              <a:rPr lang="ru-RU" smtClean="0"/>
+              <a:rPr lang="ru-RU"/>
               <a:t>Второй уровень</a:t>
             </a:r>
           </a:p>
           <a:p>
             <a:pPr lvl="2"/>
             <a:r>
-              <a:rPr lang="ru-RU" smtClean="0"/>
+              <a:rPr lang="ru-RU"/>
               <a:t>Третий уровень</a:t>
             </a:r>
           </a:p>
           <a:p>
             <a:pPr lvl="3"/>
             <a:r>
-              <a:rPr lang="ru-RU" smtClean="0"/>
+              <a:rPr lang="ru-RU"/>
               <a:t>Четвертый уровень</a:t>
             </a:r>
           </a:p>
           <a:p>
             <a:pPr lvl="4"/>
             <a:r>
-              <a:rPr lang="ru-RU" smtClean="0"/>
+              <a:rPr lang="ru-RU"/>
               <a:t>Пятый уровень</a:t>
             </a:r>
-            <a:endParaRPr lang="ru-RU"/>
           </a:p>
         </p:txBody>
       </p:sp>
@@ -2353,7 +2337,7 @@
           <a:p>
             <a:fld id="{A859B362-5864-4422-AE46-28A4E7714DCC}" type="datetimeFigureOut">
               <a:rPr lang="ru-RU" smtClean="0"/>
-              <a:t>23.09.2024</a:t>
+              <a:t>07.10.2024</a:t>
             </a:fld>
             <a:endParaRPr lang="ru-RU"/>
           </a:p>
@@ -2447,10 +2431,9 @@
           <a:lstStyle/>
           <a:p>
             <a:r>
-              <a:rPr lang="ru-RU" smtClean="0"/>
+              <a:rPr lang="ru-RU"/>
               <a:t>Образец заголовка</a:t>
             </a:r>
-            <a:endParaRPr lang="ru-RU"/>
           </a:p>
         </p:txBody>
       </p:sp>
@@ -2471,7 +2454,7 @@
           <a:p>
             <a:fld id="{A859B362-5864-4422-AE46-28A4E7714DCC}" type="datetimeFigureOut">
               <a:rPr lang="ru-RU" smtClean="0"/>
-              <a:t>23.09.2024</a:t>
+              <a:t>07.10.2024</a:t>
             </a:fld>
             <a:endParaRPr lang="ru-RU"/>
           </a:p>
@@ -2566,7 +2549,7 @@
           <a:p>
             <a:fld id="{A859B362-5864-4422-AE46-28A4E7714DCC}" type="datetimeFigureOut">
               <a:rPr lang="ru-RU" smtClean="0"/>
-              <a:t>23.09.2024</a:t>
+              <a:t>07.10.2024</a:t>
             </a:fld>
             <a:endParaRPr lang="ru-RU"/>
           </a:p>
@@ -2669,10 +2652,9 @@
           </a:lstStyle>
           <a:p>
             <a:r>
-              <a:rPr lang="ru-RU" smtClean="0"/>
+              <a:rPr lang="ru-RU"/>
               <a:t>Образец заголовка</a:t>
             </a:r>
-            <a:endParaRPr lang="ru-RU"/>
           </a:p>
         </p:txBody>
       </p:sp>
@@ -2726,38 +2708,37 @@
           <a:p>
             <a:pPr lvl="0"/>
             <a:r>
-              <a:rPr lang="ru-RU" smtClean="0"/>
+              <a:rPr lang="ru-RU"/>
               <a:t>Образец текста</a:t>
             </a:r>
           </a:p>
           <a:p>
             <a:pPr lvl="1"/>
             <a:r>
-              <a:rPr lang="ru-RU" smtClean="0"/>
+              <a:rPr lang="ru-RU"/>
               <a:t>Второй уровень</a:t>
             </a:r>
           </a:p>
           <a:p>
             <a:pPr lvl="2"/>
             <a:r>
-              <a:rPr lang="ru-RU" smtClean="0"/>
+              <a:rPr lang="ru-RU"/>
               <a:t>Третий уровень</a:t>
             </a:r>
           </a:p>
           <a:p>
             <a:pPr lvl="3"/>
             <a:r>
-              <a:rPr lang="ru-RU" smtClean="0"/>
+              <a:rPr lang="ru-RU"/>
               <a:t>Четвертый уровень</a:t>
             </a:r>
           </a:p>
           <a:p>
             <a:pPr lvl="4"/>
             <a:r>
-              <a:rPr lang="ru-RU" smtClean="0"/>
+              <a:rPr lang="ru-RU"/>
               <a:t>Пятый уровень</a:t>
             </a:r>
-            <a:endParaRPr lang="ru-RU"/>
           </a:p>
         </p:txBody>
       </p:sp>
@@ -2820,7 +2801,7 @@
           <a:p>
             <a:pPr lvl="0"/>
             <a:r>
-              <a:rPr lang="ru-RU" smtClean="0"/>
+              <a:rPr lang="ru-RU"/>
               <a:t>Образец текста</a:t>
             </a:r>
           </a:p>
@@ -2843,7 +2824,7 @@
           <a:p>
             <a:fld id="{A859B362-5864-4422-AE46-28A4E7714DCC}" type="datetimeFigureOut">
               <a:rPr lang="ru-RU" smtClean="0"/>
-              <a:t>23.09.2024</a:t>
+              <a:t>07.10.2024</a:t>
             </a:fld>
             <a:endParaRPr lang="ru-RU"/>
           </a:p>
@@ -2946,10 +2927,9 @@
           </a:lstStyle>
           <a:p>
             <a:r>
-              <a:rPr lang="ru-RU" smtClean="0"/>
+              <a:rPr lang="ru-RU"/>
               <a:t>Образец заголовка</a:t>
             </a:r>
-            <a:endParaRPr lang="ru-RU"/>
           </a:p>
         </p:txBody>
       </p:sp>
@@ -3073,7 +3053,7 @@
           <a:p>
             <a:pPr lvl="0"/>
             <a:r>
-              <a:rPr lang="ru-RU" smtClean="0"/>
+              <a:rPr lang="ru-RU"/>
               <a:t>Образец текста</a:t>
             </a:r>
           </a:p>
@@ -3096,7 +3076,7 @@
           <a:p>
             <a:fld id="{A859B362-5864-4422-AE46-28A4E7714DCC}" type="datetimeFigureOut">
               <a:rPr lang="ru-RU" smtClean="0"/>
-              <a:t>23.09.2024</a:t>
+              <a:t>07.10.2024</a:t>
             </a:fld>
             <a:endParaRPr lang="ru-RU"/>
           </a:p>
@@ -3205,10 +3185,9 @@
           <a:lstStyle/>
           <a:p>
             <a:r>
-              <a:rPr lang="ru-RU" smtClean="0"/>
+              <a:rPr lang="ru-RU"/>
               <a:t>Образец заголовка</a:t>
             </a:r>
-            <a:endParaRPr lang="ru-RU"/>
           </a:p>
         </p:txBody>
       </p:sp>
@@ -3239,38 +3218,37 @@
           <a:p>
             <a:pPr lvl="0"/>
             <a:r>
-              <a:rPr lang="ru-RU" smtClean="0"/>
+              <a:rPr lang="ru-RU"/>
               <a:t>Образец текста</a:t>
             </a:r>
           </a:p>
           <a:p>
             <a:pPr lvl="1"/>
             <a:r>
-              <a:rPr lang="ru-RU" smtClean="0"/>
+              <a:rPr lang="ru-RU"/>
               <a:t>Второй уровень</a:t>
             </a:r>
           </a:p>
           <a:p>
             <a:pPr lvl="2"/>
             <a:r>
-              <a:rPr lang="ru-RU" smtClean="0"/>
+              <a:rPr lang="ru-RU"/>
               <a:t>Третий уровень</a:t>
             </a:r>
           </a:p>
           <a:p>
             <a:pPr lvl="3"/>
             <a:r>
-              <a:rPr lang="ru-RU" smtClean="0"/>
+              <a:rPr lang="ru-RU"/>
               <a:t>Четвертый уровень</a:t>
             </a:r>
           </a:p>
           <a:p>
             <a:pPr lvl="4"/>
             <a:r>
-              <a:rPr lang="ru-RU" smtClean="0"/>
+              <a:rPr lang="ru-RU"/>
               <a:t>Пятый уровень</a:t>
             </a:r>
-            <a:endParaRPr lang="ru-RU"/>
           </a:p>
         </p:txBody>
       </p:sp>
@@ -3309,7 +3287,7 @@
           <a:p>
             <a:fld id="{A859B362-5864-4422-AE46-28A4E7714DCC}" type="datetimeFigureOut">
               <a:rPr lang="ru-RU" smtClean="0"/>
-              <a:t>23.09.2024</a:t>
+              <a:t>07.10.2024</a:t>
             </a:fld>
             <a:endParaRPr lang="ru-RU"/>
           </a:p>
@@ -3802,23 +3780,18 @@
           <a:p>
             <a:pPr algn="ctr"/>
             <a:r>
-              <a:rPr lang="ru-RU" sz="2800" b="1" dirty="0" smtClean="0">
+              <a:rPr lang="ru-RU" sz="2800" b="1" dirty="0">
                 <a:latin typeface="Tahoma" panose="020B0604030504040204" pitchFamily="34" charset="0"/>
                 <a:ea typeface="Tahoma" panose="020B0604030504040204" pitchFamily="34" charset="0"/>
                 <a:cs typeface="Tahoma" panose="020B0604030504040204" pitchFamily="34" charset="0"/>
               </a:rPr>
               <a:t>Программирование и основы алгоритмизации</a:t>
             </a:r>
-            <a:endParaRPr lang="ru-RU" sz="2800" b="1" dirty="0">
-              <a:latin typeface="Tahoma" panose="020B0604030504040204" pitchFamily="34" charset="0"/>
-              <a:ea typeface="Tahoma" panose="020B0604030504040204" pitchFamily="34" charset="0"/>
-              <a:cs typeface="Tahoma" panose="020B0604030504040204" pitchFamily="34" charset="0"/>
-            </a:endParaRPr>
           </a:p>
           <a:p>
             <a:pPr algn="ctr"/>
             <a:r>
-              <a:rPr lang="ru-RU" sz="2800" b="1" smtClean="0">
+              <a:rPr lang="ru-RU" sz="2800" b="1">
                 <a:latin typeface="Tahoma" panose="020B0604030504040204" pitchFamily="34" charset="0"/>
                 <a:ea typeface="Tahoma" panose="020B0604030504040204" pitchFamily="34" charset="0"/>
                 <a:cs typeface="Tahoma" panose="020B0604030504040204" pitchFamily="34" charset="0"/>
@@ -3951,18 +3924,13 @@
           <a:p>
             <a:pPr algn="ctr"/>
             <a:r>
-              <a:rPr lang="ru-RU" sz="2000" b="1" dirty="0" smtClean="0">
+              <a:rPr lang="ru-RU" sz="2000" b="1" dirty="0">
                 <a:latin typeface="Tahoma" panose="020B0604030504040204" pitchFamily="34" charset="0"/>
                 <a:ea typeface="Tahoma" panose="020B0604030504040204" pitchFamily="34" charset="0"/>
                 <a:cs typeface="Tahoma" panose="020B0604030504040204" pitchFamily="34" charset="0"/>
               </a:rPr>
               <a:t>Кафедра «Управление и защита информации»</a:t>
             </a:r>
-            <a:endParaRPr lang="ru-RU" sz="2000" b="1" dirty="0">
-              <a:latin typeface="Tahoma" panose="020B0604030504040204" pitchFamily="34" charset="0"/>
-              <a:ea typeface="Tahoma" panose="020B0604030504040204" pitchFamily="34" charset="0"/>
-              <a:cs typeface="Tahoma" panose="020B0604030504040204" pitchFamily="34" charset="0"/>
-            </a:endParaRPr>
           </a:p>
         </p:txBody>
       </p:sp>
@@ -4119,18 +4087,13 @@
           <a:p>
             <a:pPr algn="ctr"/>
             <a:r>
-              <a:rPr lang="ru-RU" sz="2000" b="1" dirty="0" smtClean="0">
+              <a:rPr lang="ru-RU" sz="2000" b="1" dirty="0">
                 <a:latin typeface="Tahoma" panose="020B0604030504040204" pitchFamily="34" charset="0"/>
                 <a:ea typeface="Tahoma" panose="020B0604030504040204" pitchFamily="34" charset="0"/>
                 <a:cs typeface="Tahoma" panose="020B0604030504040204" pitchFamily="34" charset="0"/>
               </a:rPr>
               <a:t>Учебная дисциплина:</a:t>
             </a:r>
-            <a:endParaRPr lang="ru-RU" sz="2000" b="1" dirty="0">
-              <a:latin typeface="Tahoma" panose="020B0604030504040204" pitchFamily="34" charset="0"/>
-              <a:ea typeface="Tahoma" panose="020B0604030504040204" pitchFamily="34" charset="0"/>
-              <a:cs typeface="Tahoma" panose="020B0604030504040204" pitchFamily="34" charset="0"/>
-            </a:endParaRPr>
           </a:p>
         </p:txBody>
       </p:sp>
@@ -4257,18 +4220,10 @@
                 <a:ea typeface="Tahoma" panose="020B0604030504040204" pitchFamily="34" charset="0"/>
                 <a:cs typeface="Tahoma" panose="020B0604030504040204" pitchFamily="34" charset="0"/>
               </a:rPr>
-              <a:t>Курс лекций. </a:t>
-            </a:r>
-            <a:r>
-              <a:rPr lang="ru-RU" sz="2000" b="1" dirty="0" smtClean="0">
-                <a:latin typeface="Tahoma" panose="020B0604030504040204" pitchFamily="34" charset="0"/>
-                <a:ea typeface="Tahoma" panose="020B0604030504040204" pitchFamily="34" charset="0"/>
-                <a:cs typeface="Tahoma" panose="020B0604030504040204" pitchFamily="34" charset="0"/>
-              </a:rPr>
-              <a:t>Раздел</a:t>
-            </a:r>
-            <a:r>
-              <a:rPr lang="en-US" sz="2000" b="1" dirty="0" smtClean="0">
+              <a:t>Курс лекций. Раздел</a:t>
+            </a:r>
+            <a:r>
+              <a:rPr lang="en-US" sz="2000" b="1" dirty="0">
                 <a:latin typeface="Tahoma" panose="020B0604030504040204" pitchFamily="34" charset="0"/>
                 <a:ea typeface="Tahoma" panose="020B0604030504040204" pitchFamily="34" charset="0"/>
                 <a:cs typeface="Tahoma" panose="020B0604030504040204" pitchFamily="34" charset="0"/>
@@ -4276,7 +4231,7 @@
               <a:t> </a:t>
             </a:r>
             <a:r>
-              <a:rPr lang="ru-RU" sz="2000" b="1" dirty="0" smtClean="0">
+              <a:rPr lang="ru-RU" sz="2000" b="1" dirty="0">
                 <a:latin typeface="Tahoma" panose="020B0604030504040204" pitchFamily="34" charset="0"/>
                 <a:ea typeface="Tahoma" panose="020B0604030504040204" pitchFamily="34" charset="0"/>
                 <a:cs typeface="Tahoma" panose="020B0604030504040204" pitchFamily="34" charset="0"/>
@@ -4284,7 +4239,7 @@
               <a:t>«Автоматизация </a:t>
             </a:r>
             <a:r>
-              <a:rPr lang="en-US" sz="2000" b="1" dirty="0" smtClean="0">
+              <a:rPr lang="en-US" sz="2000" b="1" dirty="0">
                 <a:latin typeface="Tahoma" panose="020B0604030504040204" pitchFamily="34" charset="0"/>
                 <a:ea typeface="Tahoma" panose="020B0604030504040204" pitchFamily="34" charset="0"/>
                 <a:cs typeface="Tahoma" panose="020B0604030504040204" pitchFamily="34" charset="0"/>
@@ -4292,7 +4247,7 @@
               <a:t>Word</a:t>
             </a:r>
             <a:r>
-              <a:rPr lang="ru-RU" sz="2000" b="1" dirty="0" smtClean="0">
+              <a:rPr lang="ru-RU" sz="2000" b="1" dirty="0">
                 <a:latin typeface="Tahoma" panose="020B0604030504040204" pitchFamily="34" charset="0"/>
                 <a:ea typeface="Tahoma" panose="020B0604030504040204" pitchFamily="34" charset="0"/>
                 <a:cs typeface="Tahoma" panose="020B0604030504040204" pitchFamily="34" charset="0"/>
@@ -4302,27 +4257,22 @@
           </a:p>
           <a:p>
             <a:pPr algn="r"/>
-            <a:endParaRPr lang="ru-RU" sz="2000" b="1" dirty="0" smtClean="0">
-              <a:latin typeface="Tahoma" panose="020B0604030504040204" pitchFamily="34" charset="0"/>
-              <a:ea typeface="Tahoma" panose="020B0604030504040204" pitchFamily="34" charset="0"/>
-              <a:cs typeface="Tahoma" panose="020B0604030504040204" pitchFamily="34" charset="0"/>
-            </a:endParaRPr>
-          </a:p>
-          <a:p>
-            <a:pPr algn="r"/>
-            <a:r>
-              <a:rPr lang="ru-RU" sz="2000" b="1" dirty="0" smtClean="0">
-                <a:latin typeface="Tahoma" panose="020B0604030504040204" pitchFamily="34" charset="0"/>
-                <a:ea typeface="Tahoma" panose="020B0604030504040204" pitchFamily="34" charset="0"/>
-                <a:cs typeface="Tahoma" panose="020B0604030504040204" pitchFamily="34" charset="0"/>
-              </a:rPr>
-              <a:t>Сафронов А.И.</a:t>
-            </a:r>
             <a:endParaRPr lang="ru-RU" sz="2000" b="1" dirty="0">
               <a:latin typeface="Tahoma" panose="020B0604030504040204" pitchFamily="34" charset="0"/>
               <a:ea typeface="Tahoma" panose="020B0604030504040204" pitchFamily="34" charset="0"/>
               <a:cs typeface="Tahoma" panose="020B0604030504040204" pitchFamily="34" charset="0"/>
             </a:endParaRPr>
+          </a:p>
+          <a:p>
+            <a:pPr algn="r"/>
+            <a:r>
+              <a:rPr lang="ru-RU" sz="2000" b="1" dirty="0">
+                <a:latin typeface="Tahoma" panose="020B0604030504040204" pitchFamily="34" charset="0"/>
+                <a:ea typeface="Tahoma" panose="020B0604030504040204" pitchFamily="34" charset="0"/>
+                <a:cs typeface="Tahoma" panose="020B0604030504040204" pitchFamily="34" charset="0"/>
+              </a:rPr>
+              <a:t>Сафронов А.И.</a:t>
+            </a:r>
           </a:p>
         </p:txBody>
       </p:sp>
@@ -4444,7 +4394,7 @@
           <a:p>
             <a:pPr algn="ctr"/>
             <a:r>
-              <a:rPr lang="ru-RU" sz="1400" b="1" dirty="0" smtClean="0">
+              <a:rPr lang="ru-RU" sz="1400" b="1" dirty="0">
                 <a:latin typeface="Tahoma" panose="020B0604030504040204" pitchFamily="34" charset="0"/>
                 <a:ea typeface="Tahoma" panose="020B0604030504040204" pitchFamily="34" charset="0"/>
                 <a:cs typeface="Tahoma" panose="020B0604030504040204" pitchFamily="34" charset="0"/>
@@ -4452,7 +4402,7 @@
               <a:t>Москва – 20</a:t>
             </a:r>
             <a:r>
-              <a:rPr lang="en-US" sz="1400" b="1" dirty="0" smtClean="0">
+              <a:rPr lang="en-US" sz="1400" b="1" dirty="0">
                 <a:latin typeface="Tahoma" panose="020B0604030504040204" pitchFamily="34" charset="0"/>
                 <a:ea typeface="Tahoma" panose="020B0604030504040204" pitchFamily="34" charset="0"/>
                 <a:cs typeface="Tahoma" panose="020B0604030504040204" pitchFamily="34" charset="0"/>
@@ -4460,18 +4410,13 @@
               <a:t>24</a:t>
             </a:r>
             <a:r>
-              <a:rPr lang="ru-RU" sz="1400" b="1" dirty="0" smtClean="0">
+              <a:rPr lang="ru-RU" sz="1400" b="1" dirty="0">
                 <a:latin typeface="Tahoma" panose="020B0604030504040204" pitchFamily="34" charset="0"/>
                 <a:ea typeface="Tahoma" panose="020B0604030504040204" pitchFamily="34" charset="0"/>
                 <a:cs typeface="Tahoma" panose="020B0604030504040204" pitchFamily="34" charset="0"/>
               </a:rPr>
               <a:t> г.</a:t>
             </a:r>
-            <a:endParaRPr lang="ru-RU" sz="1400" b="1" dirty="0">
-              <a:latin typeface="Tahoma" panose="020B0604030504040204" pitchFamily="34" charset="0"/>
-              <a:ea typeface="Tahoma" panose="020B0604030504040204" pitchFamily="34" charset="0"/>
-              <a:cs typeface="Tahoma" panose="020B0604030504040204" pitchFamily="34" charset="0"/>
-            </a:endParaRPr>
           </a:p>
         </p:txBody>
       </p:sp>
@@ -4485,13 +4430,6 @@
   <p:clrMapOvr>
     <a:masterClrMapping/>
   </p:clrMapOvr>
-  <p:timing>
-    <p:tnLst>
-      <p:par>
-        <p:cTn id="1" dur="indefinite" restart="never" nodeType="tmRoot"/>
-      </p:par>
-    </p:tnLst>
-  </p:timing>
 </p:sld>
 </file>
 
@@ -4536,18 +4474,13 @@
           <a:p>
             <a:pPr algn="ctr"/>
             <a:r>
-              <a:rPr lang="ru-RU" sz="2800" b="1" dirty="0" smtClean="0">
+              <a:rPr lang="ru-RU" sz="2800" b="1" dirty="0">
                 <a:latin typeface="Tahoma" panose="020B0604030504040204" pitchFamily="34" charset="0"/>
                 <a:ea typeface="Tahoma" panose="020B0604030504040204" pitchFamily="34" charset="0"/>
                 <a:cs typeface="Tahoma" panose="020B0604030504040204" pitchFamily="34" charset="0"/>
               </a:rPr>
               <a:t>Форматирование таблиц</a:t>
             </a:r>
-            <a:endParaRPr lang="ru-RU" sz="2800" b="1" dirty="0">
-              <a:latin typeface="Tahoma" panose="020B0604030504040204" pitchFamily="34" charset="0"/>
-              <a:ea typeface="Tahoma" panose="020B0604030504040204" pitchFamily="34" charset="0"/>
-              <a:cs typeface="Tahoma" panose="020B0604030504040204" pitchFamily="34" charset="0"/>
-            </a:endParaRPr>
           </a:p>
         </p:txBody>
       </p:sp>
@@ -4587,7 +4520,7 @@
           <a:p>
             <a:pPr algn="just"/>
             <a:r>
-              <a:rPr lang="ru-RU" dirty="0" smtClean="0">
+              <a:rPr lang="ru-RU" dirty="0">
                 <a:latin typeface="Tahoma" panose="020B0604030504040204" pitchFamily="34" charset="0"/>
                 <a:ea typeface="Tahoma" panose="020B0604030504040204" pitchFamily="34" charset="0"/>
                 <a:cs typeface="Tahoma" panose="020B0604030504040204" pitchFamily="34" charset="0"/>
@@ -4751,13 +4684,6 @@
   <p:clrMapOvr>
     <a:masterClrMapping/>
   </p:clrMapOvr>
-  <p:timing>
-    <p:tnLst>
-      <p:par>
-        <p:cTn id="1" dur="indefinite" restart="never" nodeType="tmRoot"/>
-      </p:par>
-    </p:tnLst>
-  </p:timing>
 </p:sld>
 </file>
 
@@ -4802,18 +4728,13 @@
           <a:p>
             <a:pPr algn="ctr"/>
             <a:r>
-              <a:rPr lang="ru-RU" sz="2800" b="1" dirty="0" smtClean="0">
+              <a:rPr lang="ru-RU" sz="2800" b="1" dirty="0">
                 <a:latin typeface="Tahoma" panose="020B0604030504040204" pitchFamily="34" charset="0"/>
                 <a:ea typeface="Tahoma" panose="020B0604030504040204" pitchFamily="34" charset="0"/>
                 <a:cs typeface="Tahoma" panose="020B0604030504040204" pitchFamily="34" charset="0"/>
               </a:rPr>
               <a:t>Форматирование таблиц</a:t>
             </a:r>
-            <a:endParaRPr lang="ru-RU" sz="2800" b="1" dirty="0">
-              <a:latin typeface="Tahoma" panose="020B0604030504040204" pitchFamily="34" charset="0"/>
-              <a:ea typeface="Tahoma" panose="020B0604030504040204" pitchFamily="34" charset="0"/>
-              <a:cs typeface="Tahoma" panose="020B0604030504040204" pitchFamily="34" charset="0"/>
-            </a:endParaRPr>
           </a:p>
         </p:txBody>
       </p:sp>
@@ -4853,7 +4774,7 @@
           <a:p>
             <a:pPr algn="just"/>
             <a:r>
-              <a:rPr lang="ru-RU" dirty="0" smtClean="0">
+              <a:rPr lang="ru-RU" dirty="0">
                 <a:latin typeface="Tahoma" panose="020B0604030504040204" pitchFamily="34" charset="0"/>
                 <a:ea typeface="Tahoma" panose="020B0604030504040204" pitchFamily="34" charset="0"/>
                 <a:cs typeface="Tahoma" panose="020B0604030504040204" pitchFamily="34" charset="0"/>
@@ -4861,7 +4782,7 @@
               <a:t>Метод работает как промежуточный этап формирования</a:t>
             </a:r>
             <a:r>
-              <a:rPr lang="en-US" dirty="0" smtClean="0">
+              <a:rPr lang="en-US" dirty="0">
                 <a:latin typeface="Tahoma" panose="020B0604030504040204" pitchFamily="34" charset="0"/>
                 <a:ea typeface="Tahoma" panose="020B0604030504040204" pitchFamily="34" charset="0"/>
                 <a:cs typeface="Tahoma" panose="020B0604030504040204" pitchFamily="34" charset="0"/>
@@ -4869,7 +4790,7 @@
               <a:t> </a:t>
             </a:r>
             <a:r>
-              <a:rPr lang="en-US" i="1" dirty="0" smtClean="0">
+              <a:rPr lang="en-US" i="1" dirty="0">
                 <a:latin typeface="Tahoma" panose="020B0604030504040204" pitchFamily="34" charset="0"/>
                 <a:ea typeface="Tahoma" panose="020B0604030504040204" pitchFamily="34" charset="0"/>
                 <a:cs typeface="Tahoma" panose="020B0604030504040204" pitchFamily="34" charset="0"/>
@@ -4877,7 +4798,7 @@
               <a:t>Word</a:t>
             </a:r>
             <a:r>
-              <a:rPr lang="en-US" dirty="0" smtClean="0">
+              <a:rPr lang="en-US" dirty="0">
                 <a:latin typeface="Tahoma" panose="020B0604030504040204" pitchFamily="34" charset="0"/>
                 <a:ea typeface="Tahoma" panose="020B0604030504040204" pitchFamily="34" charset="0"/>
                 <a:cs typeface="Tahoma" panose="020B0604030504040204" pitchFamily="34" charset="0"/>
@@ -4885,7 +4806,7 @@
               <a:t> </a:t>
             </a:r>
             <a:r>
-              <a:rPr lang="ru-RU" dirty="0" smtClean="0">
+              <a:rPr lang="ru-RU" dirty="0">
                 <a:latin typeface="Tahoma" panose="020B0604030504040204" pitchFamily="34" charset="0"/>
                 <a:ea typeface="Tahoma" panose="020B0604030504040204" pitchFamily="34" charset="0"/>
                 <a:cs typeface="Tahoma" panose="020B0604030504040204" pitchFamily="34" charset="0"/>
@@ -4996,13 +4917,6 @@
   <p:clrMapOvr>
     <a:masterClrMapping/>
   </p:clrMapOvr>
-  <p:timing>
-    <p:tnLst>
-      <p:par>
-        <p:cTn id="1" dur="indefinite" restart="never" nodeType="tmRoot"/>
-      </p:par>
-    </p:tnLst>
-  </p:timing>
 </p:sld>
 </file>
 
@@ -5047,18 +4961,13 @@
           <a:p>
             <a:pPr algn="ctr"/>
             <a:r>
-              <a:rPr lang="ru-RU" sz="2800" b="1" dirty="0" smtClean="0">
+              <a:rPr lang="ru-RU" sz="2800" b="1" dirty="0">
                 <a:latin typeface="Tahoma" panose="020B0604030504040204" pitchFamily="34" charset="0"/>
                 <a:ea typeface="Tahoma" panose="020B0604030504040204" pitchFamily="34" charset="0"/>
                 <a:cs typeface="Tahoma" panose="020B0604030504040204" pitchFamily="34" charset="0"/>
               </a:rPr>
               <a:t>Форматирование таблиц</a:t>
             </a:r>
-            <a:endParaRPr lang="ru-RU" sz="2800" b="1" dirty="0">
-              <a:latin typeface="Tahoma" panose="020B0604030504040204" pitchFamily="34" charset="0"/>
-              <a:ea typeface="Tahoma" panose="020B0604030504040204" pitchFamily="34" charset="0"/>
-              <a:cs typeface="Tahoma" panose="020B0604030504040204" pitchFamily="34" charset="0"/>
-            </a:endParaRPr>
           </a:p>
         </p:txBody>
       </p:sp>
@@ -5098,7 +5007,7 @@
           <a:p>
             <a:pPr algn="just"/>
             <a:r>
-              <a:rPr lang="ru-RU" dirty="0" smtClean="0">
+              <a:rPr lang="ru-RU" dirty="0">
                 <a:latin typeface="Tahoma" panose="020B0604030504040204" pitchFamily="34" charset="0"/>
                 <a:ea typeface="Tahoma" panose="020B0604030504040204" pitchFamily="34" charset="0"/>
                 <a:cs typeface="Tahoma" panose="020B0604030504040204" pitchFamily="34" charset="0"/>
@@ -5106,7 +5015,7 @@
               <a:t>Создаётся новая</a:t>
             </a:r>
             <a:r>
-              <a:rPr lang="en-US" dirty="0" smtClean="0">
+              <a:rPr lang="en-US" dirty="0">
                 <a:latin typeface="Tahoma" panose="020B0604030504040204" pitchFamily="34" charset="0"/>
                 <a:ea typeface="Tahoma" panose="020B0604030504040204" pitchFamily="34" charset="0"/>
                 <a:cs typeface="Tahoma" panose="020B0604030504040204" pitchFamily="34" charset="0"/>
@@ -5114,7 +5023,7 @@
               <a:t> </a:t>
             </a:r>
             <a:r>
-              <a:rPr lang="en-US" i="1" dirty="0" smtClean="0">
+              <a:rPr lang="en-US" i="1" dirty="0">
                 <a:latin typeface="Tahoma" panose="020B0604030504040204" pitchFamily="34" charset="0"/>
                 <a:ea typeface="Tahoma" panose="020B0604030504040204" pitchFamily="34" charset="0"/>
                 <a:cs typeface="Tahoma" panose="020B0604030504040204" pitchFamily="34" charset="0"/>
@@ -5122,7 +5031,7 @@
               <a:t>Word</a:t>
             </a:r>
             <a:r>
-              <a:rPr lang="en-US" dirty="0" smtClean="0">
+              <a:rPr lang="en-US" dirty="0">
                 <a:latin typeface="Tahoma" panose="020B0604030504040204" pitchFamily="34" charset="0"/>
                 <a:ea typeface="Tahoma" panose="020B0604030504040204" pitchFamily="34" charset="0"/>
                 <a:cs typeface="Tahoma" panose="020B0604030504040204" pitchFamily="34" charset="0"/>
@@ -5130,7 +5039,7 @@
               <a:t> </a:t>
             </a:r>
             <a:r>
-              <a:rPr lang="ru-RU" dirty="0" smtClean="0">
+              <a:rPr lang="ru-RU" dirty="0">
                 <a:latin typeface="Tahoma" panose="020B0604030504040204" pitchFamily="34" charset="0"/>
                 <a:ea typeface="Tahoma" panose="020B0604030504040204" pitchFamily="34" charset="0"/>
                 <a:cs typeface="Tahoma" panose="020B0604030504040204" pitchFamily="34" charset="0"/>
@@ -5241,13 +5150,6 @@
   <p:clrMapOvr>
     <a:masterClrMapping/>
   </p:clrMapOvr>
-  <p:timing>
-    <p:tnLst>
-      <p:par>
-        <p:cTn id="1" dur="indefinite" restart="never" nodeType="tmRoot"/>
-      </p:par>
-    </p:tnLst>
-  </p:timing>
 </p:sld>
 </file>
 
@@ -5292,18 +5194,13 @@
           <a:p>
             <a:pPr algn="ctr"/>
             <a:r>
-              <a:rPr lang="ru-RU" sz="2800" b="1" dirty="0" smtClean="0">
+              <a:rPr lang="ru-RU" sz="2800" b="1" dirty="0">
                 <a:latin typeface="Tahoma" panose="020B0604030504040204" pitchFamily="34" charset="0"/>
                 <a:ea typeface="Tahoma" panose="020B0604030504040204" pitchFamily="34" charset="0"/>
                 <a:cs typeface="Tahoma" panose="020B0604030504040204" pitchFamily="34" charset="0"/>
               </a:rPr>
               <a:t>Форматирование таблиц</a:t>
             </a:r>
-            <a:endParaRPr lang="ru-RU" sz="2800" b="1" dirty="0">
-              <a:latin typeface="Tahoma" panose="020B0604030504040204" pitchFamily="34" charset="0"/>
-              <a:ea typeface="Tahoma" panose="020B0604030504040204" pitchFamily="34" charset="0"/>
-              <a:cs typeface="Tahoma" panose="020B0604030504040204" pitchFamily="34" charset="0"/>
-            </a:endParaRPr>
           </a:p>
         </p:txBody>
       </p:sp>
@@ -5343,7 +5240,7 @@
           <a:p>
             <a:pPr algn="just"/>
             <a:r>
-              <a:rPr lang="ru-RU" dirty="0" smtClean="0">
+              <a:rPr lang="ru-RU" dirty="0">
                 <a:latin typeface="Tahoma" panose="020B0604030504040204" pitchFamily="34" charset="0"/>
                 <a:ea typeface="Tahoma" panose="020B0604030504040204" pitchFamily="34" charset="0"/>
                 <a:cs typeface="Tahoma" panose="020B0604030504040204" pitchFamily="34" charset="0"/>
@@ -5454,13 +5351,6 @@
   <p:clrMapOvr>
     <a:masterClrMapping/>
   </p:clrMapOvr>
-  <p:timing>
-    <p:tnLst>
-      <p:par>
-        <p:cTn id="1" dur="indefinite" restart="never" nodeType="tmRoot"/>
-      </p:par>
-    </p:tnLst>
-  </p:timing>
 </p:sld>
 </file>
 
@@ -5505,18 +5395,13 @@
           <a:p>
             <a:pPr algn="ctr"/>
             <a:r>
-              <a:rPr lang="ru-RU" sz="2800" b="1" dirty="0" smtClean="0">
+              <a:rPr lang="ru-RU" sz="2800" b="1" dirty="0">
                 <a:latin typeface="Tahoma" panose="020B0604030504040204" pitchFamily="34" charset="0"/>
                 <a:ea typeface="Tahoma" panose="020B0604030504040204" pitchFamily="34" charset="0"/>
                 <a:cs typeface="Tahoma" panose="020B0604030504040204" pitchFamily="34" charset="0"/>
               </a:rPr>
               <a:t>Форматирование таблиц</a:t>
             </a:r>
-            <a:endParaRPr lang="ru-RU" sz="2800" b="1" dirty="0">
-              <a:latin typeface="Tahoma" panose="020B0604030504040204" pitchFamily="34" charset="0"/>
-              <a:ea typeface="Tahoma" panose="020B0604030504040204" pitchFamily="34" charset="0"/>
-              <a:cs typeface="Tahoma" panose="020B0604030504040204" pitchFamily="34" charset="0"/>
-            </a:endParaRPr>
           </a:p>
         </p:txBody>
       </p:sp>
@@ -5556,7 +5441,7 @@
           <a:p>
             <a:pPr algn="just"/>
             <a:r>
-              <a:rPr lang="ru-RU" dirty="0" smtClean="0">
+              <a:rPr lang="ru-RU" dirty="0">
                 <a:latin typeface="Tahoma" panose="020B0604030504040204" pitchFamily="34" charset="0"/>
                 <a:ea typeface="Tahoma" panose="020B0604030504040204" pitchFamily="34" charset="0"/>
                 <a:cs typeface="Tahoma" panose="020B0604030504040204" pitchFamily="34" charset="0"/>
@@ -5667,13 +5552,6 @@
   <p:clrMapOvr>
     <a:masterClrMapping/>
   </p:clrMapOvr>
-  <p:timing>
-    <p:tnLst>
-      <p:par>
-        <p:cTn id="1" dur="indefinite" restart="never" nodeType="tmRoot"/>
-      </p:par>
-    </p:tnLst>
-  </p:timing>
 </p:sld>
 </file>
 
@@ -5718,18 +5596,13 @@
           <a:p>
             <a:pPr algn="ctr"/>
             <a:r>
-              <a:rPr lang="ru-RU" sz="2800" b="1" dirty="0" smtClean="0">
+              <a:rPr lang="ru-RU" sz="2800" b="1" dirty="0">
                 <a:latin typeface="Tahoma" panose="020B0604030504040204" pitchFamily="34" charset="0"/>
                 <a:ea typeface="Tahoma" panose="020B0604030504040204" pitchFamily="34" charset="0"/>
                 <a:cs typeface="Tahoma" panose="020B0604030504040204" pitchFamily="34" charset="0"/>
               </a:rPr>
               <a:t>Форматирование таблиц</a:t>
             </a:r>
-            <a:endParaRPr lang="ru-RU" sz="2800" b="1" dirty="0">
-              <a:latin typeface="Tahoma" panose="020B0604030504040204" pitchFamily="34" charset="0"/>
-              <a:ea typeface="Tahoma" panose="020B0604030504040204" pitchFamily="34" charset="0"/>
-              <a:cs typeface="Tahoma" panose="020B0604030504040204" pitchFamily="34" charset="0"/>
-            </a:endParaRPr>
           </a:p>
         </p:txBody>
       </p:sp>
@@ -5769,7 +5642,7 @@
           <a:p>
             <a:pPr algn="just"/>
             <a:r>
-              <a:rPr lang="ru-RU" dirty="0" smtClean="0">
+              <a:rPr lang="ru-RU" dirty="0">
                 <a:latin typeface="Tahoma" panose="020B0604030504040204" pitchFamily="34" charset="0"/>
                 <a:ea typeface="Tahoma" panose="020B0604030504040204" pitchFamily="34" charset="0"/>
                 <a:cs typeface="Tahoma" panose="020B0604030504040204" pitchFamily="34" charset="0"/>
@@ -5777,7 +5650,7 @@
               <a:t>Результат создания и заполнения таблицы </a:t>
             </a:r>
             <a:r>
-              <a:rPr lang="en-US" i="1" dirty="0" smtClean="0">
+              <a:rPr lang="en-US" i="1" dirty="0">
                 <a:latin typeface="Tahoma" panose="020B0604030504040204" pitchFamily="34" charset="0"/>
                 <a:ea typeface="Tahoma" panose="020B0604030504040204" pitchFamily="34" charset="0"/>
                 <a:cs typeface="Tahoma" panose="020B0604030504040204" pitchFamily="34" charset="0"/>
@@ -5785,7 +5658,7 @@
               <a:t>Word</a:t>
             </a:r>
             <a:r>
-              <a:rPr lang="ru-RU" dirty="0" smtClean="0">
+              <a:rPr lang="ru-RU" dirty="0">
                 <a:latin typeface="Tahoma" panose="020B0604030504040204" pitchFamily="34" charset="0"/>
                 <a:ea typeface="Tahoma" panose="020B0604030504040204" pitchFamily="34" charset="0"/>
                 <a:cs typeface="Tahoma" panose="020B0604030504040204" pitchFamily="34" charset="0"/>
@@ -5843,13 +5716,6 @@
   <p:clrMapOvr>
     <a:masterClrMapping/>
   </p:clrMapOvr>
-  <p:timing>
-    <p:tnLst>
-      <p:par>
-        <p:cTn id="1" dur="indefinite" restart="never" nodeType="tmRoot"/>
-      </p:par>
-    </p:tnLst>
-  </p:timing>
 </p:sld>
 </file>
 
@@ -5894,18 +5760,13 @@
           <a:p>
             <a:pPr algn="ctr"/>
             <a:r>
-              <a:rPr lang="ru-RU" sz="2800" b="1" dirty="0" smtClean="0">
+              <a:rPr lang="ru-RU" sz="2800" b="1" dirty="0">
                 <a:latin typeface="Tahoma" panose="020B0604030504040204" pitchFamily="34" charset="0"/>
                 <a:ea typeface="Tahoma" panose="020B0604030504040204" pitchFamily="34" charset="0"/>
                 <a:cs typeface="Tahoma" panose="020B0604030504040204" pitchFamily="34" charset="0"/>
               </a:rPr>
               <a:t>Форматирование таблиц</a:t>
             </a:r>
-            <a:endParaRPr lang="ru-RU" sz="2800" b="1" dirty="0">
-              <a:latin typeface="Tahoma" panose="020B0604030504040204" pitchFamily="34" charset="0"/>
-              <a:ea typeface="Tahoma" panose="020B0604030504040204" pitchFamily="34" charset="0"/>
-              <a:cs typeface="Tahoma" panose="020B0604030504040204" pitchFamily="34" charset="0"/>
-            </a:endParaRPr>
           </a:p>
         </p:txBody>
       </p:sp>
@@ -5945,7 +5806,7 @@
           <a:p>
             <a:pPr algn="just"/>
             <a:r>
-              <a:rPr lang="ru-RU" dirty="0" smtClean="0">
+              <a:rPr lang="ru-RU" dirty="0">
                 <a:latin typeface="Tahoma" panose="020B0604030504040204" pitchFamily="34" charset="0"/>
                 <a:ea typeface="Tahoma" panose="020B0604030504040204" pitchFamily="34" charset="0"/>
                 <a:cs typeface="Tahoma" panose="020B0604030504040204" pitchFamily="34" charset="0"/>
@@ -6109,13 +5970,6 @@
   <p:clrMapOvr>
     <a:masterClrMapping/>
   </p:clrMapOvr>
-  <p:timing>
-    <p:tnLst>
-      <p:par>
-        <p:cTn id="1" dur="indefinite" restart="never" nodeType="tmRoot"/>
-      </p:par>
-    </p:tnLst>
-  </p:timing>
 </p:sld>
 </file>
 
@@ -6160,18 +6014,13 @@
           <a:p>
             <a:pPr algn="ctr"/>
             <a:r>
-              <a:rPr lang="ru-RU" sz="2800" b="1" dirty="0" smtClean="0">
+              <a:rPr lang="ru-RU" sz="2800" b="1" dirty="0">
                 <a:latin typeface="Tahoma" panose="020B0604030504040204" pitchFamily="34" charset="0"/>
                 <a:ea typeface="Tahoma" panose="020B0604030504040204" pitchFamily="34" charset="0"/>
                 <a:cs typeface="Tahoma" panose="020B0604030504040204" pitchFamily="34" charset="0"/>
               </a:rPr>
               <a:t>Форматирование таблиц</a:t>
             </a:r>
-            <a:endParaRPr lang="ru-RU" sz="2800" b="1" dirty="0">
-              <a:latin typeface="Tahoma" panose="020B0604030504040204" pitchFamily="34" charset="0"/>
-              <a:ea typeface="Tahoma" panose="020B0604030504040204" pitchFamily="34" charset="0"/>
-              <a:cs typeface="Tahoma" panose="020B0604030504040204" pitchFamily="34" charset="0"/>
-            </a:endParaRPr>
           </a:p>
         </p:txBody>
       </p:sp>
@@ -6211,7 +6060,7 @@
           <a:p>
             <a:pPr algn="just"/>
             <a:r>
-              <a:rPr lang="ru-RU" dirty="0" smtClean="0">
+              <a:rPr lang="ru-RU" dirty="0">
                 <a:latin typeface="Tahoma" panose="020B0604030504040204" pitchFamily="34" charset="0"/>
                 <a:ea typeface="Tahoma" panose="020B0604030504040204" pitchFamily="34" charset="0"/>
                 <a:cs typeface="Tahoma" panose="020B0604030504040204" pitchFamily="34" charset="0"/>
@@ -6269,13 +6118,6 @@
   <p:clrMapOvr>
     <a:masterClrMapping/>
   </p:clrMapOvr>
-  <p:timing>
-    <p:tnLst>
-      <p:par>
-        <p:cTn id="1" dur="indefinite" restart="never" nodeType="tmRoot"/>
-      </p:par>
-    </p:tnLst>
-  </p:timing>
 </p:sld>
 </file>
 
@@ -6320,18 +6162,13 @@
           <a:p>
             <a:pPr algn="ctr"/>
             <a:r>
-              <a:rPr lang="ru-RU" sz="2800" b="1" dirty="0" smtClean="0">
+              <a:rPr lang="ru-RU" sz="2800" b="1" dirty="0">
                 <a:latin typeface="Tahoma" panose="020B0604030504040204" pitchFamily="34" charset="0"/>
                 <a:ea typeface="Tahoma" panose="020B0604030504040204" pitchFamily="34" charset="0"/>
                 <a:cs typeface="Tahoma" panose="020B0604030504040204" pitchFamily="34" charset="0"/>
               </a:rPr>
               <a:t>Форматирование таблиц</a:t>
             </a:r>
-            <a:endParaRPr lang="ru-RU" sz="2800" b="1" dirty="0">
-              <a:latin typeface="Tahoma" panose="020B0604030504040204" pitchFamily="34" charset="0"/>
-              <a:ea typeface="Tahoma" panose="020B0604030504040204" pitchFamily="34" charset="0"/>
-              <a:cs typeface="Tahoma" panose="020B0604030504040204" pitchFamily="34" charset="0"/>
-            </a:endParaRPr>
           </a:p>
         </p:txBody>
       </p:sp>
@@ -6371,7 +6208,7 @@
           <a:p>
             <a:pPr algn="just"/>
             <a:r>
-              <a:rPr lang="ru-RU" dirty="0" smtClean="0">
+              <a:rPr lang="ru-RU" dirty="0">
                 <a:latin typeface="Tahoma" panose="020B0604030504040204" pitchFamily="34" charset="0"/>
                 <a:ea typeface="Tahoma" panose="020B0604030504040204" pitchFamily="34" charset="0"/>
                 <a:cs typeface="Tahoma" panose="020B0604030504040204" pitchFamily="34" charset="0"/>
@@ -6482,13 +6319,6 @@
   <p:clrMapOvr>
     <a:masterClrMapping/>
   </p:clrMapOvr>
-  <p:timing>
-    <p:tnLst>
-      <p:par>
-        <p:cTn id="1" dur="indefinite" restart="never" nodeType="tmRoot"/>
-      </p:par>
-    </p:tnLst>
-  </p:timing>
 </p:sld>
 </file>
 
@@ -6533,18 +6363,13 @@
           <a:p>
             <a:pPr algn="ctr"/>
             <a:r>
-              <a:rPr lang="ru-RU" sz="2800" b="1" dirty="0" smtClean="0">
+              <a:rPr lang="ru-RU" sz="2800" b="1" dirty="0">
                 <a:latin typeface="Tahoma" panose="020B0604030504040204" pitchFamily="34" charset="0"/>
                 <a:ea typeface="Tahoma" panose="020B0604030504040204" pitchFamily="34" charset="0"/>
                 <a:cs typeface="Tahoma" panose="020B0604030504040204" pitchFamily="34" charset="0"/>
               </a:rPr>
               <a:t>Форматирование таблиц</a:t>
             </a:r>
-            <a:endParaRPr lang="ru-RU" sz="2800" b="1" dirty="0">
-              <a:latin typeface="Tahoma" panose="020B0604030504040204" pitchFamily="34" charset="0"/>
-              <a:ea typeface="Tahoma" panose="020B0604030504040204" pitchFamily="34" charset="0"/>
-              <a:cs typeface="Tahoma" panose="020B0604030504040204" pitchFamily="34" charset="0"/>
-            </a:endParaRPr>
           </a:p>
         </p:txBody>
       </p:sp>
@@ -6584,7 +6409,7 @@
           <a:p>
             <a:pPr algn="just"/>
             <a:r>
-              <a:rPr lang="ru-RU" dirty="0" smtClean="0">
+              <a:rPr lang="ru-RU" dirty="0">
                 <a:latin typeface="Tahoma" panose="020B0604030504040204" pitchFamily="34" charset="0"/>
                 <a:ea typeface="Tahoma" panose="020B0604030504040204" pitchFamily="34" charset="0"/>
                 <a:cs typeface="Tahoma" panose="020B0604030504040204" pitchFamily="34" charset="0"/>
@@ -6642,13 +6467,6 @@
   <p:clrMapOvr>
     <a:masterClrMapping/>
   </p:clrMapOvr>
-  <p:timing>
-    <p:tnLst>
-      <p:par>
-        <p:cTn id="1" dur="indefinite" restart="never" nodeType="tmRoot"/>
-      </p:par>
-    </p:tnLst>
-  </p:timing>
 </p:sld>
 </file>
 
@@ -6693,7 +6511,7 @@
           <a:p>
             <a:pPr algn="ctr"/>
             <a:r>
-              <a:rPr lang="ru-RU" sz="2800" b="1" dirty="0" smtClean="0">
+              <a:rPr lang="ru-RU" sz="2800" b="1" dirty="0">
                 <a:latin typeface="Tahoma" panose="020B0604030504040204" pitchFamily="34" charset="0"/>
                 <a:ea typeface="Tahoma" panose="020B0604030504040204" pitchFamily="34" charset="0"/>
                 <a:cs typeface="Tahoma" panose="020B0604030504040204" pitchFamily="34" charset="0"/>
@@ -6701,14 +6519,14 @@
               <a:t>Формирование таблиц в </a:t>
             </a:r>
             <a:r>
-              <a:rPr lang="en-US" sz="2800" b="1" i="1" dirty="0" smtClean="0">
+              <a:rPr lang="en-US" sz="2800" b="1" i="1" dirty="0">
                 <a:latin typeface="Tahoma" panose="020B0604030504040204" pitchFamily="34" charset="0"/>
                 <a:ea typeface="Tahoma" panose="020B0604030504040204" pitchFamily="34" charset="0"/>
                 <a:cs typeface="Tahoma" panose="020B0604030504040204" pitchFamily="34" charset="0"/>
               </a:rPr>
               <a:t>Word </a:t>
             </a:r>
-            <a:endParaRPr lang="ru-RU" sz="2800" b="1" i="1" dirty="0" smtClean="0">
+            <a:endParaRPr lang="ru-RU" sz="2800" b="1" i="1" dirty="0">
               <a:latin typeface="Tahoma" panose="020B0604030504040204" pitchFamily="34" charset="0"/>
               <a:ea typeface="Tahoma" panose="020B0604030504040204" pitchFamily="34" charset="0"/>
               <a:cs typeface="Tahoma" panose="020B0604030504040204" pitchFamily="34" charset="0"/>
@@ -6717,7 +6535,7 @@
           <a:p>
             <a:pPr algn="ctr"/>
             <a:r>
-              <a:rPr lang="ru-RU" sz="2800" b="1" dirty="0" smtClean="0">
+              <a:rPr lang="ru-RU" sz="2800" b="1" dirty="0">
                 <a:latin typeface="Tahoma" panose="020B0604030504040204" pitchFamily="34" charset="0"/>
                 <a:ea typeface="Tahoma" panose="020B0604030504040204" pitchFamily="34" charset="0"/>
                 <a:cs typeface="Tahoma" panose="020B0604030504040204" pitchFamily="34" charset="0"/>
@@ -6742,13 +6560,6 @@
   <p:clrMapOvr>
     <a:masterClrMapping/>
   </p:clrMapOvr>
-  <p:timing>
-    <p:tnLst>
-      <p:par>
-        <p:cTn id="1" dur="indefinite" restart="never" nodeType="tmRoot"/>
-      </p:par>
-    </p:tnLst>
-  </p:timing>
 </p:sld>
 </file>
 
@@ -6793,18 +6604,13 @@
           <a:p>
             <a:pPr algn="ctr"/>
             <a:r>
-              <a:rPr lang="ru-RU" sz="2800" b="1" dirty="0" smtClean="0">
+              <a:rPr lang="ru-RU" sz="2800" b="1" dirty="0">
                 <a:latin typeface="Tahoma" panose="020B0604030504040204" pitchFamily="34" charset="0"/>
                 <a:ea typeface="Tahoma" panose="020B0604030504040204" pitchFamily="34" charset="0"/>
                 <a:cs typeface="Tahoma" panose="020B0604030504040204" pitchFamily="34" charset="0"/>
               </a:rPr>
               <a:t>Форматирование таблиц</a:t>
             </a:r>
-            <a:endParaRPr lang="ru-RU" sz="2800" b="1" dirty="0">
-              <a:latin typeface="Tahoma" panose="020B0604030504040204" pitchFamily="34" charset="0"/>
-              <a:ea typeface="Tahoma" panose="020B0604030504040204" pitchFamily="34" charset="0"/>
-              <a:cs typeface="Tahoma" panose="020B0604030504040204" pitchFamily="34" charset="0"/>
-            </a:endParaRPr>
           </a:p>
         </p:txBody>
       </p:sp>
@@ -6844,7 +6650,7 @@
           <a:p>
             <a:pPr algn="just"/>
             <a:r>
-              <a:rPr lang="ru-RU" dirty="0" smtClean="0">
+              <a:rPr lang="ru-RU" dirty="0">
                 <a:latin typeface="Tahoma" panose="020B0604030504040204" pitchFamily="34" charset="0"/>
                 <a:ea typeface="Tahoma" panose="020B0604030504040204" pitchFamily="34" charset="0"/>
                 <a:cs typeface="Tahoma" panose="020B0604030504040204" pitchFamily="34" charset="0"/>
@@ -6955,13 +6761,6 @@
   <p:clrMapOvr>
     <a:masterClrMapping/>
   </p:clrMapOvr>
-  <p:timing>
-    <p:tnLst>
-      <p:par>
-        <p:cTn id="1" dur="indefinite" restart="never" nodeType="tmRoot"/>
-      </p:par>
-    </p:tnLst>
-  </p:timing>
 </p:sld>
 </file>
 
@@ -7006,18 +6805,13 @@
           <a:p>
             <a:pPr algn="ctr"/>
             <a:r>
-              <a:rPr lang="ru-RU" sz="2800" b="1" dirty="0" smtClean="0">
+              <a:rPr lang="ru-RU" sz="2800" b="1" dirty="0">
                 <a:latin typeface="Tahoma" panose="020B0604030504040204" pitchFamily="34" charset="0"/>
                 <a:ea typeface="Tahoma" panose="020B0604030504040204" pitchFamily="34" charset="0"/>
                 <a:cs typeface="Tahoma" panose="020B0604030504040204" pitchFamily="34" charset="0"/>
               </a:rPr>
               <a:t>Форматирование таблиц</a:t>
             </a:r>
-            <a:endParaRPr lang="ru-RU" sz="2800" b="1" dirty="0">
-              <a:latin typeface="Tahoma" panose="020B0604030504040204" pitchFamily="34" charset="0"/>
-              <a:ea typeface="Tahoma" panose="020B0604030504040204" pitchFamily="34" charset="0"/>
-              <a:cs typeface="Tahoma" panose="020B0604030504040204" pitchFamily="34" charset="0"/>
-            </a:endParaRPr>
           </a:p>
         </p:txBody>
       </p:sp>
@@ -7057,7 +6851,7 @@
           <a:p>
             <a:pPr algn="just"/>
             <a:r>
-              <a:rPr lang="ru-RU" dirty="0" smtClean="0">
+              <a:rPr lang="ru-RU" dirty="0">
                 <a:latin typeface="Tahoma" panose="020B0604030504040204" pitchFamily="34" charset="0"/>
                 <a:ea typeface="Tahoma" panose="020B0604030504040204" pitchFamily="34" charset="0"/>
                 <a:cs typeface="Tahoma" panose="020B0604030504040204" pitchFamily="34" charset="0"/>
@@ -7115,13 +6909,6 @@
   <p:clrMapOvr>
     <a:masterClrMapping/>
   </p:clrMapOvr>
-  <p:timing>
-    <p:tnLst>
-      <p:par>
-        <p:cTn id="1" dur="indefinite" restart="never" nodeType="tmRoot"/>
-      </p:par>
-    </p:tnLst>
-  </p:timing>
 </p:sld>
 </file>
 
@@ -7166,18 +6953,13 @@
           <a:p>
             <a:pPr algn="ctr"/>
             <a:r>
-              <a:rPr lang="ru-RU" sz="2800" b="1" dirty="0" smtClean="0">
+              <a:rPr lang="ru-RU" sz="2800" b="1" dirty="0">
                 <a:latin typeface="Tahoma" panose="020B0604030504040204" pitchFamily="34" charset="0"/>
                 <a:ea typeface="Tahoma" panose="020B0604030504040204" pitchFamily="34" charset="0"/>
                 <a:cs typeface="Tahoma" panose="020B0604030504040204" pitchFamily="34" charset="0"/>
               </a:rPr>
               <a:t>Форматирование таблиц</a:t>
             </a:r>
-            <a:endParaRPr lang="ru-RU" sz="2800" b="1" dirty="0">
-              <a:latin typeface="Tahoma" panose="020B0604030504040204" pitchFamily="34" charset="0"/>
-              <a:ea typeface="Tahoma" panose="020B0604030504040204" pitchFamily="34" charset="0"/>
-              <a:cs typeface="Tahoma" panose="020B0604030504040204" pitchFamily="34" charset="0"/>
-            </a:endParaRPr>
           </a:p>
         </p:txBody>
       </p:sp>
@@ -7217,7 +6999,7 @@
           <a:p>
             <a:pPr algn="just"/>
             <a:r>
-              <a:rPr lang="ru-RU" dirty="0" smtClean="0">
+              <a:rPr lang="ru-RU" dirty="0">
                 <a:latin typeface="Tahoma" panose="020B0604030504040204" pitchFamily="34" charset="0"/>
                 <a:ea typeface="Tahoma" panose="020B0604030504040204" pitchFamily="34" charset="0"/>
                 <a:cs typeface="Tahoma" panose="020B0604030504040204" pitchFamily="34" charset="0"/>
@@ -7275,13 +7057,6 @@
   <p:clrMapOvr>
     <a:masterClrMapping/>
   </p:clrMapOvr>
-  <p:timing>
-    <p:tnLst>
-      <p:par>
-        <p:cTn id="1" dur="indefinite" restart="never" nodeType="tmRoot"/>
-      </p:par>
-    </p:tnLst>
-  </p:timing>
 </p:sld>
 </file>
 
@@ -7326,18 +7101,13 @@
           <a:p>
             <a:pPr algn="ctr"/>
             <a:r>
-              <a:rPr lang="ru-RU" sz="2800" b="1" dirty="0" smtClean="0">
+              <a:rPr lang="ru-RU" sz="2800" b="1" dirty="0">
                 <a:latin typeface="Tahoma" panose="020B0604030504040204" pitchFamily="34" charset="0"/>
                 <a:ea typeface="Tahoma" panose="020B0604030504040204" pitchFamily="34" charset="0"/>
                 <a:cs typeface="Tahoma" panose="020B0604030504040204" pitchFamily="34" charset="0"/>
               </a:rPr>
               <a:t>Форматирование таблиц</a:t>
             </a:r>
-            <a:endParaRPr lang="ru-RU" sz="2800" b="1" dirty="0">
-              <a:latin typeface="Tahoma" panose="020B0604030504040204" pitchFamily="34" charset="0"/>
-              <a:ea typeface="Tahoma" panose="020B0604030504040204" pitchFamily="34" charset="0"/>
-              <a:cs typeface="Tahoma" panose="020B0604030504040204" pitchFamily="34" charset="0"/>
-            </a:endParaRPr>
           </a:p>
         </p:txBody>
       </p:sp>
@@ -7377,7 +7147,7 @@
           <a:p>
             <a:pPr algn="just"/>
             <a:r>
-              <a:rPr lang="ru-RU" dirty="0" smtClean="0">
+              <a:rPr lang="ru-RU" dirty="0">
                 <a:latin typeface="Tahoma" panose="020B0604030504040204" pitchFamily="34" charset="0"/>
                 <a:ea typeface="Tahoma" panose="020B0604030504040204" pitchFamily="34" charset="0"/>
                 <a:cs typeface="Tahoma" panose="020B0604030504040204" pitchFamily="34" charset="0"/>
@@ -7946,13 +7716,6 @@
   <p:clrMapOvr>
     <a:masterClrMapping/>
   </p:clrMapOvr>
-  <p:timing>
-    <p:tnLst>
-      <p:par>
-        <p:cTn id="1" dur="indefinite" restart="never" nodeType="tmRoot"/>
-      </p:par>
-    </p:tnLst>
-  </p:timing>
 </p:sld>
 </file>
 
@@ -7997,18 +7760,13 @@
           <a:p>
             <a:pPr algn="ctr"/>
             <a:r>
-              <a:rPr lang="ru-RU" sz="2800" b="1" dirty="0" smtClean="0">
+              <a:rPr lang="ru-RU" sz="2800" b="1" dirty="0">
                 <a:latin typeface="Tahoma" panose="020B0604030504040204" pitchFamily="34" charset="0"/>
                 <a:ea typeface="Tahoma" panose="020B0604030504040204" pitchFamily="34" charset="0"/>
                 <a:cs typeface="Tahoma" panose="020B0604030504040204" pitchFamily="34" charset="0"/>
               </a:rPr>
               <a:t>Форматирование таблиц</a:t>
             </a:r>
-            <a:endParaRPr lang="ru-RU" sz="2800" b="1" dirty="0">
-              <a:latin typeface="Tahoma" panose="020B0604030504040204" pitchFamily="34" charset="0"/>
-              <a:ea typeface="Tahoma" panose="020B0604030504040204" pitchFamily="34" charset="0"/>
-              <a:cs typeface="Tahoma" panose="020B0604030504040204" pitchFamily="34" charset="0"/>
-            </a:endParaRPr>
           </a:p>
         </p:txBody>
       </p:sp>
@@ -8048,7 +7806,7 @@
           <a:p>
             <a:pPr algn="just"/>
             <a:r>
-              <a:rPr lang="ru-RU" dirty="0" smtClean="0">
+              <a:rPr lang="ru-RU" dirty="0">
                 <a:latin typeface="Tahoma" panose="020B0604030504040204" pitchFamily="34" charset="0"/>
                 <a:ea typeface="Tahoma" panose="020B0604030504040204" pitchFamily="34" charset="0"/>
                 <a:cs typeface="Tahoma" panose="020B0604030504040204" pitchFamily="34" charset="0"/>
@@ -8212,13 +7970,6 @@
   <p:clrMapOvr>
     <a:masterClrMapping/>
   </p:clrMapOvr>
-  <p:timing>
-    <p:tnLst>
-      <p:par>
-        <p:cTn id="1" dur="indefinite" restart="never" nodeType="tmRoot"/>
-      </p:par>
-    </p:tnLst>
-  </p:timing>
 </p:sld>
 </file>
 
@@ -8263,18 +8014,13 @@
           <a:p>
             <a:pPr algn="ctr"/>
             <a:r>
-              <a:rPr lang="ru-RU" sz="2800" b="1" dirty="0" smtClean="0">
+              <a:rPr lang="ru-RU" sz="2800" b="1" dirty="0">
                 <a:latin typeface="Tahoma" panose="020B0604030504040204" pitchFamily="34" charset="0"/>
                 <a:ea typeface="Tahoma" panose="020B0604030504040204" pitchFamily="34" charset="0"/>
                 <a:cs typeface="Tahoma" panose="020B0604030504040204" pitchFamily="34" charset="0"/>
               </a:rPr>
               <a:t>Форматирование таблиц</a:t>
             </a:r>
-            <a:endParaRPr lang="ru-RU" sz="2800" b="1" dirty="0">
-              <a:latin typeface="Tahoma" panose="020B0604030504040204" pitchFamily="34" charset="0"/>
-              <a:ea typeface="Tahoma" panose="020B0604030504040204" pitchFamily="34" charset="0"/>
-              <a:cs typeface="Tahoma" panose="020B0604030504040204" pitchFamily="34" charset="0"/>
-            </a:endParaRPr>
           </a:p>
         </p:txBody>
       </p:sp>
@@ -8314,7 +8060,7 @@
           <a:p>
             <a:pPr algn="just"/>
             <a:r>
-              <a:rPr lang="ru-RU" dirty="0" smtClean="0">
+              <a:rPr lang="ru-RU" dirty="0">
                 <a:latin typeface="Tahoma" panose="020B0604030504040204" pitchFamily="34" charset="0"/>
                 <a:ea typeface="Tahoma" panose="020B0604030504040204" pitchFamily="34" charset="0"/>
                 <a:cs typeface="Tahoma" panose="020B0604030504040204" pitchFamily="34" charset="0"/>
@@ -8372,13 +8118,6 @@
   <p:clrMapOvr>
     <a:masterClrMapping/>
   </p:clrMapOvr>
-  <p:timing>
-    <p:tnLst>
-      <p:par>
-        <p:cTn id="1" dur="indefinite" restart="never" nodeType="tmRoot"/>
-      </p:par>
-    </p:tnLst>
-  </p:timing>
 </p:sld>
 </file>
 
@@ -8423,7 +8162,7 @@
           <a:p>
             <a:pPr algn="ctr"/>
             <a:r>
-              <a:rPr lang="ru-RU" sz="2800" b="1" dirty="0" smtClean="0">
+              <a:rPr lang="ru-RU" sz="2800" b="1" dirty="0">
                 <a:latin typeface="Tahoma" panose="020B0604030504040204" pitchFamily="34" charset="0"/>
                 <a:ea typeface="Tahoma" panose="020B0604030504040204" pitchFamily="34" charset="0"/>
                 <a:cs typeface="Tahoma" panose="020B0604030504040204" pitchFamily="34" charset="0"/>
@@ -8431,7 +8170,7 @@
               <a:t>Старая схема создания документа </a:t>
             </a:r>
             <a:r>
-              <a:rPr lang="en-US" sz="2800" b="1" i="1" dirty="0" smtClean="0">
+              <a:rPr lang="en-US" sz="2800" b="1" i="1" dirty="0">
                 <a:latin typeface="Tahoma" panose="020B0604030504040204" pitchFamily="34" charset="0"/>
                 <a:ea typeface="Tahoma" panose="020B0604030504040204" pitchFamily="34" charset="0"/>
                 <a:cs typeface="Tahoma" panose="020B0604030504040204" pitchFamily="34" charset="0"/>
@@ -8439,7 +8178,7 @@
               <a:t>Word </a:t>
             </a:r>
             <a:r>
-              <a:rPr lang="ru-RU" sz="2800" b="1" dirty="0" smtClean="0">
+              <a:rPr lang="ru-RU" sz="2800" b="1" dirty="0">
                 <a:latin typeface="Tahoma" panose="020B0604030504040204" pitchFamily="34" charset="0"/>
                 <a:ea typeface="Tahoma" panose="020B0604030504040204" pitchFamily="34" charset="0"/>
                 <a:cs typeface="Tahoma" panose="020B0604030504040204" pitchFamily="34" charset="0"/>
@@ -8464,13 +8203,6 @@
   <p:clrMapOvr>
     <a:masterClrMapping/>
   </p:clrMapOvr>
-  <p:timing>
-    <p:tnLst>
-      <p:par>
-        <p:cTn id="1" dur="indefinite" restart="never" nodeType="tmRoot"/>
-      </p:par>
-    </p:tnLst>
-  </p:timing>
 </p:sld>
 </file>
 
@@ -8515,7 +8247,7 @@
           <a:p>
             <a:pPr algn="ctr"/>
             <a:r>
-              <a:rPr lang="ru-RU" sz="2800" b="1" dirty="0" smtClean="0">
+              <a:rPr lang="ru-RU" sz="2800" b="1" dirty="0">
                 <a:latin typeface="Tahoma" panose="020B0604030504040204" pitchFamily="34" charset="0"/>
                 <a:ea typeface="Tahoma" panose="020B0604030504040204" pitchFamily="34" charset="0"/>
                 <a:cs typeface="Tahoma" panose="020B0604030504040204" pitchFamily="34" charset="0"/>
@@ -8523,7 +8255,7 @@
               <a:t>Работа с </a:t>
             </a:r>
             <a:r>
-              <a:rPr lang="en-US" sz="2800" b="1" i="1" dirty="0" smtClean="0">
+              <a:rPr lang="en-US" sz="2800" b="1" i="1" dirty="0">
                 <a:latin typeface="Tahoma" panose="020B0604030504040204" pitchFamily="34" charset="0"/>
                 <a:ea typeface="Tahoma" panose="020B0604030504040204" pitchFamily="34" charset="0"/>
                 <a:cs typeface="Tahoma" panose="020B0604030504040204" pitchFamily="34" charset="0"/>
@@ -8531,18 +8263,13 @@
               <a:t>Word</a:t>
             </a:r>
             <a:r>
-              <a:rPr lang="ru-RU" sz="2800" b="1" dirty="0" smtClean="0">
+              <a:rPr lang="ru-RU" sz="2800" b="1" dirty="0">
                 <a:latin typeface="Tahoma" panose="020B0604030504040204" pitchFamily="34" charset="0"/>
                 <a:ea typeface="Tahoma" panose="020B0604030504040204" pitchFamily="34" charset="0"/>
                 <a:cs typeface="Tahoma" panose="020B0604030504040204" pitchFamily="34" charset="0"/>
               </a:rPr>
               <a:t> программным способом</a:t>
             </a:r>
-            <a:endParaRPr lang="ru-RU" sz="2800" b="1" dirty="0">
-              <a:latin typeface="Tahoma" panose="020B0604030504040204" pitchFamily="34" charset="0"/>
-              <a:ea typeface="Tahoma" panose="020B0604030504040204" pitchFamily="34" charset="0"/>
-              <a:cs typeface="Tahoma" panose="020B0604030504040204" pitchFamily="34" charset="0"/>
-            </a:endParaRPr>
           </a:p>
         </p:txBody>
       </p:sp>
@@ -8581,7 +8308,7 @@
           <a:lstStyle/>
           <a:p>
             <a:r>
-              <a:rPr lang="ru-RU" dirty="0" smtClean="0">
+              <a:rPr lang="ru-RU" dirty="0">
                 <a:latin typeface="Tahoma" panose="020B0604030504040204" pitchFamily="34" charset="0"/>
                 <a:ea typeface="Tahoma" panose="020B0604030504040204" pitchFamily="34" charset="0"/>
                 <a:cs typeface="Tahoma" panose="020B0604030504040204" pitchFamily="34" charset="0"/>
@@ -8589,7 +8316,7 @@
               <a:t>1. Обобщённая конструкция для работы с </a:t>
             </a:r>
             <a:r>
-              <a:rPr lang="en-US" i="1" dirty="0" smtClean="0">
+              <a:rPr lang="en-US" i="1" dirty="0">
                 <a:latin typeface="Tahoma" panose="020B0604030504040204" pitchFamily="34" charset="0"/>
                 <a:ea typeface="Tahoma" panose="020B0604030504040204" pitchFamily="34" charset="0"/>
                 <a:cs typeface="Tahoma" panose="020B0604030504040204" pitchFamily="34" charset="0"/>
@@ -8597,7 +8324,7 @@
               <a:t>Word</a:t>
             </a:r>
             <a:r>
-              <a:rPr lang="en-US" dirty="0" smtClean="0">
+              <a:rPr lang="en-US" dirty="0">
                 <a:latin typeface="Tahoma" panose="020B0604030504040204" pitchFamily="34" charset="0"/>
                 <a:ea typeface="Tahoma" panose="020B0604030504040204" pitchFamily="34" charset="0"/>
                 <a:cs typeface="Tahoma" panose="020B0604030504040204" pitchFamily="34" charset="0"/>
@@ -8605,156 +8332,20 @@
               <a:t> </a:t>
             </a:r>
             <a:r>
-              <a:rPr lang="ru-RU" dirty="0" smtClean="0">
+              <a:rPr lang="ru-RU" dirty="0">
                 <a:latin typeface="Tahoma" panose="020B0604030504040204" pitchFamily="34" charset="0"/>
                 <a:ea typeface="Tahoma" panose="020B0604030504040204" pitchFamily="34" charset="0"/>
                 <a:cs typeface="Tahoma" panose="020B0604030504040204" pitchFamily="34" charset="0"/>
               </a:rPr>
               <a:t>может быть записана следующим образом:</a:t>
             </a:r>
-            <a:endParaRPr lang="en-US" dirty="0" smtClean="0">
+            <a:endParaRPr lang="en-US" dirty="0">
               <a:latin typeface="Tahoma" panose="020B0604030504040204" pitchFamily="34" charset="0"/>
               <a:ea typeface="Tahoma" panose="020B0604030504040204" pitchFamily="34" charset="0"/>
               <a:cs typeface="Tahoma" panose="020B0604030504040204" pitchFamily="34" charset="0"/>
             </a:endParaRPr>
           </a:p>
           <a:p>
-            <a:endParaRPr lang="ru-RU" dirty="0" smtClean="0">
-              <a:latin typeface="Tahoma" panose="020B0604030504040204" pitchFamily="34" charset="0"/>
-              <a:ea typeface="Tahoma" panose="020B0604030504040204" pitchFamily="34" charset="0"/>
-              <a:cs typeface="Tahoma" panose="020B0604030504040204" pitchFamily="34" charset="0"/>
-            </a:endParaRPr>
-          </a:p>
-          <a:p>
-            <a:r>
-              <a:rPr lang="ru-RU" dirty="0" smtClean="0">
-                <a:latin typeface="Tahoma" panose="020B0604030504040204" pitchFamily="34" charset="0"/>
-                <a:ea typeface="Tahoma" panose="020B0604030504040204" pitchFamily="34" charset="0"/>
-                <a:cs typeface="Tahoma" panose="020B0604030504040204" pitchFamily="34" charset="0"/>
-              </a:rPr>
-              <a:t>	а) в разделе объявления используемых модулей </a:t>
-            </a:r>
-            <a:r>
-              <a:rPr lang="en-US" b="1" i="1" dirty="0" smtClean="0">
-                <a:latin typeface="Tahoma" panose="020B0604030504040204" pitchFamily="34" charset="0"/>
-                <a:ea typeface="Tahoma" panose="020B0604030504040204" pitchFamily="34" charset="0"/>
-                <a:cs typeface="Tahoma" panose="020B0604030504040204" pitchFamily="34" charset="0"/>
-              </a:rPr>
-              <a:t>using</a:t>
-            </a:r>
-            <a:r>
-              <a:rPr lang="en-US" dirty="0" smtClean="0">
-                <a:latin typeface="Tahoma" panose="020B0604030504040204" pitchFamily="34" charset="0"/>
-                <a:ea typeface="Tahoma" panose="020B0604030504040204" pitchFamily="34" charset="0"/>
-                <a:cs typeface="Tahoma" panose="020B0604030504040204" pitchFamily="34" charset="0"/>
-              </a:rPr>
-              <a:t> </a:t>
-            </a:r>
-            <a:r>
-              <a:rPr lang="ru-RU" dirty="0" smtClean="0">
-                <a:latin typeface="Tahoma" panose="020B0604030504040204" pitchFamily="34" charset="0"/>
-                <a:ea typeface="Tahoma" panose="020B0604030504040204" pitchFamily="34" charset="0"/>
-                <a:cs typeface="Tahoma" panose="020B0604030504040204" pitchFamily="34" charset="0"/>
-              </a:rPr>
-              <a:t>прописать</a:t>
-            </a:r>
-          </a:p>
-          <a:p>
-            <a:r>
-              <a:rPr lang="ru-RU" dirty="0">
-                <a:latin typeface="Tahoma" panose="020B0604030504040204" pitchFamily="34" charset="0"/>
-                <a:ea typeface="Tahoma" panose="020B0604030504040204" pitchFamily="34" charset="0"/>
-                <a:cs typeface="Tahoma" panose="020B0604030504040204" pitchFamily="34" charset="0"/>
-              </a:rPr>
-              <a:t>	</a:t>
-            </a:r>
-            <a:r>
-              <a:rPr lang="ru-RU" dirty="0" smtClean="0">
-                <a:latin typeface="Tahoma" panose="020B0604030504040204" pitchFamily="34" charset="0"/>
-                <a:ea typeface="Tahoma" panose="020B0604030504040204" pitchFamily="34" charset="0"/>
-                <a:cs typeface="Tahoma" panose="020B0604030504040204" pitchFamily="34" charset="0"/>
-              </a:rPr>
-              <a:t> 	</a:t>
-            </a:r>
-            <a:r>
-              <a:rPr lang="en-US" b="1" i="1" dirty="0" err="1" smtClean="0">
-                <a:latin typeface="Tahoma" panose="020B0604030504040204" pitchFamily="34" charset="0"/>
-                <a:ea typeface="Tahoma" panose="020B0604030504040204" pitchFamily="34" charset="0"/>
-                <a:cs typeface="Tahoma" panose="020B0604030504040204" pitchFamily="34" charset="0"/>
-              </a:rPr>
-              <a:t>System.Reflection</a:t>
-            </a:r>
-            <a:r>
-              <a:rPr lang="en-US" i="1" dirty="0" smtClean="0">
-                <a:latin typeface="Tahoma" panose="020B0604030504040204" pitchFamily="34" charset="0"/>
-                <a:ea typeface="Tahoma" panose="020B0604030504040204" pitchFamily="34" charset="0"/>
-                <a:cs typeface="Tahoma" panose="020B0604030504040204" pitchFamily="34" charset="0"/>
-              </a:rPr>
-              <a:t>;</a:t>
-            </a:r>
-            <a:endParaRPr lang="ru-RU" i="1" dirty="0" smtClean="0">
-              <a:latin typeface="Tahoma" panose="020B0604030504040204" pitchFamily="34" charset="0"/>
-              <a:ea typeface="Tahoma" panose="020B0604030504040204" pitchFamily="34" charset="0"/>
-              <a:cs typeface="Tahoma" panose="020B0604030504040204" pitchFamily="34" charset="0"/>
-            </a:endParaRPr>
-          </a:p>
-          <a:p>
-            <a:r>
-              <a:rPr lang="ru-RU" dirty="0">
-                <a:latin typeface="Tahoma" panose="020B0604030504040204" pitchFamily="34" charset="0"/>
-                <a:ea typeface="Tahoma" panose="020B0604030504040204" pitchFamily="34" charset="0"/>
-                <a:cs typeface="Tahoma" panose="020B0604030504040204" pitchFamily="34" charset="0"/>
-              </a:rPr>
-              <a:t>	</a:t>
-            </a:r>
-            <a:r>
-              <a:rPr lang="ru-RU" dirty="0" smtClean="0">
-                <a:latin typeface="Tahoma" panose="020B0604030504040204" pitchFamily="34" charset="0"/>
-                <a:ea typeface="Tahoma" panose="020B0604030504040204" pitchFamily="34" charset="0"/>
-                <a:cs typeface="Tahoma" panose="020B0604030504040204" pitchFamily="34" charset="0"/>
-              </a:rPr>
-              <a:t>он необходим для обращения к </a:t>
-            </a:r>
-            <a:r>
-              <a:rPr lang="en-US" i="1" dirty="0" smtClean="0">
-                <a:latin typeface="Tahoma" panose="020B0604030504040204" pitchFamily="34" charset="0"/>
-                <a:ea typeface="Tahoma" panose="020B0604030504040204" pitchFamily="34" charset="0"/>
-                <a:cs typeface="Tahoma" panose="020B0604030504040204" pitchFamily="34" charset="0"/>
-              </a:rPr>
-              <a:t>Missing</a:t>
-            </a:r>
-            <a:r>
-              <a:rPr lang="en-US" dirty="0" smtClean="0">
-                <a:latin typeface="Tahoma" panose="020B0604030504040204" pitchFamily="34" charset="0"/>
-                <a:ea typeface="Tahoma" panose="020B0604030504040204" pitchFamily="34" charset="0"/>
-                <a:cs typeface="Tahoma" panose="020B0604030504040204" pitchFamily="34" charset="0"/>
-              </a:rPr>
-              <a:t> (</a:t>
-            </a:r>
-            <a:r>
-              <a:rPr lang="ru-RU" dirty="0" smtClean="0">
-                <a:latin typeface="Tahoma" panose="020B0604030504040204" pitchFamily="34" charset="0"/>
-                <a:ea typeface="Tahoma" panose="020B0604030504040204" pitchFamily="34" charset="0"/>
-                <a:cs typeface="Tahoma" panose="020B0604030504040204" pitchFamily="34" charset="0"/>
-              </a:rPr>
-              <a:t>отсутствующему параметру</a:t>
-            </a:r>
-            <a:r>
-              <a:rPr lang="en-US" dirty="0" smtClean="0">
-                <a:latin typeface="Tahoma" panose="020B0604030504040204" pitchFamily="34" charset="0"/>
-                <a:ea typeface="Tahoma" panose="020B0604030504040204" pitchFamily="34" charset="0"/>
-                <a:cs typeface="Tahoma" panose="020B0604030504040204" pitchFamily="34" charset="0"/>
-              </a:rPr>
-              <a:t>)</a:t>
-            </a:r>
-            <a:r>
-              <a:rPr lang="ru-RU" dirty="0" smtClean="0">
-                <a:latin typeface="Tahoma" panose="020B0604030504040204" pitchFamily="34" charset="0"/>
-                <a:ea typeface="Tahoma" panose="020B0604030504040204" pitchFamily="34" charset="0"/>
-                <a:cs typeface="Tahoma" panose="020B0604030504040204" pitchFamily="34" charset="0"/>
-              </a:rPr>
-              <a:t>;</a:t>
-            </a:r>
             <a:endParaRPr lang="ru-RU" dirty="0">
               <a:latin typeface="Tahoma" panose="020B0604030504040204" pitchFamily="34" charset="0"/>
               <a:ea typeface="Tahoma" panose="020B0604030504040204" pitchFamily="34" charset="0"/>
@@ -8763,38 +8354,46 @@
           </a:p>
           <a:p>
             <a:r>
-              <a:rPr lang="ru-RU" dirty="0" smtClean="0">
-                <a:latin typeface="Tahoma" panose="020B0604030504040204" pitchFamily="34" charset="0"/>
-                <a:ea typeface="Tahoma" panose="020B0604030504040204" pitchFamily="34" charset="0"/>
-                <a:cs typeface="Tahoma" panose="020B0604030504040204" pitchFamily="34" charset="0"/>
-              </a:rPr>
-              <a:t>	б) создать объект под отсутствующие параметры </a:t>
-            </a:r>
-            <a:r>
-              <a:rPr lang="en-US" i="1" dirty="0" smtClean="0">
-                <a:latin typeface="Tahoma" panose="020B0604030504040204" pitchFamily="34" charset="0"/>
-                <a:ea typeface="Tahoma" panose="020B0604030504040204" pitchFamily="34" charset="0"/>
-                <a:cs typeface="Tahoma" panose="020B0604030504040204" pitchFamily="34" charset="0"/>
-              </a:rPr>
-              <a:t>Word</a:t>
-            </a:r>
-          </a:p>
-          <a:p>
-            <a:r>
-              <a:rPr lang="en-US" dirty="0" smtClean="0">
-                <a:latin typeface="Tahoma" panose="020B0604030504040204" pitchFamily="34" charset="0"/>
-                <a:ea typeface="Tahoma" panose="020B0604030504040204" pitchFamily="34" charset="0"/>
-                <a:cs typeface="Tahoma" panose="020B0604030504040204" pitchFamily="34" charset="0"/>
-              </a:rPr>
-              <a:t>		</a:t>
-            </a:r>
-            <a:r>
-              <a:rPr lang="en-US" b="1" i="1" dirty="0" smtClean="0">
-                <a:latin typeface="Tahoma" panose="020B0604030504040204" pitchFamily="34" charset="0"/>
-                <a:ea typeface="Tahoma" panose="020B0604030504040204" pitchFamily="34" charset="0"/>
-                <a:cs typeface="Tahoma" panose="020B0604030504040204" pitchFamily="34" charset="0"/>
-              </a:rPr>
-              <a:t>object </a:t>
+              <a:rPr lang="ru-RU" dirty="0">
+                <a:latin typeface="Tahoma" panose="020B0604030504040204" pitchFamily="34" charset="0"/>
+                <a:ea typeface="Tahoma" panose="020B0604030504040204" pitchFamily="34" charset="0"/>
+                <a:cs typeface="Tahoma" panose="020B0604030504040204" pitchFamily="34" charset="0"/>
+              </a:rPr>
+              <a:t>	а) в разделе объявления используемых модулей </a:t>
+            </a:r>
+            <a:r>
+              <a:rPr lang="en-US" b="1" i="1" dirty="0">
+                <a:latin typeface="Tahoma" panose="020B0604030504040204" pitchFamily="34" charset="0"/>
+                <a:ea typeface="Tahoma" panose="020B0604030504040204" pitchFamily="34" charset="0"/>
+                <a:cs typeface="Tahoma" panose="020B0604030504040204" pitchFamily="34" charset="0"/>
+              </a:rPr>
+              <a:t>using</a:t>
+            </a:r>
+            <a:r>
+              <a:rPr lang="en-US" dirty="0">
+                <a:latin typeface="Tahoma" panose="020B0604030504040204" pitchFamily="34" charset="0"/>
+                <a:ea typeface="Tahoma" panose="020B0604030504040204" pitchFamily="34" charset="0"/>
+                <a:cs typeface="Tahoma" panose="020B0604030504040204" pitchFamily="34" charset="0"/>
+              </a:rPr>
+              <a:t> </a:t>
+            </a:r>
+            <a:r>
+              <a:rPr lang="ru-RU" dirty="0">
+                <a:latin typeface="Tahoma" panose="020B0604030504040204" pitchFamily="34" charset="0"/>
+                <a:ea typeface="Tahoma" panose="020B0604030504040204" pitchFamily="34" charset="0"/>
+                <a:cs typeface="Tahoma" panose="020B0604030504040204" pitchFamily="34" charset="0"/>
+              </a:rPr>
+              <a:t>прописать</a:t>
+            </a:r>
+          </a:p>
+          <a:p>
+            <a:r>
+              <a:rPr lang="ru-RU" dirty="0">
+                <a:latin typeface="Tahoma" panose="020B0604030504040204" pitchFamily="34" charset="0"/>
+                <a:ea typeface="Tahoma" panose="020B0604030504040204" pitchFamily="34" charset="0"/>
+                <a:cs typeface="Tahoma" panose="020B0604030504040204" pitchFamily="34" charset="0"/>
+              </a:rPr>
+              <a:t>	 	</a:t>
             </a:r>
             <a:r>
               <a:rPr lang="en-US" b="1" i="1" dirty="0" err="1">
@@ -8802,179 +8401,273 @@
                 <a:ea typeface="Tahoma" panose="020B0604030504040204" pitchFamily="34" charset="0"/>
                 <a:cs typeface="Tahoma" panose="020B0604030504040204" pitchFamily="34" charset="0"/>
               </a:rPr>
-              <a:t>ObjMissing</a:t>
-            </a:r>
-            <a:r>
-              <a:rPr lang="en-US" b="1" i="1" dirty="0">
-                <a:latin typeface="Tahoma" panose="020B0604030504040204" pitchFamily="34" charset="0"/>
-                <a:ea typeface="Tahoma" panose="020B0604030504040204" pitchFamily="34" charset="0"/>
-                <a:cs typeface="Tahoma" panose="020B0604030504040204" pitchFamily="34" charset="0"/>
-              </a:rPr>
-              <a:t> = </a:t>
-            </a:r>
-            <a:r>
-              <a:rPr lang="en-US" b="1" i="1" dirty="0" err="1">
-                <a:latin typeface="Tahoma" panose="020B0604030504040204" pitchFamily="34" charset="0"/>
-                <a:ea typeface="Tahoma" panose="020B0604030504040204" pitchFamily="34" charset="0"/>
-                <a:cs typeface="Tahoma" panose="020B0604030504040204" pitchFamily="34" charset="0"/>
-              </a:rPr>
-              <a:t>Missing.Value</a:t>
-            </a:r>
-            <a:r>
-              <a:rPr lang="en-US" b="1" i="1" dirty="0" smtClean="0">
+              <a:t>System.Reflection</a:t>
+            </a:r>
+            <a:r>
+              <a:rPr lang="en-US" i="1" dirty="0">
                 <a:latin typeface="Tahoma" panose="020B0604030504040204" pitchFamily="34" charset="0"/>
                 <a:ea typeface="Tahoma" panose="020B0604030504040204" pitchFamily="34" charset="0"/>
                 <a:cs typeface="Tahoma" panose="020B0604030504040204" pitchFamily="34" charset="0"/>
               </a:rPr>
               <a:t>;</a:t>
             </a:r>
-          </a:p>
-          <a:p>
-            <a:r>
-              <a:rPr lang="en-US" b="1" dirty="0">
-                <a:latin typeface="Tahoma" panose="020B0604030504040204" pitchFamily="34" charset="0"/>
-                <a:ea typeface="Tahoma" panose="020B0604030504040204" pitchFamily="34" charset="0"/>
-                <a:cs typeface="Tahoma" panose="020B0604030504040204" pitchFamily="34" charset="0"/>
-              </a:rPr>
-              <a:t>	</a:t>
-            </a:r>
-            <a:r>
-              <a:rPr lang="ru-RU" dirty="0" smtClean="0">
-                <a:latin typeface="Tahoma" panose="020B0604030504040204" pitchFamily="34" charset="0"/>
-                <a:ea typeface="Tahoma" panose="020B0604030504040204" pitchFamily="34" charset="0"/>
-                <a:cs typeface="Tahoma" panose="020B0604030504040204" pitchFamily="34" charset="0"/>
-              </a:rPr>
-              <a:t>в) разместить блок отлова ошибок </a:t>
-            </a:r>
-            <a:r>
-              <a:rPr lang="en-US" b="1" i="1" dirty="0" smtClean="0">
-                <a:latin typeface="Tahoma" panose="020B0604030504040204" pitchFamily="34" charset="0"/>
-                <a:ea typeface="Tahoma" panose="020B0604030504040204" pitchFamily="34" charset="0"/>
-                <a:cs typeface="Tahoma" panose="020B0604030504040204" pitchFamily="34" charset="0"/>
-              </a:rPr>
-              <a:t>try … catch … finally …</a:t>
-            </a:r>
-          </a:p>
-          <a:p>
-            <a:r>
-              <a:rPr lang="en-US" b="1" i="1" dirty="0">
-                <a:latin typeface="Tahoma" panose="020B0604030504040204" pitchFamily="34" charset="0"/>
-                <a:ea typeface="Tahoma" panose="020B0604030504040204" pitchFamily="34" charset="0"/>
-                <a:cs typeface="Tahoma" panose="020B0604030504040204" pitchFamily="34" charset="0"/>
-              </a:rPr>
-              <a:t>	</a:t>
-            </a:r>
-            <a:r>
-              <a:rPr lang="ru-RU" dirty="0" smtClean="0">
-                <a:latin typeface="Tahoma" panose="020B0604030504040204" pitchFamily="34" charset="0"/>
-                <a:ea typeface="Tahoma" panose="020B0604030504040204" pitchFamily="34" charset="0"/>
-                <a:cs typeface="Tahoma" panose="020B0604030504040204" pitchFamily="34" charset="0"/>
-              </a:rPr>
-              <a:t>г) попробовать создать переменную под приложение </a:t>
-            </a:r>
-            <a:r>
-              <a:rPr lang="en-US" i="1" dirty="0" smtClean="0">
-                <a:latin typeface="Tahoma" panose="020B0604030504040204" pitchFamily="34" charset="0"/>
-                <a:ea typeface="Tahoma" panose="020B0604030504040204" pitchFamily="34" charset="0"/>
-                <a:cs typeface="Tahoma" panose="020B0604030504040204" pitchFamily="34" charset="0"/>
-              </a:rPr>
-              <a:t>Word </a:t>
-            </a:r>
-            <a:r>
-              <a:rPr lang="en-US" dirty="0" smtClean="0">
-                <a:latin typeface="Tahoma" panose="020B0604030504040204" pitchFamily="34" charset="0"/>
-                <a:ea typeface="Tahoma" panose="020B0604030504040204" pitchFamily="34" charset="0"/>
-                <a:cs typeface="Tahoma" panose="020B0604030504040204" pitchFamily="34" charset="0"/>
-              </a:rPr>
-              <a:t>(</a:t>
-            </a:r>
-            <a:r>
-              <a:rPr lang="ru-RU" dirty="0" smtClean="0">
-                <a:latin typeface="Tahoma" panose="020B0604030504040204" pitchFamily="34" charset="0"/>
-                <a:ea typeface="Tahoma" panose="020B0604030504040204" pitchFamily="34" charset="0"/>
-                <a:cs typeface="Tahoma" panose="020B0604030504040204" pitchFamily="34" charset="0"/>
-              </a:rPr>
-              <a:t>подложка</a:t>
-            </a:r>
-            <a:r>
-              <a:rPr lang="en-US" dirty="0" smtClean="0">
-                <a:latin typeface="Tahoma" panose="020B0604030504040204" pitchFamily="34" charset="0"/>
-                <a:ea typeface="Tahoma" panose="020B0604030504040204" pitchFamily="34" charset="0"/>
-                <a:cs typeface="Tahoma" panose="020B0604030504040204" pitchFamily="34" charset="0"/>
-              </a:rPr>
-              <a:t>)</a:t>
-            </a:r>
-          </a:p>
-          <a:p>
-            <a:r>
-              <a:rPr lang="en-US" b="1" i="1" dirty="0">
-                <a:latin typeface="Tahoma" panose="020B0604030504040204" pitchFamily="34" charset="0"/>
-                <a:ea typeface="Tahoma" panose="020B0604030504040204" pitchFamily="34" charset="0"/>
-                <a:cs typeface="Tahoma" panose="020B0604030504040204" pitchFamily="34" charset="0"/>
-              </a:rPr>
-              <a:t>	</a:t>
-            </a:r>
-            <a:r>
-              <a:rPr lang="en-US" b="1" i="1" dirty="0" smtClean="0">
-                <a:latin typeface="Tahoma" panose="020B0604030504040204" pitchFamily="34" charset="0"/>
-                <a:ea typeface="Tahoma" panose="020B0604030504040204" pitchFamily="34" charset="0"/>
-                <a:cs typeface="Tahoma" panose="020B0604030504040204" pitchFamily="34" charset="0"/>
-              </a:rPr>
-              <a:t>	</a:t>
-            </a:r>
-            <a:r>
-              <a:rPr lang="en-US" b="1" i="1" dirty="0" err="1">
-                <a:latin typeface="Tahoma" panose="020B0604030504040204" pitchFamily="34" charset="0"/>
-                <a:ea typeface="Tahoma" panose="020B0604030504040204" pitchFamily="34" charset="0"/>
-                <a:cs typeface="Tahoma" panose="020B0604030504040204" pitchFamily="34" charset="0"/>
-              </a:rPr>
-              <a:t>Word._Application</a:t>
-            </a:r>
-            <a:r>
-              <a:rPr lang="en-US" b="1" i="1" dirty="0">
-                <a:latin typeface="Tahoma" panose="020B0604030504040204" pitchFamily="34" charset="0"/>
-                <a:ea typeface="Tahoma" panose="020B0604030504040204" pitchFamily="34" charset="0"/>
-                <a:cs typeface="Tahoma" panose="020B0604030504040204" pitchFamily="34" charset="0"/>
-              </a:rPr>
-              <a:t> </a:t>
-            </a:r>
-            <a:r>
-              <a:rPr lang="en-US" b="1" i="1" dirty="0" err="1">
-                <a:latin typeface="Tahoma" panose="020B0604030504040204" pitchFamily="34" charset="0"/>
-                <a:ea typeface="Tahoma" panose="020B0604030504040204" pitchFamily="34" charset="0"/>
-                <a:cs typeface="Tahoma" panose="020B0604030504040204" pitchFamily="34" charset="0"/>
-              </a:rPr>
-              <a:t>ObjWord</a:t>
-            </a:r>
-            <a:r>
-              <a:rPr lang="en-US" b="1" i="1" dirty="0">
-                <a:latin typeface="Tahoma" panose="020B0604030504040204" pitchFamily="34" charset="0"/>
-                <a:ea typeface="Tahoma" panose="020B0604030504040204" pitchFamily="34" charset="0"/>
-                <a:cs typeface="Tahoma" panose="020B0604030504040204" pitchFamily="34" charset="0"/>
-              </a:rPr>
-              <a:t> = new </a:t>
-            </a:r>
-            <a:r>
-              <a:rPr lang="en-US" b="1" i="1" dirty="0" err="1">
-                <a:latin typeface="Tahoma" panose="020B0604030504040204" pitchFamily="34" charset="0"/>
-                <a:ea typeface="Tahoma" panose="020B0604030504040204" pitchFamily="34" charset="0"/>
-                <a:cs typeface="Tahoma" panose="020B0604030504040204" pitchFamily="34" charset="0"/>
-              </a:rPr>
-              <a:t>Word.Application</a:t>
-            </a:r>
-            <a:r>
-              <a:rPr lang="en-US" b="1" i="1" dirty="0" smtClean="0">
-                <a:latin typeface="Tahoma" panose="020B0604030504040204" pitchFamily="34" charset="0"/>
-                <a:ea typeface="Tahoma" panose="020B0604030504040204" pitchFamily="34" charset="0"/>
-                <a:cs typeface="Tahoma" panose="020B0604030504040204" pitchFamily="34" charset="0"/>
-              </a:rPr>
-              <a:t>();</a:t>
-            </a:r>
-            <a:endParaRPr lang="en-US" b="1" i="1" dirty="0">
+            <a:endParaRPr lang="ru-RU" i="1" dirty="0">
               <a:latin typeface="Tahoma" panose="020B0604030504040204" pitchFamily="34" charset="0"/>
               <a:ea typeface="Tahoma" panose="020B0604030504040204" pitchFamily="34" charset="0"/>
               <a:cs typeface="Tahoma" panose="020B0604030504040204" pitchFamily="34" charset="0"/>
             </a:endParaRPr>
+          </a:p>
+          <a:p>
+            <a:r>
+              <a:rPr lang="ru-RU" dirty="0">
+                <a:latin typeface="Tahoma" panose="020B0604030504040204" pitchFamily="34" charset="0"/>
+                <a:ea typeface="Tahoma" panose="020B0604030504040204" pitchFamily="34" charset="0"/>
+                <a:cs typeface="Tahoma" panose="020B0604030504040204" pitchFamily="34" charset="0"/>
+              </a:rPr>
+              <a:t>	он необходим для обращения к </a:t>
+            </a:r>
+            <a:r>
+              <a:rPr lang="en-US" i="1" dirty="0">
+                <a:latin typeface="Tahoma" panose="020B0604030504040204" pitchFamily="34" charset="0"/>
+                <a:ea typeface="Tahoma" panose="020B0604030504040204" pitchFamily="34" charset="0"/>
+                <a:cs typeface="Tahoma" panose="020B0604030504040204" pitchFamily="34" charset="0"/>
+              </a:rPr>
+              <a:t>Missing</a:t>
+            </a:r>
+            <a:r>
+              <a:rPr lang="en-US" dirty="0">
+                <a:latin typeface="Tahoma" panose="020B0604030504040204" pitchFamily="34" charset="0"/>
+                <a:ea typeface="Tahoma" panose="020B0604030504040204" pitchFamily="34" charset="0"/>
+                <a:cs typeface="Tahoma" panose="020B0604030504040204" pitchFamily="34" charset="0"/>
+              </a:rPr>
+              <a:t> (</a:t>
+            </a:r>
+            <a:r>
+              <a:rPr lang="ru-RU" dirty="0">
+                <a:latin typeface="Tahoma" panose="020B0604030504040204" pitchFamily="34" charset="0"/>
+                <a:ea typeface="Tahoma" panose="020B0604030504040204" pitchFamily="34" charset="0"/>
+                <a:cs typeface="Tahoma" panose="020B0604030504040204" pitchFamily="34" charset="0"/>
+              </a:rPr>
+              <a:t>отсутствующему параметру</a:t>
+            </a:r>
+            <a:r>
+              <a:rPr lang="en-US" dirty="0">
+                <a:latin typeface="Tahoma" panose="020B0604030504040204" pitchFamily="34" charset="0"/>
+                <a:ea typeface="Tahoma" panose="020B0604030504040204" pitchFamily="34" charset="0"/>
+                <a:cs typeface="Tahoma" panose="020B0604030504040204" pitchFamily="34" charset="0"/>
+              </a:rPr>
+              <a:t>)</a:t>
+            </a:r>
+            <a:r>
+              <a:rPr lang="ru-RU" dirty="0">
+                <a:latin typeface="Tahoma" panose="020B0604030504040204" pitchFamily="34" charset="0"/>
+                <a:ea typeface="Tahoma" panose="020B0604030504040204" pitchFamily="34" charset="0"/>
+                <a:cs typeface="Tahoma" panose="020B0604030504040204" pitchFamily="34" charset="0"/>
+              </a:rPr>
+              <a:t>;</a:t>
+            </a:r>
+          </a:p>
+          <a:p>
+            <a:r>
+              <a:rPr lang="ru-RU" dirty="0">
+                <a:latin typeface="Tahoma" panose="020B0604030504040204" pitchFamily="34" charset="0"/>
+                <a:ea typeface="Tahoma" panose="020B0604030504040204" pitchFamily="34" charset="0"/>
+                <a:cs typeface="Tahoma" panose="020B0604030504040204" pitchFamily="34" charset="0"/>
+              </a:rPr>
+              <a:t>	б) создать объект под отсутствующие параметры </a:t>
+            </a:r>
+            <a:r>
+              <a:rPr lang="en-US" i="1" dirty="0">
+                <a:latin typeface="Tahoma" panose="020B0604030504040204" pitchFamily="34" charset="0"/>
+                <a:ea typeface="Tahoma" panose="020B0604030504040204" pitchFamily="34" charset="0"/>
+                <a:cs typeface="Tahoma" panose="020B0604030504040204" pitchFamily="34" charset="0"/>
+              </a:rPr>
+              <a:t>Word</a:t>
+            </a:r>
+          </a:p>
+          <a:p>
+            <a:r>
+              <a:rPr lang="en-US" dirty="0">
+                <a:latin typeface="Tahoma" panose="020B0604030504040204" pitchFamily="34" charset="0"/>
+                <a:ea typeface="Tahoma" panose="020B0604030504040204" pitchFamily="34" charset="0"/>
+                <a:cs typeface="Tahoma" panose="020B0604030504040204" pitchFamily="34" charset="0"/>
+              </a:rPr>
+              <a:t>		</a:t>
+            </a:r>
+            <a:r>
+              <a:rPr lang="en-US" b="1" i="1" dirty="0">
+                <a:latin typeface="Tahoma" panose="020B0604030504040204" pitchFamily="34" charset="0"/>
+                <a:ea typeface="Tahoma" panose="020B0604030504040204" pitchFamily="34" charset="0"/>
+                <a:cs typeface="Tahoma" panose="020B0604030504040204" pitchFamily="34" charset="0"/>
+              </a:rPr>
+              <a:t>object </a:t>
+            </a:r>
+            <a:r>
+              <a:rPr lang="en-US" b="1" i="1" dirty="0" err="1">
+                <a:latin typeface="Tahoma" panose="020B0604030504040204" pitchFamily="34" charset="0"/>
+                <a:ea typeface="Tahoma" panose="020B0604030504040204" pitchFamily="34" charset="0"/>
+                <a:cs typeface="Tahoma" panose="020B0604030504040204" pitchFamily="34" charset="0"/>
+              </a:rPr>
+              <a:t>ObjMissing</a:t>
+            </a:r>
+            <a:r>
+              <a:rPr lang="en-US" b="1" i="1" dirty="0">
+                <a:latin typeface="Tahoma" panose="020B0604030504040204" pitchFamily="34" charset="0"/>
+                <a:ea typeface="Tahoma" panose="020B0604030504040204" pitchFamily="34" charset="0"/>
+                <a:cs typeface="Tahoma" panose="020B0604030504040204" pitchFamily="34" charset="0"/>
+              </a:rPr>
+              <a:t> = </a:t>
+            </a:r>
+            <a:r>
+              <a:rPr lang="en-US" b="1" i="1" dirty="0" err="1">
+                <a:latin typeface="Tahoma" panose="020B0604030504040204" pitchFamily="34" charset="0"/>
+                <a:ea typeface="Tahoma" panose="020B0604030504040204" pitchFamily="34" charset="0"/>
+                <a:cs typeface="Tahoma" panose="020B0604030504040204" pitchFamily="34" charset="0"/>
+              </a:rPr>
+              <a:t>Missing.Value</a:t>
+            </a:r>
+            <a:r>
+              <a:rPr lang="en-US" b="1" i="1" dirty="0">
+                <a:latin typeface="Tahoma" panose="020B0604030504040204" pitchFamily="34" charset="0"/>
+                <a:ea typeface="Tahoma" panose="020B0604030504040204" pitchFamily="34" charset="0"/>
+                <a:cs typeface="Tahoma" panose="020B0604030504040204" pitchFamily="34" charset="0"/>
+              </a:rPr>
+              <a:t>;</a:t>
+            </a:r>
+          </a:p>
+          <a:p>
+            <a:r>
+              <a:rPr lang="en-US" b="1" dirty="0">
+                <a:latin typeface="Tahoma" panose="020B0604030504040204" pitchFamily="34" charset="0"/>
+                <a:ea typeface="Tahoma" panose="020B0604030504040204" pitchFamily="34" charset="0"/>
+                <a:cs typeface="Tahoma" panose="020B0604030504040204" pitchFamily="34" charset="0"/>
+              </a:rPr>
+              <a:t>	</a:t>
+            </a:r>
+            <a:r>
+              <a:rPr lang="ru-RU" dirty="0">
+                <a:latin typeface="Tahoma" panose="020B0604030504040204" pitchFamily="34" charset="0"/>
+                <a:ea typeface="Tahoma" panose="020B0604030504040204" pitchFamily="34" charset="0"/>
+                <a:cs typeface="Tahoma" panose="020B0604030504040204" pitchFamily="34" charset="0"/>
+              </a:rPr>
+              <a:t>в) разместить блок отлова ошибок </a:t>
+            </a:r>
+            <a:r>
+              <a:rPr lang="en-US" b="1" i="1" dirty="0">
+                <a:latin typeface="Tahoma" panose="020B0604030504040204" pitchFamily="34" charset="0"/>
+                <a:ea typeface="Tahoma" panose="020B0604030504040204" pitchFamily="34" charset="0"/>
+                <a:cs typeface="Tahoma" panose="020B0604030504040204" pitchFamily="34" charset="0"/>
+              </a:rPr>
+              <a:t>try … catch … finally …</a:t>
+            </a:r>
+          </a:p>
+          <a:p>
+            <a:r>
+              <a:rPr lang="en-US" b="1" i="1" dirty="0">
+                <a:latin typeface="Tahoma" panose="020B0604030504040204" pitchFamily="34" charset="0"/>
+                <a:ea typeface="Tahoma" panose="020B0604030504040204" pitchFamily="34" charset="0"/>
+                <a:cs typeface="Tahoma" panose="020B0604030504040204" pitchFamily="34" charset="0"/>
+              </a:rPr>
+              <a:t>	</a:t>
+            </a:r>
+            <a:r>
+              <a:rPr lang="ru-RU" dirty="0">
+                <a:latin typeface="Tahoma" panose="020B0604030504040204" pitchFamily="34" charset="0"/>
+                <a:ea typeface="Tahoma" panose="020B0604030504040204" pitchFamily="34" charset="0"/>
+                <a:cs typeface="Tahoma" panose="020B0604030504040204" pitchFamily="34" charset="0"/>
+              </a:rPr>
+              <a:t>г) попробовать создать переменную под приложение </a:t>
+            </a:r>
+            <a:r>
+              <a:rPr lang="en-US" i="1" dirty="0">
+                <a:latin typeface="Tahoma" panose="020B0604030504040204" pitchFamily="34" charset="0"/>
+                <a:ea typeface="Tahoma" panose="020B0604030504040204" pitchFamily="34" charset="0"/>
+                <a:cs typeface="Tahoma" panose="020B0604030504040204" pitchFamily="34" charset="0"/>
+              </a:rPr>
+              <a:t>Word </a:t>
+            </a:r>
+            <a:r>
+              <a:rPr lang="en-US" dirty="0">
+                <a:latin typeface="Tahoma" panose="020B0604030504040204" pitchFamily="34" charset="0"/>
+                <a:ea typeface="Tahoma" panose="020B0604030504040204" pitchFamily="34" charset="0"/>
+                <a:cs typeface="Tahoma" panose="020B0604030504040204" pitchFamily="34" charset="0"/>
+              </a:rPr>
+              <a:t>(</a:t>
+            </a:r>
+            <a:r>
+              <a:rPr lang="ru-RU" dirty="0">
+                <a:latin typeface="Tahoma" panose="020B0604030504040204" pitchFamily="34" charset="0"/>
+                <a:ea typeface="Tahoma" panose="020B0604030504040204" pitchFamily="34" charset="0"/>
+                <a:cs typeface="Tahoma" panose="020B0604030504040204" pitchFamily="34" charset="0"/>
+              </a:rPr>
+              <a:t>подложка</a:t>
+            </a:r>
+            <a:r>
+              <a:rPr lang="en-US" dirty="0">
+                <a:latin typeface="Tahoma" panose="020B0604030504040204" pitchFamily="34" charset="0"/>
+                <a:ea typeface="Tahoma" panose="020B0604030504040204" pitchFamily="34" charset="0"/>
+                <a:cs typeface="Tahoma" panose="020B0604030504040204" pitchFamily="34" charset="0"/>
+              </a:rPr>
+              <a:t>)</a:t>
+            </a:r>
+          </a:p>
+          <a:p>
+            <a:r>
+              <a:rPr lang="en-US" b="1" i="1" dirty="0">
+                <a:latin typeface="Tahoma" panose="020B0604030504040204" pitchFamily="34" charset="0"/>
+                <a:ea typeface="Tahoma" panose="020B0604030504040204" pitchFamily="34" charset="0"/>
+                <a:cs typeface="Tahoma" panose="020B0604030504040204" pitchFamily="34" charset="0"/>
+              </a:rPr>
+              <a:t>		</a:t>
+            </a:r>
+            <a:r>
+              <a:rPr lang="en-US" b="1" i="1" dirty="0" err="1">
+                <a:latin typeface="Tahoma" panose="020B0604030504040204" pitchFamily="34" charset="0"/>
+                <a:ea typeface="Tahoma" panose="020B0604030504040204" pitchFamily="34" charset="0"/>
+                <a:cs typeface="Tahoma" panose="020B0604030504040204" pitchFamily="34" charset="0"/>
+              </a:rPr>
+              <a:t>Word._Application</a:t>
+            </a:r>
+            <a:r>
+              <a:rPr lang="en-US" b="1" i="1" dirty="0">
+                <a:latin typeface="Tahoma" panose="020B0604030504040204" pitchFamily="34" charset="0"/>
+                <a:ea typeface="Tahoma" panose="020B0604030504040204" pitchFamily="34" charset="0"/>
+                <a:cs typeface="Tahoma" panose="020B0604030504040204" pitchFamily="34" charset="0"/>
+              </a:rPr>
+              <a:t> </a:t>
+            </a:r>
+            <a:r>
+              <a:rPr lang="en-US" b="1" i="1" dirty="0" err="1">
+                <a:latin typeface="Tahoma" panose="020B0604030504040204" pitchFamily="34" charset="0"/>
+                <a:ea typeface="Tahoma" panose="020B0604030504040204" pitchFamily="34" charset="0"/>
+                <a:cs typeface="Tahoma" panose="020B0604030504040204" pitchFamily="34" charset="0"/>
+              </a:rPr>
+              <a:t>ObjWord</a:t>
+            </a:r>
+            <a:r>
+              <a:rPr lang="en-US" b="1" i="1" dirty="0">
+                <a:latin typeface="Tahoma" panose="020B0604030504040204" pitchFamily="34" charset="0"/>
+                <a:ea typeface="Tahoma" panose="020B0604030504040204" pitchFamily="34" charset="0"/>
+                <a:cs typeface="Tahoma" panose="020B0604030504040204" pitchFamily="34" charset="0"/>
+              </a:rPr>
+              <a:t> = new </a:t>
+            </a:r>
+            <a:r>
+              <a:rPr lang="en-US" b="1" i="1" dirty="0" err="1">
+                <a:latin typeface="Tahoma" panose="020B0604030504040204" pitchFamily="34" charset="0"/>
+                <a:ea typeface="Tahoma" panose="020B0604030504040204" pitchFamily="34" charset="0"/>
+                <a:cs typeface="Tahoma" panose="020B0604030504040204" pitchFamily="34" charset="0"/>
+              </a:rPr>
+              <a:t>Word.Application</a:t>
+            </a:r>
+            <a:r>
+              <a:rPr lang="en-US" b="1" i="1" dirty="0">
+                <a:latin typeface="Tahoma" panose="020B0604030504040204" pitchFamily="34" charset="0"/>
+                <a:ea typeface="Tahoma" panose="020B0604030504040204" pitchFamily="34" charset="0"/>
+                <a:cs typeface="Tahoma" panose="020B0604030504040204" pitchFamily="34" charset="0"/>
+              </a:rPr>
+              <a:t>();</a:t>
+            </a:r>
           </a:p>
         </p:txBody>
       </p:sp>
@@ -9037,13 +8730,6 @@
   <p:clrMapOvr>
     <a:masterClrMapping/>
   </p:clrMapOvr>
-  <p:timing>
-    <p:tnLst>
-      <p:par>
-        <p:cTn id="1" dur="indefinite" restart="never" nodeType="tmRoot"/>
-      </p:par>
-    </p:tnLst>
-  </p:timing>
 </p:sld>
 </file>
 
@@ -9088,7 +8774,7 @@
           <a:p>
             <a:pPr algn="ctr"/>
             <a:r>
-              <a:rPr lang="ru-RU" sz="2800" b="1" dirty="0" smtClean="0">
+              <a:rPr lang="ru-RU" sz="2800" b="1" dirty="0">
                 <a:latin typeface="Tahoma" panose="020B0604030504040204" pitchFamily="34" charset="0"/>
                 <a:ea typeface="Tahoma" panose="020B0604030504040204" pitchFamily="34" charset="0"/>
                 <a:cs typeface="Tahoma" panose="020B0604030504040204" pitchFamily="34" charset="0"/>
@@ -9096,7 +8782,7 @@
               <a:t>Работа с </a:t>
             </a:r>
             <a:r>
-              <a:rPr lang="en-US" sz="2800" b="1" i="1" dirty="0" smtClean="0">
+              <a:rPr lang="en-US" sz="2800" b="1" i="1" dirty="0">
                 <a:latin typeface="Tahoma" panose="020B0604030504040204" pitchFamily="34" charset="0"/>
                 <a:ea typeface="Tahoma" panose="020B0604030504040204" pitchFamily="34" charset="0"/>
                 <a:cs typeface="Tahoma" panose="020B0604030504040204" pitchFamily="34" charset="0"/>
@@ -9104,18 +8790,13 @@
               <a:t>Word</a:t>
             </a:r>
             <a:r>
-              <a:rPr lang="ru-RU" sz="2800" b="1" dirty="0" smtClean="0">
+              <a:rPr lang="ru-RU" sz="2800" b="1" dirty="0">
                 <a:latin typeface="Tahoma" panose="020B0604030504040204" pitchFamily="34" charset="0"/>
                 <a:ea typeface="Tahoma" panose="020B0604030504040204" pitchFamily="34" charset="0"/>
                 <a:cs typeface="Tahoma" panose="020B0604030504040204" pitchFamily="34" charset="0"/>
               </a:rPr>
               <a:t> программным способом</a:t>
             </a:r>
-            <a:endParaRPr lang="ru-RU" sz="2800" b="1" dirty="0">
-              <a:latin typeface="Tahoma" panose="020B0604030504040204" pitchFamily="34" charset="0"/>
-              <a:ea typeface="Tahoma" panose="020B0604030504040204" pitchFamily="34" charset="0"/>
-              <a:cs typeface="Tahoma" panose="020B0604030504040204" pitchFamily="34" charset="0"/>
-            </a:endParaRPr>
           </a:p>
         </p:txBody>
       </p:sp>
@@ -9154,7 +8835,7 @@
           <a:lstStyle/>
           <a:p>
             <a:r>
-              <a:rPr lang="ru-RU" dirty="0" smtClean="0">
+              <a:rPr lang="ru-RU" dirty="0">
                 <a:latin typeface="Tahoma" panose="020B0604030504040204" pitchFamily="34" charset="0"/>
                 <a:ea typeface="Tahoma" panose="020B0604030504040204" pitchFamily="34" charset="0"/>
                 <a:cs typeface="Tahoma" panose="020B0604030504040204" pitchFamily="34" charset="0"/>
@@ -9162,7 +8843,7 @@
               <a:t>1. Обобщённая конструкция для работы с </a:t>
             </a:r>
             <a:r>
-              <a:rPr lang="en-US" i="1" dirty="0" smtClean="0">
+              <a:rPr lang="en-US" i="1" dirty="0">
                 <a:latin typeface="Tahoma" panose="020B0604030504040204" pitchFamily="34" charset="0"/>
                 <a:ea typeface="Tahoma" panose="020B0604030504040204" pitchFamily="34" charset="0"/>
                 <a:cs typeface="Tahoma" panose="020B0604030504040204" pitchFamily="34" charset="0"/>
@@ -9170,7 +8851,7 @@
               <a:t>Word</a:t>
             </a:r>
             <a:r>
-              <a:rPr lang="en-US" dirty="0" smtClean="0">
+              <a:rPr lang="en-US" dirty="0">
                 <a:latin typeface="Tahoma" panose="020B0604030504040204" pitchFamily="34" charset="0"/>
                 <a:ea typeface="Tahoma" panose="020B0604030504040204" pitchFamily="34" charset="0"/>
                 <a:cs typeface="Tahoma" panose="020B0604030504040204" pitchFamily="34" charset="0"/>
@@ -9178,7 +8859,7 @@
               <a:t> </a:t>
             </a:r>
             <a:r>
-              <a:rPr lang="ru-RU" dirty="0" smtClean="0">
+              <a:rPr lang="ru-RU" dirty="0">
                 <a:latin typeface="Tahoma" panose="020B0604030504040204" pitchFamily="34" charset="0"/>
                 <a:ea typeface="Tahoma" panose="020B0604030504040204" pitchFamily="34" charset="0"/>
                 <a:cs typeface="Tahoma" panose="020B0604030504040204" pitchFamily="34" charset="0"/>
@@ -9187,7 +8868,7 @@
             </a:r>
           </a:p>
           <a:p>
-            <a:endParaRPr lang="ru-RU" dirty="0" smtClean="0">
+            <a:endParaRPr lang="ru-RU" dirty="0">
               <a:latin typeface="Tahoma" panose="020B0604030504040204" pitchFamily="34" charset="0"/>
               <a:ea typeface="Tahoma" panose="020B0604030504040204" pitchFamily="34" charset="0"/>
               <a:cs typeface="Tahoma" panose="020B0604030504040204" pitchFamily="34" charset="0"/>
@@ -9195,7 +8876,7 @@
           </a:p>
           <a:p>
             <a:r>
-              <a:rPr lang="ru-RU" dirty="0" smtClean="0">
+              <a:rPr lang="ru-RU" dirty="0">
                 <a:latin typeface="Tahoma" panose="020B0604030504040204" pitchFamily="34" charset="0"/>
                 <a:ea typeface="Tahoma" panose="020B0604030504040204" pitchFamily="34" charset="0"/>
                 <a:cs typeface="Tahoma" panose="020B0604030504040204" pitchFamily="34" charset="0"/>
@@ -9203,7 +8884,7 @@
               <a:t>	д) создать процедуру, в которую в качестве параметров необходимо 	передавать </a:t>
             </a:r>
             <a:r>
-              <a:rPr lang="en-US" i="1" dirty="0" smtClean="0">
+              <a:rPr lang="en-US" i="1" dirty="0">
                 <a:latin typeface="Tahoma" panose="020B0604030504040204" pitchFamily="34" charset="0"/>
                 <a:ea typeface="Tahoma" panose="020B0604030504040204" pitchFamily="34" charset="0"/>
                 <a:cs typeface="Tahoma" panose="020B0604030504040204" pitchFamily="34" charset="0"/>
@@ -9211,7 +8892,7 @@
               <a:t>Word</a:t>
             </a:r>
             <a:r>
-              <a:rPr lang="en-US" dirty="0" smtClean="0">
+              <a:rPr lang="en-US" dirty="0">
                 <a:latin typeface="Tahoma" panose="020B0604030504040204" pitchFamily="34" charset="0"/>
                 <a:ea typeface="Tahoma" panose="020B0604030504040204" pitchFamily="34" charset="0"/>
                 <a:cs typeface="Tahoma" panose="020B0604030504040204" pitchFamily="34" charset="0"/>
@@ -9219,7 +8900,7 @@
               <a:t>-</a:t>
             </a:r>
             <a:r>
-              <a:rPr lang="ru-RU" dirty="0" smtClean="0">
+              <a:rPr lang="ru-RU" dirty="0">
                 <a:latin typeface="Tahoma" panose="020B0604030504040204" pitchFamily="34" charset="0"/>
                 <a:ea typeface="Tahoma" panose="020B0604030504040204" pitchFamily="34" charset="0"/>
                 <a:cs typeface="Tahoma" panose="020B0604030504040204" pitchFamily="34" charset="0"/>
@@ -9234,18 +8915,10 @@
                 <a:ea typeface="Tahoma" panose="020B0604030504040204" pitchFamily="34" charset="0"/>
                 <a:cs typeface="Tahoma" panose="020B0604030504040204" pitchFamily="34" charset="0"/>
               </a:rPr>
-              <a:t>	</a:t>
-            </a:r>
-            <a:r>
-              <a:rPr lang="ru-RU" dirty="0" smtClean="0">
-                <a:latin typeface="Tahoma" panose="020B0604030504040204" pitchFamily="34" charset="0"/>
-                <a:ea typeface="Tahoma" panose="020B0604030504040204" pitchFamily="34" charset="0"/>
-                <a:cs typeface="Tahoma" panose="020B0604030504040204" pitchFamily="34" charset="0"/>
-              </a:rPr>
-              <a:t>е) закрыть </a:t>
-            </a:r>
-            <a:r>
-              <a:rPr lang="en-US" i="1" dirty="0" smtClean="0">
+              <a:t>	е) закрыть </a:t>
+            </a:r>
+            <a:r>
+              <a:rPr lang="en-US" i="1" dirty="0">
                 <a:latin typeface="Tahoma" panose="020B0604030504040204" pitchFamily="34" charset="0"/>
                 <a:ea typeface="Tahoma" panose="020B0604030504040204" pitchFamily="34" charset="0"/>
                 <a:cs typeface="Tahoma" panose="020B0604030504040204" pitchFamily="34" charset="0"/>
@@ -9253,7 +8926,7 @@
               <a:t>Word</a:t>
             </a:r>
             <a:r>
-              <a:rPr lang="en-US" dirty="0" smtClean="0">
+              <a:rPr lang="en-US" dirty="0">
                 <a:latin typeface="Tahoma" panose="020B0604030504040204" pitchFamily="34" charset="0"/>
                 <a:ea typeface="Tahoma" panose="020B0604030504040204" pitchFamily="34" charset="0"/>
                 <a:cs typeface="Tahoma" panose="020B0604030504040204" pitchFamily="34" charset="0"/>
@@ -9261,7 +8934,7 @@
               <a:t>-</a:t>
             </a:r>
             <a:r>
-              <a:rPr lang="ru-RU" dirty="0" smtClean="0">
+              <a:rPr lang="ru-RU" dirty="0">
                 <a:latin typeface="Tahoma" panose="020B0604030504040204" pitchFamily="34" charset="0"/>
                 <a:ea typeface="Tahoma" panose="020B0604030504040204" pitchFamily="34" charset="0"/>
                 <a:cs typeface="Tahoma" panose="020B0604030504040204" pitchFamily="34" charset="0"/>
@@ -9269,7 +8942,7 @@
               <a:t>приложение методом </a:t>
             </a:r>
             <a:r>
-              <a:rPr lang="en-US" b="1" dirty="0" smtClean="0">
+              <a:rPr lang="en-US" b="1" dirty="0">
                 <a:latin typeface="Tahoma" panose="020B0604030504040204" pitchFamily="34" charset="0"/>
                 <a:ea typeface="Tahoma" panose="020B0604030504040204" pitchFamily="34" charset="0"/>
                 <a:cs typeface="Tahoma" panose="020B0604030504040204" pitchFamily="34" charset="0"/>
@@ -9277,14 +8950,14 @@
               <a:t>Quit()</a:t>
             </a:r>
             <a:r>
-              <a:rPr lang="ru-RU" dirty="0" smtClean="0">
+              <a:rPr lang="ru-RU" dirty="0">
                 <a:latin typeface="Tahoma" panose="020B0604030504040204" pitchFamily="34" charset="0"/>
                 <a:ea typeface="Tahoma" panose="020B0604030504040204" pitchFamily="34" charset="0"/>
                 <a:cs typeface="Tahoma" panose="020B0604030504040204" pitchFamily="34" charset="0"/>
               </a:rPr>
               <a:t>;</a:t>
             </a:r>
-            <a:endParaRPr lang="en-US" dirty="0" smtClean="0">
+            <a:endParaRPr lang="en-US" dirty="0">
               <a:latin typeface="Tahoma" panose="020B0604030504040204" pitchFamily="34" charset="0"/>
               <a:ea typeface="Tahoma" panose="020B0604030504040204" pitchFamily="34" charset="0"/>
               <a:cs typeface="Tahoma" panose="020B0604030504040204" pitchFamily="34" charset="0"/>
@@ -9300,7 +8973,7 @@
               <a:t>	</a:t>
             </a:r>
             <a:r>
-              <a:rPr lang="ru-RU" dirty="0" smtClean="0">
+              <a:rPr lang="ru-RU" dirty="0">
                 <a:latin typeface="Tahoma" panose="020B0604030504040204" pitchFamily="34" charset="0"/>
                 <a:ea typeface="Tahoma" panose="020B0604030504040204" pitchFamily="34" charset="0"/>
                 <a:cs typeface="Tahoma" panose="020B0604030504040204" pitchFamily="34" charset="0"/>
@@ -9308,7 +8981,7 @@
               <a:t>ж) в разделе </a:t>
             </a:r>
             <a:r>
-              <a:rPr lang="en-US" b="1" i="1" dirty="0" smtClean="0">
+              <a:rPr lang="en-US" b="1" i="1" dirty="0">
                 <a:latin typeface="Tahoma" panose="020B0604030504040204" pitchFamily="34" charset="0"/>
                 <a:ea typeface="Tahoma" panose="020B0604030504040204" pitchFamily="34" charset="0"/>
                 <a:cs typeface="Tahoma" panose="020B0604030504040204" pitchFamily="34" charset="0"/>
@@ -9316,7 +8989,7 @@
               <a:t>catch</a:t>
             </a:r>
             <a:r>
-              <a:rPr lang="en-US" dirty="0" smtClean="0">
+              <a:rPr lang="en-US" dirty="0">
                 <a:latin typeface="Tahoma" panose="020B0604030504040204" pitchFamily="34" charset="0"/>
                 <a:ea typeface="Tahoma" panose="020B0604030504040204" pitchFamily="34" charset="0"/>
                 <a:cs typeface="Tahoma" panose="020B0604030504040204" pitchFamily="34" charset="0"/>
@@ -9324,7 +8997,7 @@
               <a:t> </a:t>
             </a:r>
             <a:r>
-              <a:rPr lang="ru-RU" dirty="0" smtClean="0">
+              <a:rPr lang="ru-RU" dirty="0">
                 <a:latin typeface="Tahoma" panose="020B0604030504040204" pitchFamily="34" charset="0"/>
                 <a:ea typeface="Tahoma" panose="020B0604030504040204" pitchFamily="34" charset="0"/>
                 <a:cs typeface="Tahoma" panose="020B0604030504040204" pitchFamily="34" charset="0"/>
@@ -9332,7 +9005,7 @@
               <a:t>вызвать побуждающее сообщение на случай 	возникновения непредвиденной ошибки в процессе работы с </a:t>
             </a:r>
             <a:r>
-              <a:rPr lang="en-US" i="1" dirty="0" smtClean="0">
+              <a:rPr lang="en-US" i="1" dirty="0">
                 <a:latin typeface="Tahoma" panose="020B0604030504040204" pitchFamily="34" charset="0"/>
                 <a:ea typeface="Tahoma" panose="020B0604030504040204" pitchFamily="34" charset="0"/>
                 <a:cs typeface="Tahoma" panose="020B0604030504040204" pitchFamily="34" charset="0"/>
@@ -9340,7 +9013,7 @@
               <a:t>Word</a:t>
             </a:r>
             <a:r>
-              <a:rPr lang="ru-RU" dirty="0" smtClean="0">
+              <a:rPr lang="ru-RU" dirty="0">
                 <a:latin typeface="Tahoma" panose="020B0604030504040204" pitchFamily="34" charset="0"/>
                 <a:ea typeface="Tahoma" panose="020B0604030504040204" pitchFamily="34" charset="0"/>
                 <a:cs typeface="Tahoma" panose="020B0604030504040204" pitchFamily="34" charset="0"/>
@@ -9414,13 +9087,6 @@
   <p:clrMapOvr>
     <a:masterClrMapping/>
   </p:clrMapOvr>
-  <p:timing>
-    <p:tnLst>
-      <p:par>
-        <p:cTn id="1" dur="indefinite" restart="never" nodeType="tmRoot"/>
-      </p:par>
-    </p:tnLst>
-  </p:timing>
 </p:sld>
 </file>
 
@@ -9465,7 +9131,7 @@
           <a:p>
             <a:pPr algn="ctr"/>
             <a:r>
-              <a:rPr lang="ru-RU" sz="2800" b="1" dirty="0" smtClean="0">
+              <a:rPr lang="ru-RU" sz="2800" b="1" dirty="0">
                 <a:latin typeface="Tahoma" panose="020B0604030504040204" pitchFamily="34" charset="0"/>
                 <a:ea typeface="Tahoma" panose="020B0604030504040204" pitchFamily="34" charset="0"/>
                 <a:cs typeface="Tahoma" panose="020B0604030504040204" pitchFamily="34" charset="0"/>
@@ -9473,7 +9139,7 @@
               <a:t>Работа с </a:t>
             </a:r>
             <a:r>
-              <a:rPr lang="en-US" sz="2800" b="1" i="1" dirty="0" smtClean="0">
+              <a:rPr lang="en-US" sz="2800" b="1" i="1" dirty="0">
                 <a:latin typeface="Tahoma" panose="020B0604030504040204" pitchFamily="34" charset="0"/>
                 <a:ea typeface="Tahoma" panose="020B0604030504040204" pitchFamily="34" charset="0"/>
                 <a:cs typeface="Tahoma" panose="020B0604030504040204" pitchFamily="34" charset="0"/>
@@ -9481,18 +9147,13 @@
               <a:t>Word</a:t>
             </a:r>
             <a:r>
-              <a:rPr lang="ru-RU" sz="2800" b="1" dirty="0" smtClean="0">
+              <a:rPr lang="ru-RU" sz="2800" b="1" dirty="0">
                 <a:latin typeface="Tahoma" panose="020B0604030504040204" pitchFamily="34" charset="0"/>
                 <a:ea typeface="Tahoma" panose="020B0604030504040204" pitchFamily="34" charset="0"/>
                 <a:cs typeface="Tahoma" panose="020B0604030504040204" pitchFamily="34" charset="0"/>
               </a:rPr>
               <a:t> программным способом</a:t>
             </a:r>
-            <a:endParaRPr lang="ru-RU" sz="2800" b="1" dirty="0">
-              <a:latin typeface="Tahoma" panose="020B0604030504040204" pitchFamily="34" charset="0"/>
-              <a:ea typeface="Tahoma" panose="020B0604030504040204" pitchFamily="34" charset="0"/>
-              <a:cs typeface="Tahoma" panose="020B0604030504040204" pitchFamily="34" charset="0"/>
-            </a:endParaRPr>
           </a:p>
         </p:txBody>
       </p:sp>
@@ -9532,7 +9193,7 @@
           <a:p>
             <a:pPr algn="just"/>
             <a:r>
-              <a:rPr lang="ru-RU" dirty="0" smtClean="0">
+              <a:rPr lang="ru-RU" dirty="0">
                 <a:latin typeface="Tahoma" panose="020B0604030504040204" pitchFamily="34" charset="0"/>
                 <a:ea typeface="Tahoma" panose="020B0604030504040204" pitchFamily="34" charset="0"/>
                 <a:cs typeface="Tahoma" panose="020B0604030504040204" pitchFamily="34" charset="0"/>
@@ -9540,7 +9201,7 @@
               <a:t>Пониманию процесса создания приложения </a:t>
             </a:r>
             <a:r>
-              <a:rPr lang="en-US" i="1" dirty="0" smtClean="0">
+              <a:rPr lang="en-US" i="1" dirty="0">
                 <a:latin typeface="Tahoma" panose="020B0604030504040204" pitchFamily="34" charset="0"/>
                 <a:ea typeface="Tahoma" panose="020B0604030504040204" pitchFamily="34" charset="0"/>
                 <a:cs typeface="Tahoma" panose="020B0604030504040204" pitchFamily="34" charset="0"/>
@@ -9548,7 +9209,7 @@
               <a:t>Microsoft Office</a:t>
             </a:r>
             <a:r>
-              <a:rPr lang="en-US" dirty="0" smtClean="0">
+              <a:rPr lang="en-US" dirty="0">
                 <a:latin typeface="Tahoma" panose="020B0604030504040204" pitchFamily="34" charset="0"/>
                 <a:ea typeface="Tahoma" panose="020B0604030504040204" pitchFamily="34" charset="0"/>
                 <a:cs typeface="Tahoma" panose="020B0604030504040204" pitchFamily="34" charset="0"/>
@@ -9556,7 +9217,7 @@
               <a:t> </a:t>
             </a:r>
             <a:r>
-              <a:rPr lang="en-US" i="1" dirty="0" smtClean="0">
+              <a:rPr lang="en-US" i="1" dirty="0">
                 <a:latin typeface="Tahoma" panose="020B0604030504040204" pitchFamily="34" charset="0"/>
                 <a:ea typeface="Tahoma" panose="020B0604030504040204" pitchFamily="34" charset="0"/>
                 <a:cs typeface="Tahoma" panose="020B0604030504040204" pitchFamily="34" charset="0"/>
@@ -9564,7 +9225,7 @@
               <a:t>Word</a:t>
             </a:r>
             <a:r>
-              <a:rPr lang="en-US" dirty="0" smtClean="0">
+              <a:rPr lang="en-US" dirty="0">
                 <a:latin typeface="Tahoma" panose="020B0604030504040204" pitchFamily="34" charset="0"/>
                 <a:ea typeface="Tahoma" panose="020B0604030504040204" pitchFamily="34" charset="0"/>
                 <a:cs typeface="Tahoma" panose="020B0604030504040204" pitchFamily="34" charset="0"/>
@@ -9572,7 +9233,7 @@
               <a:t> </a:t>
             </a:r>
             <a:r>
-              <a:rPr lang="ru-RU" dirty="0" smtClean="0">
+              <a:rPr lang="ru-RU" dirty="0">
                 <a:latin typeface="Tahoma" panose="020B0604030504040204" pitchFamily="34" charset="0"/>
                 <a:ea typeface="Tahoma" panose="020B0604030504040204" pitchFamily="34" charset="0"/>
                 <a:cs typeface="Tahoma" panose="020B0604030504040204" pitchFamily="34" charset="0"/>
@@ -9681,13 +9342,6 @@
   <p:clrMapOvr>
     <a:masterClrMapping/>
   </p:clrMapOvr>
-  <p:timing>
-    <p:tnLst>
-      <p:par>
-        <p:cTn id="1" dur="indefinite" restart="never" nodeType="tmRoot"/>
-      </p:par>
-    </p:tnLst>
-  </p:timing>
 </p:sld>
 </file>
 
@@ -9732,18 +9386,13 @@
           <a:p>
             <a:pPr algn="ctr"/>
             <a:r>
-              <a:rPr lang="ru-RU" sz="2800" b="1" dirty="0" smtClean="0">
+              <a:rPr lang="ru-RU" sz="2800" b="1" dirty="0">
                 <a:latin typeface="Tahoma" panose="020B0604030504040204" pitchFamily="34" charset="0"/>
                 <a:ea typeface="Tahoma" panose="020B0604030504040204" pitchFamily="34" charset="0"/>
                 <a:cs typeface="Tahoma" panose="020B0604030504040204" pitchFamily="34" charset="0"/>
               </a:rPr>
               <a:t>Форматирование таблиц</a:t>
             </a:r>
-            <a:endParaRPr lang="ru-RU" sz="2800" b="1" dirty="0">
-              <a:latin typeface="Tahoma" panose="020B0604030504040204" pitchFamily="34" charset="0"/>
-              <a:ea typeface="Tahoma" panose="020B0604030504040204" pitchFamily="34" charset="0"/>
-              <a:cs typeface="Tahoma" panose="020B0604030504040204" pitchFamily="34" charset="0"/>
-            </a:endParaRPr>
           </a:p>
         </p:txBody>
       </p:sp>
@@ -9783,7 +9432,7 @@
           <a:p>
             <a:pPr algn="just"/>
             <a:r>
-              <a:rPr lang="ru-RU" dirty="0" smtClean="0">
+              <a:rPr lang="ru-RU" dirty="0">
                 <a:latin typeface="Tahoma" panose="020B0604030504040204" pitchFamily="34" charset="0"/>
                 <a:ea typeface="Tahoma" panose="020B0604030504040204" pitchFamily="34" charset="0"/>
                 <a:cs typeface="Tahoma" panose="020B0604030504040204" pitchFamily="34" charset="0"/>
@@ -9791,7 +9440,7 @@
               <a:t>Дан текстовый файл формата </a:t>
             </a:r>
             <a:r>
-              <a:rPr lang="en-US" i="1" dirty="0" smtClean="0">
+              <a:rPr lang="en-US" i="1" dirty="0">
                 <a:latin typeface="Tahoma" panose="020B0604030504040204" pitchFamily="34" charset="0"/>
                 <a:ea typeface="Tahoma" panose="020B0604030504040204" pitchFamily="34" charset="0"/>
                 <a:cs typeface="Tahoma" panose="020B0604030504040204" pitchFamily="34" charset="0"/>
@@ -9799,7 +9448,7 @@
               <a:t>csv</a:t>
             </a:r>
             <a:r>
-              <a:rPr lang="ru-RU" dirty="0" smtClean="0">
+              <a:rPr lang="ru-RU" dirty="0">
                 <a:latin typeface="Tahoma" panose="020B0604030504040204" pitchFamily="34" charset="0"/>
                 <a:ea typeface="Tahoma" panose="020B0604030504040204" pitchFamily="34" charset="0"/>
                 <a:cs typeface="Tahoma" panose="020B0604030504040204" pitchFamily="34" charset="0"/>
@@ -9857,13 +9506,6 @@
   <p:clrMapOvr>
     <a:masterClrMapping/>
   </p:clrMapOvr>
-  <p:timing>
-    <p:tnLst>
-      <p:par>
-        <p:cTn id="1" dur="indefinite" restart="never" nodeType="tmRoot"/>
-      </p:par>
-    </p:tnLst>
-  </p:timing>
 </p:sld>
 </file>
 
@@ -9908,7 +9550,7 @@
           <a:p>
             <a:pPr algn="ctr"/>
             <a:r>
-              <a:rPr lang="ru-RU" sz="2800" b="1" dirty="0" smtClean="0">
+              <a:rPr lang="ru-RU" sz="2800" b="1" dirty="0">
                 <a:latin typeface="Tahoma" panose="020B0604030504040204" pitchFamily="34" charset="0"/>
                 <a:ea typeface="Tahoma" panose="020B0604030504040204" pitchFamily="34" charset="0"/>
                 <a:cs typeface="Tahoma" panose="020B0604030504040204" pitchFamily="34" charset="0"/>
@@ -9916,7 +9558,7 @@
               <a:t>Работа с </a:t>
             </a:r>
             <a:r>
-              <a:rPr lang="en-US" sz="2800" b="1" i="1" dirty="0" smtClean="0">
+              <a:rPr lang="en-US" sz="2800" b="1" i="1" dirty="0">
                 <a:latin typeface="Tahoma" panose="020B0604030504040204" pitchFamily="34" charset="0"/>
                 <a:ea typeface="Tahoma" panose="020B0604030504040204" pitchFamily="34" charset="0"/>
                 <a:cs typeface="Tahoma" panose="020B0604030504040204" pitchFamily="34" charset="0"/>
@@ -9924,18 +9566,13 @@
               <a:t>Word</a:t>
             </a:r>
             <a:r>
-              <a:rPr lang="ru-RU" sz="2800" b="1" dirty="0" smtClean="0">
+              <a:rPr lang="ru-RU" sz="2800" b="1" dirty="0">
                 <a:latin typeface="Tahoma" panose="020B0604030504040204" pitchFamily="34" charset="0"/>
                 <a:ea typeface="Tahoma" panose="020B0604030504040204" pitchFamily="34" charset="0"/>
                 <a:cs typeface="Tahoma" panose="020B0604030504040204" pitchFamily="34" charset="0"/>
               </a:rPr>
               <a:t> программным способом</a:t>
             </a:r>
-            <a:endParaRPr lang="ru-RU" sz="2800" b="1" dirty="0">
-              <a:latin typeface="Tahoma" panose="020B0604030504040204" pitchFamily="34" charset="0"/>
-              <a:ea typeface="Tahoma" panose="020B0604030504040204" pitchFamily="34" charset="0"/>
-              <a:cs typeface="Tahoma" panose="020B0604030504040204" pitchFamily="34" charset="0"/>
-            </a:endParaRPr>
           </a:p>
         </p:txBody>
       </p:sp>
@@ -9975,7 +9612,7 @@
           <a:p>
             <a:pPr algn="just"/>
             <a:r>
-              <a:rPr lang="ru-RU" dirty="0" smtClean="0">
+              <a:rPr lang="ru-RU" dirty="0">
                 <a:latin typeface="Tahoma" panose="020B0604030504040204" pitchFamily="34" charset="0"/>
                 <a:ea typeface="Tahoma" panose="020B0604030504040204" pitchFamily="34" charset="0"/>
                 <a:cs typeface="Tahoma" panose="020B0604030504040204" pitchFamily="34" charset="0"/>
@@ -9983,7 +9620,7 @@
               <a:t>Пониманию процесса создания документа </a:t>
             </a:r>
             <a:r>
-              <a:rPr lang="en-US" i="1" dirty="0" smtClean="0">
+              <a:rPr lang="en-US" i="1" dirty="0">
                 <a:latin typeface="Tahoma" panose="020B0604030504040204" pitchFamily="34" charset="0"/>
                 <a:ea typeface="Tahoma" panose="020B0604030504040204" pitchFamily="34" charset="0"/>
                 <a:cs typeface="Tahoma" panose="020B0604030504040204" pitchFamily="34" charset="0"/>
@@ -9991,7 +9628,7 @@
               <a:t>Microsoft Office</a:t>
             </a:r>
             <a:r>
-              <a:rPr lang="en-US" dirty="0" smtClean="0">
+              <a:rPr lang="en-US" dirty="0">
                 <a:latin typeface="Tahoma" panose="020B0604030504040204" pitchFamily="34" charset="0"/>
                 <a:ea typeface="Tahoma" panose="020B0604030504040204" pitchFamily="34" charset="0"/>
                 <a:cs typeface="Tahoma" panose="020B0604030504040204" pitchFamily="34" charset="0"/>
@@ -9999,7 +9636,7 @@
               <a:t> </a:t>
             </a:r>
             <a:r>
-              <a:rPr lang="en-US" i="1" dirty="0" smtClean="0">
+              <a:rPr lang="en-US" i="1" dirty="0">
                 <a:latin typeface="Tahoma" panose="020B0604030504040204" pitchFamily="34" charset="0"/>
                 <a:ea typeface="Tahoma" panose="020B0604030504040204" pitchFamily="34" charset="0"/>
                 <a:cs typeface="Tahoma" panose="020B0604030504040204" pitchFamily="34" charset="0"/>
@@ -10007,7 +9644,7 @@
               <a:t>Word</a:t>
             </a:r>
             <a:r>
-              <a:rPr lang="en-US" dirty="0" smtClean="0">
+              <a:rPr lang="en-US" dirty="0">
                 <a:latin typeface="Tahoma" panose="020B0604030504040204" pitchFamily="34" charset="0"/>
                 <a:ea typeface="Tahoma" panose="020B0604030504040204" pitchFamily="34" charset="0"/>
                 <a:cs typeface="Tahoma" panose="020B0604030504040204" pitchFamily="34" charset="0"/>
@@ -10015,7 +9652,7 @@
               <a:t> </a:t>
             </a:r>
             <a:r>
-              <a:rPr lang="ru-RU" dirty="0" smtClean="0">
+              <a:rPr lang="ru-RU" dirty="0">
                 <a:latin typeface="Tahoma" panose="020B0604030504040204" pitchFamily="34" charset="0"/>
                 <a:ea typeface="Tahoma" panose="020B0604030504040204" pitchFamily="34" charset="0"/>
                 <a:cs typeface="Tahoma" panose="020B0604030504040204" pitchFamily="34" charset="0"/>
@@ -10157,13 +9794,6 @@
   <p:clrMapOvr>
     <a:masterClrMapping/>
   </p:clrMapOvr>
-  <p:timing>
-    <p:tnLst>
-      <p:par>
-        <p:cTn id="1" dur="indefinite" restart="never" nodeType="tmRoot"/>
-      </p:par>
-    </p:tnLst>
-  </p:timing>
 </p:sld>
 </file>
 
@@ -10208,7 +9838,7 @@
           <a:p>
             <a:pPr algn="ctr"/>
             <a:r>
-              <a:rPr lang="ru-RU" sz="2800" b="1" dirty="0" smtClean="0">
+              <a:rPr lang="ru-RU" sz="2800" b="1" dirty="0">
                 <a:latin typeface="Tahoma" panose="020B0604030504040204" pitchFamily="34" charset="0"/>
                 <a:ea typeface="Tahoma" panose="020B0604030504040204" pitchFamily="34" charset="0"/>
                 <a:cs typeface="Tahoma" panose="020B0604030504040204" pitchFamily="34" charset="0"/>
@@ -10216,7 +9846,7 @@
               <a:t>Работа с </a:t>
             </a:r>
             <a:r>
-              <a:rPr lang="en-US" sz="2800" b="1" i="1" dirty="0" smtClean="0">
+              <a:rPr lang="en-US" sz="2800" b="1" i="1" dirty="0">
                 <a:latin typeface="Tahoma" panose="020B0604030504040204" pitchFamily="34" charset="0"/>
                 <a:ea typeface="Tahoma" panose="020B0604030504040204" pitchFamily="34" charset="0"/>
                 <a:cs typeface="Tahoma" panose="020B0604030504040204" pitchFamily="34" charset="0"/>
@@ -10224,18 +9854,13 @@
               <a:t>Word</a:t>
             </a:r>
             <a:r>
-              <a:rPr lang="ru-RU" sz="2800" b="1" dirty="0" smtClean="0">
+              <a:rPr lang="ru-RU" sz="2800" b="1" dirty="0">
                 <a:latin typeface="Tahoma" panose="020B0604030504040204" pitchFamily="34" charset="0"/>
                 <a:ea typeface="Tahoma" panose="020B0604030504040204" pitchFamily="34" charset="0"/>
                 <a:cs typeface="Tahoma" panose="020B0604030504040204" pitchFamily="34" charset="0"/>
               </a:rPr>
               <a:t> программным способом</a:t>
             </a:r>
-            <a:endParaRPr lang="ru-RU" sz="2800" b="1" dirty="0">
-              <a:latin typeface="Tahoma" panose="020B0604030504040204" pitchFamily="34" charset="0"/>
-              <a:ea typeface="Tahoma" panose="020B0604030504040204" pitchFamily="34" charset="0"/>
-              <a:cs typeface="Tahoma" panose="020B0604030504040204" pitchFamily="34" charset="0"/>
-            </a:endParaRPr>
           </a:p>
         </p:txBody>
       </p:sp>
@@ -10275,28 +9900,12 @@
           <a:p>
             <a:pPr algn="just"/>
             <a:r>
-              <a:rPr lang="ru-RU" dirty="0" smtClean="0">
-                <a:latin typeface="Tahoma" panose="020B0604030504040204" pitchFamily="34" charset="0"/>
-                <a:ea typeface="Tahoma" panose="020B0604030504040204" pitchFamily="34" charset="0"/>
-                <a:cs typeface="Tahoma" panose="020B0604030504040204" pitchFamily="34" charset="0"/>
-              </a:rPr>
-              <a:t>Создани</a:t>
-            </a:r>
-            <a:r>
               <a:rPr lang="ru-RU" dirty="0">
                 <a:latin typeface="Tahoma" panose="020B0604030504040204" pitchFamily="34" charset="0"/>
                 <a:ea typeface="Tahoma" panose="020B0604030504040204" pitchFamily="34" charset="0"/>
                 <a:cs typeface="Tahoma" panose="020B0604030504040204" pitchFamily="34" charset="0"/>
               </a:rPr>
-              <a:t>е</a:t>
-            </a:r>
-            <a:r>
-              <a:rPr lang="ru-RU" dirty="0" smtClean="0">
-                <a:latin typeface="Tahoma" panose="020B0604030504040204" pitchFamily="34" charset="0"/>
-                <a:ea typeface="Tahoma" panose="020B0604030504040204" pitchFamily="34" charset="0"/>
-                <a:cs typeface="Tahoma" panose="020B0604030504040204" pitchFamily="34" charset="0"/>
-              </a:rPr>
-              <a:t> нового параграфа / абзаца текста как объекта реализуется посредством:</a:t>
+              <a:t>Создание нового параграфа / абзаца текста как объекта реализуется посредством:</a:t>
             </a:r>
           </a:p>
           <a:p>
@@ -10309,7 +9918,7 @@
           </a:p>
           <a:p>
             <a:pPr algn="just"/>
-            <a:endParaRPr lang="ru-RU" dirty="0" smtClean="0">
+            <a:endParaRPr lang="ru-RU" dirty="0">
               <a:latin typeface="Tahoma" panose="020B0604030504040204" pitchFamily="34" charset="0"/>
               <a:ea typeface="Tahoma" panose="020B0604030504040204" pitchFamily="34" charset="0"/>
               <a:cs typeface="Tahoma" panose="020B0604030504040204" pitchFamily="34" charset="0"/>
@@ -10326,7 +9935,7 @@
           <a:p>
             <a:pPr algn="just"/>
             <a:r>
-              <a:rPr lang="ru-RU" dirty="0" smtClean="0">
+              <a:rPr lang="ru-RU" dirty="0">
                 <a:latin typeface="Tahoma" panose="020B0604030504040204" pitchFamily="34" charset="0"/>
                 <a:ea typeface="Tahoma" panose="020B0604030504040204" pitchFamily="34" charset="0"/>
                 <a:cs typeface="Tahoma" panose="020B0604030504040204" pitchFamily="34" charset="0"/>
@@ -10334,7 +9943,7 @@
               <a:t>то есть сначала указывается объект-диапазон (</a:t>
             </a:r>
             <a:r>
-              <a:rPr lang="en-US" i="1" dirty="0" err="1" smtClean="0">
+              <a:rPr lang="en-US" i="1" dirty="0" err="1">
                 <a:latin typeface="Tahoma" panose="020B0604030504040204" pitchFamily="34" charset="0"/>
                 <a:ea typeface="Tahoma" panose="020B0604030504040204" pitchFamily="34" charset="0"/>
                 <a:cs typeface="Tahoma" panose="020B0604030504040204" pitchFamily="34" charset="0"/>
@@ -10342,7 +9951,7 @@
               <a:t>ObjRange</a:t>
             </a:r>
             <a:r>
-              <a:rPr lang="ru-RU" dirty="0" smtClean="0">
+              <a:rPr lang="ru-RU" dirty="0">
                 <a:latin typeface="Tahoma" panose="020B0604030504040204" pitchFamily="34" charset="0"/>
                 <a:ea typeface="Tahoma" panose="020B0604030504040204" pitchFamily="34" charset="0"/>
                 <a:cs typeface="Tahoma" panose="020B0604030504040204" pitchFamily="34" charset="0"/>
@@ -10350,7 +9959,7 @@
               <a:t>), который находится по скрытой закладке (</a:t>
             </a:r>
             <a:r>
-              <a:rPr lang="en-US" i="1" dirty="0" smtClean="0">
+              <a:rPr lang="en-US" i="1" dirty="0">
                 <a:latin typeface="Tahoma" panose="020B0604030504040204" pitchFamily="34" charset="0"/>
                 <a:ea typeface="Tahoma" panose="020B0604030504040204" pitchFamily="34" charset="0"/>
                 <a:cs typeface="Tahoma" panose="020B0604030504040204" pitchFamily="34" charset="0"/>
@@ -10358,7 +9967,7 @@
               <a:t>Bookmark</a:t>
             </a:r>
             <a:r>
-              <a:rPr lang="en-US" dirty="0" smtClean="0">
+              <a:rPr lang="en-US" dirty="0">
                 <a:latin typeface="Tahoma" panose="020B0604030504040204" pitchFamily="34" charset="0"/>
                 <a:ea typeface="Tahoma" panose="020B0604030504040204" pitchFamily="34" charset="0"/>
                 <a:cs typeface="Tahoma" panose="020B0604030504040204" pitchFamily="34" charset="0"/>
@@ -10366,7 +9975,7 @@
               <a:t>)</a:t>
             </a:r>
             <a:r>
-              <a:rPr lang="ru-RU" dirty="0" smtClean="0">
+              <a:rPr lang="ru-RU" dirty="0">
                 <a:latin typeface="Tahoma" panose="020B0604030504040204" pitchFamily="34" charset="0"/>
                 <a:ea typeface="Tahoma" panose="020B0604030504040204" pitchFamily="34" charset="0"/>
                 <a:cs typeface="Tahoma" panose="020B0604030504040204" pitchFamily="34" charset="0"/>
@@ -10374,7 +9983,7 @@
               <a:t>, заданной по умолчанию в самом конце документа </a:t>
             </a:r>
             <a:r>
-              <a:rPr lang="en-US" i="1" dirty="0" smtClean="0">
+              <a:rPr lang="en-US" i="1" dirty="0">
                 <a:latin typeface="Tahoma" panose="020B0604030504040204" pitchFamily="34" charset="0"/>
                 <a:ea typeface="Tahoma" panose="020B0604030504040204" pitchFamily="34" charset="0"/>
                 <a:cs typeface="Tahoma" panose="020B0604030504040204" pitchFamily="34" charset="0"/>
@@ -10382,7 +9991,7 @@
               <a:t>Microsoft Office Word</a:t>
             </a:r>
             <a:r>
-              <a:rPr lang="en-US" dirty="0" smtClean="0">
+              <a:rPr lang="en-US" dirty="0">
                 <a:latin typeface="Tahoma" panose="020B0604030504040204" pitchFamily="34" charset="0"/>
                 <a:ea typeface="Tahoma" panose="020B0604030504040204" pitchFamily="34" charset="0"/>
                 <a:cs typeface="Tahoma" panose="020B0604030504040204" pitchFamily="34" charset="0"/>
@@ -10390,7 +9999,7 @@
               <a:t>. </a:t>
             </a:r>
             <a:r>
-              <a:rPr lang="ru-RU" dirty="0" smtClean="0">
+              <a:rPr lang="ru-RU" dirty="0">
                 <a:latin typeface="Tahoma" panose="020B0604030504040204" pitchFamily="34" charset="0"/>
                 <a:ea typeface="Tahoma" panose="020B0604030504040204" pitchFamily="34" charset="0"/>
                 <a:cs typeface="Tahoma" panose="020B0604030504040204" pitchFamily="34" charset="0"/>
@@ -10398,7 +10007,7 @@
               <a:t>Эта закладка называется «</a:t>
             </a:r>
             <a:r>
-              <a:rPr lang="en-US" i="1" dirty="0" smtClean="0">
+              <a:rPr lang="en-US" i="1" dirty="0">
                 <a:latin typeface="Tahoma" panose="020B0604030504040204" pitchFamily="34" charset="0"/>
                 <a:ea typeface="Tahoma" panose="020B0604030504040204" pitchFamily="34" charset="0"/>
                 <a:cs typeface="Tahoma" panose="020B0604030504040204" pitchFamily="34" charset="0"/>
@@ -10406,7 +10015,7 @@
               <a:t>\\endofdoc</a:t>
             </a:r>
             <a:r>
-              <a:rPr lang="ru-RU" dirty="0" smtClean="0">
+              <a:rPr lang="ru-RU" dirty="0">
                 <a:latin typeface="Tahoma" panose="020B0604030504040204" pitchFamily="34" charset="0"/>
                 <a:ea typeface="Tahoma" panose="020B0604030504040204" pitchFamily="34" charset="0"/>
                 <a:cs typeface="Tahoma" panose="020B0604030504040204" pitchFamily="34" charset="0"/>
@@ -10414,7 +10023,7 @@
               <a:t>»</a:t>
             </a:r>
             <a:r>
-              <a:rPr lang="en-US" dirty="0" smtClean="0">
+              <a:rPr lang="en-US" dirty="0">
                 <a:latin typeface="Tahoma" panose="020B0604030504040204" pitchFamily="34" charset="0"/>
                 <a:ea typeface="Tahoma" panose="020B0604030504040204" pitchFamily="34" charset="0"/>
                 <a:cs typeface="Tahoma" panose="020B0604030504040204" pitchFamily="34" charset="0"/>
@@ -10422,7 +10031,7 @@
               <a:t> (</a:t>
             </a:r>
             <a:r>
-              <a:rPr lang="ru-RU" dirty="0" smtClean="0">
+              <a:rPr lang="ru-RU" dirty="0">
                 <a:latin typeface="Tahoma" panose="020B0604030504040204" pitchFamily="34" charset="0"/>
                 <a:ea typeface="Tahoma" panose="020B0604030504040204" pitchFamily="34" charset="0"/>
                 <a:cs typeface="Tahoma" panose="020B0604030504040204" pitchFamily="34" charset="0"/>
@@ -10430,7 +10039,7 @@
               <a:t>конец документа</a:t>
             </a:r>
             <a:r>
-              <a:rPr lang="en-US" dirty="0" smtClean="0">
+              <a:rPr lang="en-US" dirty="0">
                 <a:latin typeface="Tahoma" panose="020B0604030504040204" pitchFamily="34" charset="0"/>
                 <a:ea typeface="Tahoma" panose="020B0604030504040204" pitchFamily="34" charset="0"/>
                 <a:cs typeface="Tahoma" panose="020B0604030504040204" pitchFamily="34" charset="0"/>
@@ -10438,7 +10047,7 @@
               <a:t>)</a:t>
             </a:r>
             <a:r>
-              <a:rPr lang="ru-RU" dirty="0" smtClean="0">
+              <a:rPr lang="ru-RU" dirty="0">
                 <a:latin typeface="Tahoma" panose="020B0604030504040204" pitchFamily="34" charset="0"/>
                 <a:ea typeface="Tahoma" panose="020B0604030504040204" pitchFamily="34" charset="0"/>
                 <a:cs typeface="Tahoma" panose="020B0604030504040204" pitchFamily="34" charset="0"/>
@@ -10446,7 +10055,7 @@
               <a:t> и для удобства использования её рационально записать в строковую переменную с аналогичным именем </a:t>
             </a:r>
             <a:r>
-              <a:rPr lang="en-US" i="1" dirty="0" err="1" smtClean="0">
+              <a:rPr lang="en-US" i="1" dirty="0" err="1">
                 <a:latin typeface="Tahoma" panose="020B0604030504040204" pitchFamily="34" charset="0"/>
                 <a:ea typeface="Tahoma" panose="020B0604030504040204" pitchFamily="34" charset="0"/>
                 <a:cs typeface="Tahoma" panose="020B0604030504040204" pitchFamily="34" charset="0"/>
@@ -10454,14 +10063,14 @@
               <a:t>EndOfDoc</a:t>
             </a:r>
             <a:r>
-              <a:rPr lang="ru-RU" dirty="0" smtClean="0">
+              <a:rPr lang="ru-RU" dirty="0">
                 <a:latin typeface="Tahoma" panose="020B0604030504040204" pitchFamily="34" charset="0"/>
                 <a:ea typeface="Tahoma" panose="020B0604030504040204" pitchFamily="34" charset="0"/>
                 <a:cs typeface="Tahoma" panose="020B0604030504040204" pitchFamily="34" charset="0"/>
               </a:rPr>
               <a:t>.</a:t>
             </a:r>
-            <a:endParaRPr lang="en-US" dirty="0" smtClean="0">
+            <a:endParaRPr lang="en-US" dirty="0">
               <a:latin typeface="Tahoma" panose="020B0604030504040204" pitchFamily="34" charset="0"/>
               <a:ea typeface="Tahoma" panose="020B0604030504040204" pitchFamily="34" charset="0"/>
               <a:cs typeface="Tahoma" panose="020B0604030504040204" pitchFamily="34" charset="0"/>
@@ -10478,7 +10087,7 @@
           <a:p>
             <a:pPr algn="just"/>
             <a:r>
-              <a:rPr lang="ru-RU" dirty="0" smtClean="0">
+              <a:rPr lang="ru-RU" dirty="0">
                 <a:latin typeface="Tahoma" panose="020B0604030504040204" pitchFamily="34" charset="0"/>
                 <a:ea typeface="Tahoma" panose="020B0604030504040204" pitchFamily="34" charset="0"/>
                 <a:cs typeface="Tahoma" panose="020B0604030504040204" pitchFamily="34" charset="0"/>
@@ -10486,7 +10095,7 @@
               <a:t>Новый параграф/абзац добавляется методом </a:t>
             </a:r>
             <a:r>
-              <a:rPr lang="en-US" i="1" dirty="0" smtClean="0">
+              <a:rPr lang="en-US" i="1" dirty="0">
                 <a:latin typeface="Tahoma" panose="020B0604030504040204" pitchFamily="34" charset="0"/>
                 <a:ea typeface="Tahoma" panose="020B0604030504040204" pitchFamily="34" charset="0"/>
                 <a:cs typeface="Tahoma" panose="020B0604030504040204" pitchFamily="34" charset="0"/>
@@ -10494,7 +10103,7 @@
               <a:t>Add()</a:t>
             </a:r>
             <a:r>
-              <a:rPr lang="ru-RU" dirty="0" smtClean="0">
+              <a:rPr lang="ru-RU" dirty="0">
                 <a:latin typeface="Tahoma" panose="020B0604030504040204" pitchFamily="34" charset="0"/>
                 <a:ea typeface="Tahoma" panose="020B0604030504040204" pitchFamily="34" charset="0"/>
                 <a:cs typeface="Tahoma" panose="020B0604030504040204" pitchFamily="34" charset="0"/>
@@ -10502,7 +10111,7 @@
               <a:t> в документ </a:t>
             </a:r>
             <a:r>
-              <a:rPr lang="en-US" i="1" dirty="0" smtClean="0">
+              <a:rPr lang="en-US" i="1" dirty="0">
                 <a:latin typeface="Tahoma" panose="020B0604030504040204" pitchFamily="34" charset="0"/>
                 <a:ea typeface="Tahoma" panose="020B0604030504040204" pitchFamily="34" charset="0"/>
                 <a:cs typeface="Tahoma" panose="020B0604030504040204" pitchFamily="34" charset="0"/>
@@ -10510,7 +10119,7 @@
               <a:t>Microsoft Office Word</a:t>
             </a:r>
             <a:r>
-              <a:rPr lang="ru-RU" i="1" dirty="0" smtClean="0">
+              <a:rPr lang="ru-RU" i="1" dirty="0">
                 <a:latin typeface="Tahoma" panose="020B0604030504040204" pitchFamily="34" charset="0"/>
                 <a:ea typeface="Tahoma" panose="020B0604030504040204" pitchFamily="34" charset="0"/>
                 <a:cs typeface="Tahoma" panose="020B0604030504040204" pitchFamily="34" charset="0"/>
@@ -10518,7 +10127,7 @@
               <a:t> </a:t>
             </a:r>
             <a:r>
-              <a:rPr lang="ru-RU" dirty="0" smtClean="0">
+              <a:rPr lang="ru-RU" dirty="0">
                 <a:latin typeface="Tahoma" panose="020B0604030504040204" pitchFamily="34" charset="0"/>
                 <a:ea typeface="Tahoma" panose="020B0604030504040204" pitchFamily="34" charset="0"/>
                 <a:cs typeface="Tahoma" panose="020B0604030504040204" pitchFamily="34" charset="0"/>
@@ -10526,7 +10135,7 @@
               <a:t>(</a:t>
             </a:r>
             <a:r>
-              <a:rPr lang="en-US" i="1" dirty="0" err="1" smtClean="0">
+              <a:rPr lang="en-US" i="1" dirty="0" err="1">
                 <a:latin typeface="Tahoma" panose="020B0604030504040204" pitchFamily="34" charset="0"/>
                 <a:ea typeface="Tahoma" panose="020B0604030504040204" pitchFamily="34" charset="0"/>
                 <a:cs typeface="Tahoma" panose="020B0604030504040204" pitchFamily="34" charset="0"/>
@@ -10534,7 +10143,7 @@
               <a:t>ObjDoc</a:t>
             </a:r>
             <a:r>
-              <a:rPr lang="ru-RU" dirty="0" smtClean="0">
+              <a:rPr lang="ru-RU" dirty="0">
                 <a:latin typeface="Tahoma" panose="020B0604030504040204" pitchFamily="34" charset="0"/>
                 <a:ea typeface="Tahoma" panose="020B0604030504040204" pitchFamily="34" charset="0"/>
                 <a:cs typeface="Tahoma" panose="020B0604030504040204" pitchFamily="34" charset="0"/>
@@ -10542,7 +10151,7 @@
               <a:t>), как его содержимое</a:t>
             </a:r>
             <a:r>
-              <a:rPr lang="en-US" dirty="0" smtClean="0">
+              <a:rPr lang="en-US" dirty="0">
                 <a:latin typeface="Tahoma" panose="020B0604030504040204" pitchFamily="34" charset="0"/>
                 <a:ea typeface="Tahoma" panose="020B0604030504040204" pitchFamily="34" charset="0"/>
                 <a:cs typeface="Tahoma" panose="020B0604030504040204" pitchFamily="34" charset="0"/>
@@ -10550,7 +10159,7 @@
               <a:t> (</a:t>
             </a:r>
             <a:r>
-              <a:rPr lang="en-US" i="1" dirty="0" smtClean="0">
+              <a:rPr lang="en-US" i="1" dirty="0">
                 <a:latin typeface="Tahoma" panose="020B0604030504040204" pitchFamily="34" charset="0"/>
                 <a:ea typeface="Tahoma" panose="020B0604030504040204" pitchFamily="34" charset="0"/>
                 <a:cs typeface="Tahoma" panose="020B0604030504040204" pitchFamily="34" charset="0"/>
@@ -10558,7 +10167,7 @@
               <a:t>Content</a:t>
             </a:r>
             <a:r>
-              <a:rPr lang="en-US" dirty="0" smtClean="0">
+              <a:rPr lang="en-US" dirty="0">
                 <a:latin typeface="Tahoma" panose="020B0604030504040204" pitchFamily="34" charset="0"/>
                 <a:ea typeface="Tahoma" panose="020B0604030504040204" pitchFamily="34" charset="0"/>
                 <a:cs typeface="Tahoma" panose="020B0604030504040204" pitchFamily="34" charset="0"/>
@@ -10566,7 +10175,7 @@
               <a:t>)</a:t>
             </a:r>
             <a:r>
-              <a:rPr lang="ru-RU" dirty="0" smtClean="0">
+              <a:rPr lang="ru-RU" dirty="0">
                 <a:latin typeface="Tahoma" panose="020B0604030504040204" pitchFamily="34" charset="0"/>
                 <a:ea typeface="Tahoma" panose="020B0604030504040204" pitchFamily="34" charset="0"/>
                 <a:cs typeface="Tahoma" panose="020B0604030504040204" pitchFamily="34" charset="0"/>
@@ -10574,7 +10183,7 @@
               <a:t>, как один из абзацев (</a:t>
             </a:r>
             <a:r>
-              <a:rPr lang="en-US" i="1" dirty="0" smtClean="0">
+              <a:rPr lang="en-US" i="1" dirty="0">
                 <a:latin typeface="Tahoma" panose="020B0604030504040204" pitchFamily="34" charset="0"/>
                 <a:ea typeface="Tahoma" panose="020B0604030504040204" pitchFamily="34" charset="0"/>
                 <a:cs typeface="Tahoma" panose="020B0604030504040204" pitchFamily="34" charset="0"/>
@@ -10582,7 +10191,7 @@
               <a:t>Paragraphs</a:t>
             </a:r>
             <a:r>
-              <a:rPr lang="ru-RU" dirty="0" smtClean="0">
+              <a:rPr lang="ru-RU" dirty="0">
                 <a:latin typeface="Tahoma" panose="020B0604030504040204" pitchFamily="34" charset="0"/>
                 <a:ea typeface="Tahoma" panose="020B0604030504040204" pitchFamily="34" charset="0"/>
                 <a:cs typeface="Tahoma" panose="020B0604030504040204" pitchFamily="34" charset="0"/>
@@ -10590,7 +10199,7 @@
               <a:t>)</a:t>
             </a:r>
             <a:r>
-              <a:rPr lang="en-US" dirty="0" smtClean="0">
+              <a:rPr lang="en-US" dirty="0">
                 <a:latin typeface="Tahoma" panose="020B0604030504040204" pitchFamily="34" charset="0"/>
                 <a:ea typeface="Tahoma" panose="020B0604030504040204" pitchFamily="34" charset="0"/>
                 <a:cs typeface="Tahoma" panose="020B0604030504040204" pitchFamily="34" charset="0"/>
@@ -10598,7 +10207,7 @@
               <a:t> </a:t>
             </a:r>
             <a:r>
-              <a:rPr lang="ru-RU" dirty="0" smtClean="0">
+              <a:rPr lang="ru-RU" dirty="0">
                 <a:latin typeface="Tahoma" panose="020B0604030504040204" pitchFamily="34" charset="0"/>
                 <a:ea typeface="Tahoma" panose="020B0604030504040204" pitchFamily="34" charset="0"/>
                 <a:cs typeface="Tahoma" panose="020B0604030504040204" pitchFamily="34" charset="0"/>
@@ -10606,7 +10215,7 @@
               <a:t>в выделенном диапазоне (</a:t>
             </a:r>
             <a:r>
-              <a:rPr lang="en-US" i="1" dirty="0" err="1" smtClean="0">
+              <a:rPr lang="en-US" i="1" dirty="0" err="1">
                 <a:latin typeface="Tahoma" panose="020B0604030504040204" pitchFamily="34" charset="0"/>
                 <a:ea typeface="Tahoma" panose="020B0604030504040204" pitchFamily="34" charset="0"/>
                 <a:cs typeface="Tahoma" panose="020B0604030504040204" pitchFamily="34" charset="0"/>
@@ -10614,7 +10223,7 @@
               <a:t>ObjRange</a:t>
             </a:r>
             <a:r>
-              <a:rPr lang="ru-RU" dirty="0" smtClean="0">
+              <a:rPr lang="ru-RU" dirty="0">
                 <a:latin typeface="Tahoma" panose="020B0604030504040204" pitchFamily="34" charset="0"/>
                 <a:ea typeface="Tahoma" panose="020B0604030504040204" pitchFamily="34" charset="0"/>
                 <a:cs typeface="Tahoma" panose="020B0604030504040204" pitchFamily="34" charset="0"/>
@@ -10665,13 +10274,6 @@
   <p:clrMapOvr>
     <a:masterClrMapping/>
   </p:clrMapOvr>
-  <p:timing>
-    <p:tnLst>
-      <p:par>
-        <p:cTn id="1" dur="indefinite" restart="never" nodeType="tmRoot"/>
-      </p:par>
-    </p:tnLst>
-  </p:timing>
 </p:sld>
 </file>
 
@@ -10716,7 +10318,7 @@
           <a:p>
             <a:pPr algn="ctr"/>
             <a:r>
-              <a:rPr lang="ru-RU" sz="2800" b="1" dirty="0" smtClean="0">
+              <a:rPr lang="ru-RU" sz="2800" b="1" dirty="0">
                 <a:latin typeface="Tahoma" panose="020B0604030504040204" pitchFamily="34" charset="0"/>
                 <a:ea typeface="Tahoma" panose="020B0604030504040204" pitchFamily="34" charset="0"/>
                 <a:cs typeface="Tahoma" panose="020B0604030504040204" pitchFamily="34" charset="0"/>
@@ -10724,7 +10326,7 @@
               <a:t>Работа с </a:t>
             </a:r>
             <a:r>
-              <a:rPr lang="en-US" sz="2800" b="1" i="1" dirty="0" smtClean="0">
+              <a:rPr lang="en-US" sz="2800" b="1" i="1" dirty="0">
                 <a:latin typeface="Tahoma" panose="020B0604030504040204" pitchFamily="34" charset="0"/>
                 <a:ea typeface="Tahoma" panose="020B0604030504040204" pitchFamily="34" charset="0"/>
                 <a:cs typeface="Tahoma" panose="020B0604030504040204" pitchFamily="34" charset="0"/>
@@ -10732,18 +10334,13 @@
               <a:t>Word</a:t>
             </a:r>
             <a:r>
-              <a:rPr lang="ru-RU" sz="2800" b="1" dirty="0" smtClean="0">
+              <a:rPr lang="ru-RU" sz="2800" b="1" dirty="0">
                 <a:latin typeface="Tahoma" panose="020B0604030504040204" pitchFamily="34" charset="0"/>
                 <a:ea typeface="Tahoma" panose="020B0604030504040204" pitchFamily="34" charset="0"/>
                 <a:cs typeface="Tahoma" panose="020B0604030504040204" pitchFamily="34" charset="0"/>
               </a:rPr>
               <a:t> программным способом</a:t>
             </a:r>
-            <a:endParaRPr lang="ru-RU" sz="2800" b="1" dirty="0">
-              <a:latin typeface="Tahoma" panose="020B0604030504040204" pitchFamily="34" charset="0"/>
-              <a:ea typeface="Tahoma" panose="020B0604030504040204" pitchFamily="34" charset="0"/>
-              <a:cs typeface="Tahoma" panose="020B0604030504040204" pitchFamily="34" charset="0"/>
-            </a:endParaRPr>
           </a:p>
         </p:txBody>
       </p:sp>
@@ -10783,7 +10380,7 @@
           <a:p>
             <a:pPr algn="just"/>
             <a:r>
-              <a:rPr lang="ru-RU" dirty="0" smtClean="0">
+              <a:rPr lang="ru-RU" dirty="0">
                 <a:latin typeface="Tahoma" panose="020B0604030504040204" pitchFamily="34" charset="0"/>
                 <a:ea typeface="Tahoma" panose="020B0604030504040204" pitchFamily="34" charset="0"/>
                 <a:cs typeface="Tahoma" panose="020B0604030504040204" pitchFamily="34" charset="0"/>
@@ -10791,7 +10388,7 @@
               <a:t>Процедура, в рамках которой документ </a:t>
             </a:r>
             <a:r>
-              <a:rPr lang="en-US" i="1" dirty="0" smtClean="0">
+              <a:rPr lang="en-US" i="1" dirty="0">
                 <a:latin typeface="Tahoma" panose="020B0604030504040204" pitchFamily="34" charset="0"/>
                 <a:ea typeface="Tahoma" panose="020B0604030504040204" pitchFamily="34" charset="0"/>
                 <a:cs typeface="Tahoma" panose="020B0604030504040204" pitchFamily="34" charset="0"/>
@@ -10799,7 +10396,7 @@
               <a:t>Word</a:t>
             </a:r>
             <a:r>
-              <a:rPr lang="en-US" dirty="0" smtClean="0">
+              <a:rPr lang="en-US" dirty="0">
                 <a:latin typeface="Tahoma" panose="020B0604030504040204" pitchFamily="34" charset="0"/>
                 <a:ea typeface="Tahoma" panose="020B0604030504040204" pitchFamily="34" charset="0"/>
                 <a:cs typeface="Tahoma" panose="020B0604030504040204" pitchFamily="34" charset="0"/>
@@ -10807,7 +10404,7 @@
               <a:t> </a:t>
             </a:r>
             <a:r>
-              <a:rPr lang="ru-RU" dirty="0" smtClean="0">
+              <a:rPr lang="ru-RU" dirty="0">
                 <a:latin typeface="Tahoma" panose="020B0604030504040204" pitchFamily="34" charset="0"/>
                 <a:ea typeface="Tahoma" panose="020B0604030504040204" pitchFamily="34" charset="0"/>
                 <a:cs typeface="Tahoma" panose="020B0604030504040204" pitchFamily="34" charset="0"/>
@@ -10827,7 +10424,7 @@
           </a:p>
           <a:p>
             <a:r>
-              <a:rPr lang="ru-RU" dirty="0" smtClean="0">
+              <a:rPr lang="ru-RU" dirty="0">
                 <a:latin typeface="Tahoma" panose="020B0604030504040204" pitchFamily="34" charset="0"/>
                 <a:ea typeface="Tahoma" panose="020B0604030504040204" pitchFamily="34" charset="0"/>
                 <a:cs typeface="Tahoma" panose="020B0604030504040204" pitchFamily="34" charset="0"/>
@@ -10835,7 +10432,7 @@
               <a:t>	а) создаётся объект, хранящий закладку, которой отмечено окончание 	документа</a:t>
             </a:r>
             <a:r>
-              <a:rPr lang="en-US" dirty="0" smtClean="0">
+              <a:rPr lang="en-US" dirty="0">
                 <a:latin typeface="Tahoma" panose="020B0604030504040204" pitchFamily="34" charset="0"/>
                 <a:ea typeface="Tahoma" panose="020B0604030504040204" pitchFamily="34" charset="0"/>
                 <a:cs typeface="Tahoma" panose="020B0604030504040204" pitchFamily="34" charset="0"/>
@@ -10843,7 +10440,7 @@
               <a:t> </a:t>
             </a:r>
             <a:r>
-              <a:rPr lang="en-US" i="1" dirty="0" smtClean="0">
+              <a:rPr lang="en-US" i="1" dirty="0">
                 <a:latin typeface="Tahoma" panose="020B0604030504040204" pitchFamily="34" charset="0"/>
                 <a:ea typeface="Tahoma" panose="020B0604030504040204" pitchFamily="34" charset="0"/>
                 <a:cs typeface="Tahoma" panose="020B0604030504040204" pitchFamily="34" charset="0"/>
@@ -10858,10 +10455,120 @@
                 <a:ea typeface="Tahoma" panose="020B0604030504040204" pitchFamily="34" charset="0"/>
                 <a:cs typeface="Tahoma" panose="020B0604030504040204" pitchFamily="34" charset="0"/>
               </a:rPr>
+              <a:t>		</a:t>
+            </a:r>
+            <a:r>
+              <a:rPr lang="en-US" b="1" i="1" dirty="0">
+                <a:latin typeface="Tahoma" panose="020B0604030504040204" pitchFamily="34" charset="0"/>
+                <a:ea typeface="Tahoma" panose="020B0604030504040204" pitchFamily="34" charset="0"/>
+                <a:cs typeface="Tahoma" panose="020B0604030504040204" pitchFamily="34" charset="0"/>
+              </a:rPr>
+              <a:t>object </a:t>
+            </a:r>
+            <a:r>
+              <a:rPr lang="en-US" b="1" i="1" dirty="0" err="1">
+                <a:latin typeface="Tahoma" panose="020B0604030504040204" pitchFamily="34" charset="0"/>
+                <a:ea typeface="Tahoma" panose="020B0604030504040204" pitchFamily="34" charset="0"/>
+                <a:cs typeface="Tahoma" panose="020B0604030504040204" pitchFamily="34" charset="0"/>
+              </a:rPr>
+              <a:t>EndOfDoc</a:t>
+            </a:r>
+            <a:r>
+              <a:rPr lang="en-US" b="1" i="1" dirty="0">
+                <a:latin typeface="Tahoma" panose="020B0604030504040204" pitchFamily="34" charset="0"/>
+                <a:ea typeface="Tahoma" panose="020B0604030504040204" pitchFamily="34" charset="0"/>
+                <a:cs typeface="Tahoma" panose="020B0604030504040204" pitchFamily="34" charset="0"/>
+              </a:rPr>
+              <a:t> = “\\</a:t>
+            </a:r>
+            <a:r>
+              <a:rPr lang="en-US" b="1" i="1" dirty="0" err="1">
+                <a:latin typeface="Tahoma" panose="020B0604030504040204" pitchFamily="34" charset="0"/>
+                <a:ea typeface="Tahoma" panose="020B0604030504040204" pitchFamily="34" charset="0"/>
+                <a:cs typeface="Tahoma" panose="020B0604030504040204" pitchFamily="34" charset="0"/>
+              </a:rPr>
+              <a:t>endofdoc</a:t>
+            </a:r>
+            <a:r>
+              <a:rPr lang="en-US" b="1" i="1" dirty="0">
+                <a:latin typeface="Tahoma" panose="020B0604030504040204" pitchFamily="34" charset="0"/>
+                <a:ea typeface="Tahoma" panose="020B0604030504040204" pitchFamily="34" charset="0"/>
+                <a:cs typeface="Tahoma" panose="020B0604030504040204" pitchFamily="34" charset="0"/>
+              </a:rPr>
+              <a:t>”;</a:t>
+            </a:r>
+          </a:p>
+          <a:p>
+            <a:r>
+              <a:rPr lang="en-US" dirty="0">
+                <a:latin typeface="Tahoma" panose="020B0604030504040204" pitchFamily="34" charset="0"/>
+                <a:ea typeface="Tahoma" panose="020B0604030504040204" pitchFamily="34" charset="0"/>
+                <a:cs typeface="Tahoma" panose="020B0604030504040204" pitchFamily="34" charset="0"/>
+              </a:rPr>
               <a:t>	</a:t>
             </a:r>
             <a:r>
-              <a:rPr lang="en-US" dirty="0" smtClean="0">
+              <a:rPr lang="ru-RU" dirty="0">
+                <a:latin typeface="Tahoma" panose="020B0604030504040204" pitchFamily="34" charset="0"/>
+                <a:ea typeface="Tahoma" panose="020B0604030504040204" pitchFamily="34" charset="0"/>
+                <a:cs typeface="Tahoma" panose="020B0604030504040204" pitchFamily="34" charset="0"/>
+              </a:rPr>
+              <a:t>б) для экономии ресурсов </a:t>
+            </a:r>
+            <a:r>
+              <a:rPr lang="en-US" i="1" dirty="0">
+                <a:latin typeface="Tahoma" panose="020B0604030504040204" pitchFamily="34" charset="0"/>
+                <a:ea typeface="Tahoma" panose="020B0604030504040204" pitchFamily="34" charset="0"/>
+                <a:cs typeface="Tahoma" panose="020B0604030504040204" pitchFamily="34" charset="0"/>
+              </a:rPr>
+              <a:t>Word</a:t>
+            </a:r>
+            <a:r>
+              <a:rPr lang="en-US" dirty="0">
+                <a:latin typeface="Tahoma" panose="020B0604030504040204" pitchFamily="34" charset="0"/>
+                <a:ea typeface="Tahoma" panose="020B0604030504040204" pitchFamily="34" charset="0"/>
+                <a:cs typeface="Tahoma" panose="020B0604030504040204" pitchFamily="34" charset="0"/>
+              </a:rPr>
+              <a:t>-</a:t>
+            </a:r>
+            <a:r>
+              <a:rPr lang="ru-RU" dirty="0">
+                <a:latin typeface="Tahoma" panose="020B0604030504040204" pitchFamily="34" charset="0"/>
+                <a:ea typeface="Tahoma" panose="020B0604030504040204" pitchFamily="34" charset="0"/>
+                <a:cs typeface="Tahoma" panose="020B0604030504040204" pitchFamily="34" charset="0"/>
+              </a:rPr>
+              <a:t>приложение делается невидимым</a:t>
+            </a:r>
+          </a:p>
+          <a:p>
+            <a:r>
+              <a:rPr lang="ru-RU" dirty="0">
+                <a:latin typeface="Tahoma" panose="020B0604030504040204" pitchFamily="34" charset="0"/>
+                <a:ea typeface="Tahoma" panose="020B0604030504040204" pitchFamily="34" charset="0"/>
+                <a:cs typeface="Tahoma" panose="020B0604030504040204" pitchFamily="34" charset="0"/>
+              </a:rPr>
+              <a:t>		</a:t>
+            </a:r>
+            <a:r>
+              <a:rPr lang="en-US" b="1" dirty="0" err="1">
+                <a:latin typeface="Tahoma" panose="020B0604030504040204" pitchFamily="34" charset="0"/>
+                <a:ea typeface="Tahoma" panose="020B0604030504040204" pitchFamily="34" charset="0"/>
+                <a:cs typeface="Tahoma" panose="020B0604030504040204" pitchFamily="34" charset="0"/>
+              </a:rPr>
+              <a:t>ObjWord.Visible</a:t>
+            </a:r>
+            <a:r>
+              <a:rPr lang="en-US" b="1" dirty="0">
+                <a:latin typeface="Tahoma" panose="020B0604030504040204" pitchFamily="34" charset="0"/>
+                <a:ea typeface="Tahoma" panose="020B0604030504040204" pitchFamily="34" charset="0"/>
+                <a:cs typeface="Tahoma" panose="020B0604030504040204" pitchFamily="34" charset="0"/>
+              </a:rPr>
+              <a:t> = false;</a:t>
+            </a:r>
+          </a:p>
+          <a:p>
+            <a:r>
+              <a:rPr lang="en-US" dirty="0">
                 <a:latin typeface="Tahoma" panose="020B0604030504040204" pitchFamily="34" charset="0"/>
                 <a:ea typeface="Tahoma" panose="020B0604030504040204" pitchFamily="34" charset="0"/>
                 <a:cs typeface="Tahoma" panose="020B0604030504040204" pitchFamily="34" charset="0"/>
@@ -10869,65 +10576,15 @@
               <a:t>	</a:t>
             </a:r>
             <a:r>
-              <a:rPr lang="en-US" b="1" i="1" dirty="0" smtClean="0">
-                <a:latin typeface="Tahoma" panose="020B0604030504040204" pitchFamily="34" charset="0"/>
-                <a:ea typeface="Tahoma" panose="020B0604030504040204" pitchFamily="34" charset="0"/>
-                <a:cs typeface="Tahoma" panose="020B0604030504040204" pitchFamily="34" charset="0"/>
-              </a:rPr>
-              <a:t>object </a:t>
-            </a:r>
-            <a:r>
-              <a:rPr lang="en-US" b="1" i="1" dirty="0" err="1" smtClean="0">
-                <a:latin typeface="Tahoma" panose="020B0604030504040204" pitchFamily="34" charset="0"/>
-                <a:ea typeface="Tahoma" panose="020B0604030504040204" pitchFamily="34" charset="0"/>
-                <a:cs typeface="Tahoma" panose="020B0604030504040204" pitchFamily="34" charset="0"/>
-              </a:rPr>
-              <a:t>EndOfDoc</a:t>
-            </a:r>
-            <a:r>
-              <a:rPr lang="en-US" b="1" i="1" dirty="0" smtClean="0">
-                <a:latin typeface="Tahoma" panose="020B0604030504040204" pitchFamily="34" charset="0"/>
-                <a:ea typeface="Tahoma" panose="020B0604030504040204" pitchFamily="34" charset="0"/>
-                <a:cs typeface="Tahoma" panose="020B0604030504040204" pitchFamily="34" charset="0"/>
-              </a:rPr>
-              <a:t> = “\\</a:t>
-            </a:r>
-            <a:r>
-              <a:rPr lang="en-US" b="1" i="1" dirty="0" err="1" smtClean="0">
-                <a:latin typeface="Tahoma" panose="020B0604030504040204" pitchFamily="34" charset="0"/>
-                <a:ea typeface="Tahoma" panose="020B0604030504040204" pitchFamily="34" charset="0"/>
-                <a:cs typeface="Tahoma" panose="020B0604030504040204" pitchFamily="34" charset="0"/>
-              </a:rPr>
-              <a:t>endofdoc</a:t>
-            </a:r>
-            <a:r>
-              <a:rPr lang="en-US" b="1" i="1" dirty="0" smtClean="0">
-                <a:latin typeface="Tahoma" panose="020B0604030504040204" pitchFamily="34" charset="0"/>
-                <a:ea typeface="Tahoma" panose="020B0604030504040204" pitchFamily="34" charset="0"/>
-                <a:cs typeface="Tahoma" panose="020B0604030504040204" pitchFamily="34" charset="0"/>
-              </a:rPr>
-              <a:t>”;</a:t>
-            </a:r>
-          </a:p>
-          <a:p>
-            <a:r>
-              <a:rPr lang="en-US" dirty="0" smtClean="0">
-                <a:latin typeface="Tahoma" panose="020B0604030504040204" pitchFamily="34" charset="0"/>
-                <a:ea typeface="Tahoma" panose="020B0604030504040204" pitchFamily="34" charset="0"/>
-                <a:cs typeface="Tahoma" panose="020B0604030504040204" pitchFamily="34" charset="0"/>
-              </a:rPr>
-              <a:t>	</a:t>
-            </a:r>
-            <a:r>
-              <a:rPr lang="ru-RU" dirty="0" smtClean="0">
-                <a:latin typeface="Tahoma" panose="020B0604030504040204" pitchFamily="34" charset="0"/>
-                <a:ea typeface="Tahoma" panose="020B0604030504040204" pitchFamily="34" charset="0"/>
-                <a:cs typeface="Tahoma" panose="020B0604030504040204" pitchFamily="34" charset="0"/>
-              </a:rPr>
-              <a:t>б) для экономии ресурсов </a:t>
-            </a:r>
-            <a:r>
-              <a:rPr lang="en-US" i="1" dirty="0" smtClean="0">
+              <a:rPr lang="ru-RU" dirty="0">
+                <a:latin typeface="Tahoma" panose="020B0604030504040204" pitchFamily="34" charset="0"/>
+                <a:ea typeface="Tahoma" panose="020B0604030504040204" pitchFamily="34" charset="0"/>
+                <a:cs typeface="Tahoma" panose="020B0604030504040204" pitchFamily="34" charset="0"/>
+              </a:rPr>
+              <a:t>в) в </a:t>
+            </a:r>
+            <a:r>
+              <a:rPr lang="en-US" i="1" dirty="0">
                 <a:latin typeface="Tahoma" panose="020B0604030504040204" pitchFamily="34" charset="0"/>
                 <a:ea typeface="Tahoma" panose="020B0604030504040204" pitchFamily="34" charset="0"/>
                 <a:cs typeface="Tahoma" panose="020B0604030504040204" pitchFamily="34" charset="0"/>
@@ -10935,7 +10592,7 @@
               <a:t>Word</a:t>
             </a:r>
             <a:r>
-              <a:rPr lang="en-US" dirty="0" smtClean="0">
+              <a:rPr lang="en-US" dirty="0">
                 <a:latin typeface="Tahoma" panose="020B0604030504040204" pitchFamily="34" charset="0"/>
                 <a:ea typeface="Tahoma" panose="020B0604030504040204" pitchFamily="34" charset="0"/>
                 <a:cs typeface="Tahoma" panose="020B0604030504040204" pitchFamily="34" charset="0"/>
@@ -10943,93 +10600,17 @@
               <a:t>-</a:t>
             </a:r>
             <a:r>
-              <a:rPr lang="ru-RU" dirty="0" smtClean="0">
-                <a:latin typeface="Tahoma" panose="020B0604030504040204" pitchFamily="34" charset="0"/>
-                <a:ea typeface="Tahoma" panose="020B0604030504040204" pitchFamily="34" charset="0"/>
-                <a:cs typeface="Tahoma" panose="020B0604030504040204" pitchFamily="34" charset="0"/>
-              </a:rPr>
-              <a:t>приложение делается невидимым</a:t>
-            </a:r>
-          </a:p>
-          <a:p>
-            <a:r>
               <a:rPr lang="ru-RU" dirty="0">
                 <a:latin typeface="Tahoma" panose="020B0604030504040204" pitchFamily="34" charset="0"/>
                 <a:ea typeface="Tahoma" panose="020B0604030504040204" pitchFamily="34" charset="0"/>
                 <a:cs typeface="Tahoma" panose="020B0604030504040204" pitchFamily="34" charset="0"/>
               </a:rPr>
-              <a:t>	</a:t>
-            </a:r>
-            <a:r>
-              <a:rPr lang="ru-RU" dirty="0" smtClean="0">
-                <a:latin typeface="Tahoma" panose="020B0604030504040204" pitchFamily="34" charset="0"/>
-                <a:ea typeface="Tahoma" panose="020B0604030504040204" pitchFamily="34" charset="0"/>
-                <a:cs typeface="Tahoma" panose="020B0604030504040204" pitchFamily="34" charset="0"/>
-              </a:rPr>
-              <a:t>	</a:t>
-            </a:r>
-            <a:r>
-              <a:rPr lang="en-US" b="1" dirty="0" err="1" smtClean="0">
-                <a:latin typeface="Tahoma" panose="020B0604030504040204" pitchFamily="34" charset="0"/>
-                <a:ea typeface="Tahoma" panose="020B0604030504040204" pitchFamily="34" charset="0"/>
-                <a:cs typeface="Tahoma" panose="020B0604030504040204" pitchFamily="34" charset="0"/>
-              </a:rPr>
-              <a:t>ObjWord.Visible</a:t>
-            </a:r>
-            <a:r>
-              <a:rPr lang="en-US" b="1" dirty="0" smtClean="0">
-                <a:latin typeface="Tahoma" panose="020B0604030504040204" pitchFamily="34" charset="0"/>
-                <a:ea typeface="Tahoma" panose="020B0604030504040204" pitchFamily="34" charset="0"/>
-                <a:cs typeface="Tahoma" panose="020B0604030504040204" pitchFamily="34" charset="0"/>
-              </a:rPr>
-              <a:t> = false;</a:t>
-            </a:r>
-          </a:p>
-          <a:p>
-            <a:r>
-              <a:rPr lang="en-US" dirty="0" smtClean="0">
-                <a:latin typeface="Tahoma" panose="020B0604030504040204" pitchFamily="34" charset="0"/>
-                <a:ea typeface="Tahoma" panose="020B0604030504040204" pitchFamily="34" charset="0"/>
-                <a:cs typeface="Tahoma" panose="020B0604030504040204" pitchFamily="34" charset="0"/>
-              </a:rPr>
-              <a:t>	</a:t>
-            </a:r>
-            <a:r>
-              <a:rPr lang="ru-RU" dirty="0" smtClean="0">
-                <a:latin typeface="Tahoma" panose="020B0604030504040204" pitchFamily="34" charset="0"/>
-                <a:ea typeface="Tahoma" panose="020B0604030504040204" pitchFamily="34" charset="0"/>
-                <a:cs typeface="Tahoma" panose="020B0604030504040204" pitchFamily="34" charset="0"/>
-              </a:rPr>
-              <a:t>в) в </a:t>
-            </a:r>
-            <a:r>
-              <a:rPr lang="en-US" i="1" dirty="0" smtClean="0">
-                <a:latin typeface="Tahoma" panose="020B0604030504040204" pitchFamily="34" charset="0"/>
-                <a:ea typeface="Tahoma" panose="020B0604030504040204" pitchFamily="34" charset="0"/>
-                <a:cs typeface="Tahoma" panose="020B0604030504040204" pitchFamily="34" charset="0"/>
-              </a:rPr>
-              <a:t>Word</a:t>
-            </a:r>
-            <a:r>
-              <a:rPr lang="en-US" dirty="0" smtClean="0">
-                <a:latin typeface="Tahoma" panose="020B0604030504040204" pitchFamily="34" charset="0"/>
-                <a:ea typeface="Tahoma" panose="020B0604030504040204" pitchFamily="34" charset="0"/>
-                <a:cs typeface="Tahoma" panose="020B0604030504040204" pitchFamily="34" charset="0"/>
-              </a:rPr>
-              <a:t>-</a:t>
-            </a:r>
-            <a:r>
-              <a:rPr lang="ru-RU" dirty="0" smtClean="0">
-                <a:latin typeface="Tahoma" panose="020B0604030504040204" pitchFamily="34" charset="0"/>
-                <a:ea typeface="Tahoma" panose="020B0604030504040204" pitchFamily="34" charset="0"/>
-                <a:cs typeface="Tahoma" panose="020B0604030504040204" pitchFamily="34" charset="0"/>
-              </a:rPr>
               <a:t>приложении создаётся новый документ</a:t>
             </a:r>
           </a:p>
           <a:p>
             <a:r>
-              <a:rPr lang="ru-RU" dirty="0" smtClean="0">
+              <a:rPr lang="ru-RU" dirty="0">
                 <a:latin typeface="Tahoma" panose="020B0604030504040204" pitchFamily="34" charset="0"/>
                 <a:ea typeface="Tahoma" panose="020B0604030504040204" pitchFamily="34" charset="0"/>
                 <a:cs typeface="Tahoma" panose="020B0604030504040204" pitchFamily="34" charset="0"/>
@@ -11037,7 +10618,7 @@
               <a:t>		</a:t>
             </a:r>
             <a:r>
-              <a:rPr lang="en-US" b="1" dirty="0" err="1" smtClean="0">
+              <a:rPr lang="en-US" b="1" dirty="0" err="1">
                 <a:latin typeface="Tahoma" panose="020B0604030504040204" pitchFamily="34" charset="0"/>
                 <a:ea typeface="Tahoma" panose="020B0604030504040204" pitchFamily="34" charset="0"/>
                 <a:cs typeface="Tahoma" panose="020B0604030504040204" pitchFamily="34" charset="0"/>
@@ -11045,7 +10626,7 @@
               <a:t>Word._Document</a:t>
             </a:r>
             <a:r>
-              <a:rPr lang="en-US" b="1" dirty="0" smtClean="0">
+              <a:rPr lang="en-US" b="1" dirty="0">
                 <a:latin typeface="Tahoma" panose="020B0604030504040204" pitchFamily="34" charset="0"/>
                 <a:ea typeface="Tahoma" panose="020B0604030504040204" pitchFamily="34" charset="0"/>
                 <a:cs typeface="Tahoma" panose="020B0604030504040204" pitchFamily="34" charset="0"/>
@@ -11053,7 +10634,7 @@
               <a:t> </a:t>
             </a:r>
             <a:r>
-              <a:rPr lang="en-US" b="1" dirty="0" err="1" smtClean="0">
+              <a:rPr lang="en-US" b="1" dirty="0" err="1">
                 <a:latin typeface="Tahoma" panose="020B0604030504040204" pitchFamily="34" charset="0"/>
                 <a:ea typeface="Tahoma" panose="020B0604030504040204" pitchFamily="34" charset="0"/>
                 <a:cs typeface="Tahoma" panose="020B0604030504040204" pitchFamily="34" charset="0"/>
@@ -11061,7 +10642,7 @@
               <a:t>ObjDoc</a:t>
             </a:r>
             <a:r>
-              <a:rPr lang="en-US" b="1" dirty="0" smtClean="0">
+              <a:rPr lang="en-US" b="1" dirty="0">
                 <a:latin typeface="Tahoma" panose="020B0604030504040204" pitchFamily="34" charset="0"/>
                 <a:ea typeface="Tahoma" panose="020B0604030504040204" pitchFamily="34" charset="0"/>
                 <a:cs typeface="Tahoma" panose="020B0604030504040204" pitchFamily="34" charset="0"/>
@@ -11069,7 +10650,7 @@
               <a:t> = </a:t>
             </a:r>
             <a:r>
-              <a:rPr lang="ru-RU" b="1" dirty="0" smtClean="0">
+              <a:rPr lang="ru-RU" b="1" dirty="0">
                 <a:latin typeface="Tahoma" panose="020B0604030504040204" pitchFamily="34" charset="0"/>
                 <a:ea typeface="Tahoma" panose="020B0604030504040204" pitchFamily="34" charset="0"/>
                 <a:cs typeface="Tahoma" panose="020B0604030504040204" pitchFamily="34" charset="0"/>
@@ -11077,7 +10658,7 @@
               <a:t>							</a:t>
             </a:r>
             <a:r>
-              <a:rPr lang="en-US" b="1" dirty="0" err="1" smtClean="0">
+              <a:rPr lang="en-US" b="1" dirty="0" err="1">
                 <a:latin typeface="Tahoma" panose="020B0604030504040204" pitchFamily="34" charset="0"/>
                 <a:ea typeface="Tahoma" panose="020B0604030504040204" pitchFamily="34" charset="0"/>
                 <a:cs typeface="Tahoma" panose="020B0604030504040204" pitchFamily="34" charset="0"/>
@@ -11085,14 +10666,14 @@
               <a:t>ObjWord.Application.Documents.Add</a:t>
             </a:r>
             <a:r>
-              <a:rPr lang="en-US" b="1" dirty="0" smtClean="0">
+              <a:rPr lang="en-US" b="1" dirty="0">
                 <a:latin typeface="Tahoma" panose="020B0604030504040204" pitchFamily="34" charset="0"/>
                 <a:ea typeface="Tahoma" panose="020B0604030504040204" pitchFamily="34" charset="0"/>
                 <a:cs typeface="Tahoma" panose="020B0604030504040204" pitchFamily="34" charset="0"/>
               </a:rPr>
               <a:t>();</a:t>
             </a:r>
-            <a:endParaRPr lang="ru-RU" b="1" dirty="0" smtClean="0">
+            <a:endParaRPr lang="ru-RU" b="1" dirty="0">
               <a:latin typeface="Tahoma" panose="020B0604030504040204" pitchFamily="34" charset="0"/>
               <a:ea typeface="Tahoma" panose="020B0604030504040204" pitchFamily="34" charset="0"/>
               <a:cs typeface="Tahoma" panose="020B0604030504040204" pitchFamily="34" charset="0"/>
@@ -11100,7 +10681,7 @@
           </a:p>
           <a:p>
             <a:r>
-              <a:rPr lang="en-US" dirty="0" smtClean="0">
+              <a:rPr lang="en-US" dirty="0">
                 <a:latin typeface="Tahoma" panose="020B0604030504040204" pitchFamily="34" charset="0"/>
                 <a:ea typeface="Tahoma" panose="020B0604030504040204" pitchFamily="34" charset="0"/>
                 <a:cs typeface="Tahoma" panose="020B0604030504040204" pitchFamily="34" charset="0"/>
@@ -11108,7 +10689,7 @@
               <a:t>	</a:t>
             </a:r>
             <a:r>
-              <a:rPr lang="ru-RU" dirty="0" smtClean="0">
+              <a:rPr lang="ru-RU" dirty="0">
                 <a:latin typeface="Tahoma" panose="020B0604030504040204" pitchFamily="34" charset="0"/>
                 <a:ea typeface="Tahoma" panose="020B0604030504040204" pitchFamily="34" charset="0"/>
                 <a:cs typeface="Tahoma" panose="020B0604030504040204" pitchFamily="34" charset="0"/>
@@ -11123,10 +10704,150 @@
                 <a:ea typeface="Tahoma" panose="020B0604030504040204" pitchFamily="34" charset="0"/>
                 <a:cs typeface="Tahoma" panose="020B0604030504040204" pitchFamily="34" charset="0"/>
               </a:rPr>
+              <a:t>		</a:t>
+            </a:r>
+            <a:r>
+              <a:rPr lang="en-US" b="1" dirty="0" err="1">
+                <a:latin typeface="Tahoma" panose="020B0604030504040204" pitchFamily="34" charset="0"/>
+                <a:ea typeface="Tahoma" panose="020B0604030504040204" pitchFamily="34" charset="0"/>
+                <a:cs typeface="Tahoma" panose="020B0604030504040204" pitchFamily="34" charset="0"/>
+              </a:rPr>
+              <a:t>ObjDoc.Activate</a:t>
+            </a:r>
+            <a:r>
+              <a:rPr lang="en-US" b="1" dirty="0">
+                <a:latin typeface="Tahoma" panose="020B0604030504040204" pitchFamily="34" charset="0"/>
+                <a:ea typeface="Tahoma" panose="020B0604030504040204" pitchFamily="34" charset="0"/>
+                <a:cs typeface="Tahoma" panose="020B0604030504040204" pitchFamily="34" charset="0"/>
+              </a:rPr>
+              <a:t>();</a:t>
+            </a:r>
+          </a:p>
+          <a:p>
+            <a:r>
+              <a:rPr lang="en-US" dirty="0">
+                <a:latin typeface="Tahoma" panose="020B0604030504040204" pitchFamily="34" charset="0"/>
+                <a:ea typeface="Tahoma" panose="020B0604030504040204" pitchFamily="34" charset="0"/>
+                <a:cs typeface="Tahoma" panose="020B0604030504040204" pitchFamily="34" charset="0"/>
+              </a:rPr>
               <a:t>	</a:t>
             </a:r>
             <a:r>
-              <a:rPr lang="ru-RU" dirty="0" smtClean="0">
+              <a:rPr lang="ru-RU" dirty="0">
+                <a:latin typeface="Tahoma" panose="020B0604030504040204" pitchFamily="34" charset="0"/>
+                <a:ea typeface="Tahoma" panose="020B0604030504040204" pitchFamily="34" charset="0"/>
+                <a:cs typeface="Tahoma" panose="020B0604030504040204" pitchFamily="34" charset="0"/>
+              </a:rPr>
+              <a:t>д) создаётся объект, отвечающий за выбранную область документа. В 	нём необходимо разместить рабочий диапазон документа </a:t>
+            </a:r>
+            <a:r>
+              <a:rPr lang="en-US" i="1" dirty="0">
+                <a:latin typeface="Tahoma" panose="020B0604030504040204" pitchFamily="34" charset="0"/>
+                <a:ea typeface="Tahoma" panose="020B0604030504040204" pitchFamily="34" charset="0"/>
+                <a:cs typeface="Tahoma" panose="020B0604030504040204" pitchFamily="34" charset="0"/>
+              </a:rPr>
+              <a:t>Word</a:t>
+            </a:r>
+            <a:r>
+              <a:rPr lang="ru-RU" dirty="0">
+                <a:latin typeface="Tahoma" panose="020B0604030504040204" pitchFamily="34" charset="0"/>
+                <a:ea typeface="Tahoma" panose="020B0604030504040204" pitchFamily="34" charset="0"/>
+                <a:cs typeface="Tahoma" panose="020B0604030504040204" pitchFamily="34" charset="0"/>
+              </a:rPr>
+              <a:t>, 	находящийся в конце</a:t>
+            </a:r>
+          </a:p>
+          <a:p>
+            <a:r>
+              <a:rPr lang="ru-RU" dirty="0">
+                <a:latin typeface="Tahoma" panose="020B0604030504040204" pitchFamily="34" charset="0"/>
+                <a:ea typeface="Tahoma" panose="020B0604030504040204" pitchFamily="34" charset="0"/>
+                <a:cs typeface="Tahoma" panose="020B0604030504040204" pitchFamily="34" charset="0"/>
+              </a:rPr>
+              <a:t>		</a:t>
+            </a:r>
+            <a:r>
+              <a:rPr lang="en-US" b="1" i="1" dirty="0">
+                <a:latin typeface="Tahoma" panose="020B0604030504040204" pitchFamily="34" charset="0"/>
+                <a:ea typeface="Tahoma" panose="020B0604030504040204" pitchFamily="34" charset="0"/>
+                <a:cs typeface="Tahoma" panose="020B0604030504040204" pitchFamily="34" charset="0"/>
+              </a:rPr>
+              <a:t>object </a:t>
+            </a:r>
+            <a:r>
+              <a:rPr lang="en-US" b="1" i="1" dirty="0" err="1">
+                <a:latin typeface="Tahoma" panose="020B0604030504040204" pitchFamily="34" charset="0"/>
+                <a:ea typeface="Tahoma" panose="020B0604030504040204" pitchFamily="34" charset="0"/>
+                <a:cs typeface="Tahoma" panose="020B0604030504040204" pitchFamily="34" charset="0"/>
+              </a:rPr>
+              <a:t>ObjRange</a:t>
+            </a:r>
+            <a:r>
+              <a:rPr lang="ru-RU" b="1" i="1" dirty="0">
+                <a:latin typeface="Tahoma" panose="020B0604030504040204" pitchFamily="34" charset="0"/>
+                <a:ea typeface="Tahoma" panose="020B0604030504040204" pitchFamily="34" charset="0"/>
+                <a:cs typeface="Tahoma" panose="020B0604030504040204" pitchFamily="34" charset="0"/>
+              </a:rPr>
+              <a:t> </a:t>
+            </a:r>
+            <a:r>
+              <a:rPr lang="en-US" b="1" dirty="0">
+                <a:latin typeface="Tahoma" panose="020B0604030504040204" pitchFamily="34" charset="0"/>
+                <a:ea typeface="Tahoma" panose="020B0604030504040204" pitchFamily="34" charset="0"/>
+                <a:cs typeface="Tahoma" panose="020B0604030504040204" pitchFamily="34" charset="0"/>
+              </a:rPr>
+              <a:t>= </a:t>
+            </a:r>
+            <a:r>
+              <a:rPr lang="en-US" b="1" dirty="0" err="1">
+                <a:latin typeface="Tahoma" panose="020B0604030504040204" pitchFamily="34" charset="0"/>
+                <a:ea typeface="Tahoma" panose="020B0604030504040204" pitchFamily="34" charset="0"/>
+                <a:cs typeface="Tahoma" panose="020B0604030504040204" pitchFamily="34" charset="0"/>
+              </a:rPr>
+              <a:t>ObjDoc.Bookmarks.get_Item</a:t>
+            </a:r>
+            <a:r>
+              <a:rPr lang="en-US" b="1" dirty="0">
+                <a:latin typeface="Tahoma" panose="020B0604030504040204" pitchFamily="34" charset="0"/>
+                <a:ea typeface="Tahoma" panose="020B0604030504040204" pitchFamily="34" charset="0"/>
+                <a:cs typeface="Tahoma" panose="020B0604030504040204" pitchFamily="34" charset="0"/>
+              </a:rPr>
+              <a:t>(ref </a:t>
+            </a:r>
+            <a:r>
+              <a:rPr lang="ru-RU" b="1" dirty="0">
+                <a:latin typeface="Tahoma" panose="020B0604030504040204" pitchFamily="34" charset="0"/>
+                <a:ea typeface="Tahoma" panose="020B0604030504040204" pitchFamily="34" charset="0"/>
+                <a:cs typeface="Tahoma" panose="020B0604030504040204" pitchFamily="34" charset="0"/>
+              </a:rPr>
+              <a:t>			</a:t>
+            </a:r>
+            <a:r>
+              <a:rPr lang="en-US" b="1" dirty="0" err="1">
+                <a:latin typeface="Tahoma" panose="020B0604030504040204" pitchFamily="34" charset="0"/>
+                <a:ea typeface="Tahoma" panose="020B0604030504040204" pitchFamily="34" charset="0"/>
+                <a:cs typeface="Tahoma" panose="020B0604030504040204" pitchFamily="34" charset="0"/>
+              </a:rPr>
+              <a:t>EndOfDoc</a:t>
+            </a:r>
+            <a:r>
+              <a:rPr lang="en-US" b="1" dirty="0">
+                <a:latin typeface="Tahoma" panose="020B0604030504040204" pitchFamily="34" charset="0"/>
+                <a:ea typeface="Tahoma" panose="020B0604030504040204" pitchFamily="34" charset="0"/>
+                <a:cs typeface="Tahoma" panose="020B0604030504040204" pitchFamily="34" charset="0"/>
+              </a:rPr>
+              <a:t>).Range;</a:t>
+            </a:r>
+            <a:endParaRPr lang="en-US" b="1" i="1" dirty="0">
+              <a:latin typeface="Tahoma" panose="020B0604030504040204" pitchFamily="34" charset="0"/>
+              <a:ea typeface="Tahoma" panose="020B0604030504040204" pitchFamily="34" charset="0"/>
+              <a:cs typeface="Tahoma" panose="020B0604030504040204" pitchFamily="34" charset="0"/>
+            </a:endParaRPr>
+          </a:p>
+          <a:p>
+            <a:pPr algn="just"/>
+            <a:r>
+              <a:rPr lang="en-US" dirty="0">
                 <a:latin typeface="Tahoma" panose="020B0604030504040204" pitchFamily="34" charset="0"/>
                 <a:ea typeface="Tahoma" panose="020B0604030504040204" pitchFamily="34" charset="0"/>
                 <a:cs typeface="Tahoma" panose="020B0604030504040204" pitchFamily="34" charset="0"/>
@@ -11134,86 +10855,28 @@
               <a:t>	</a:t>
             </a:r>
             <a:r>
-              <a:rPr lang="en-US" b="1" dirty="0" err="1" smtClean="0">
-                <a:latin typeface="Tahoma" panose="020B0604030504040204" pitchFamily="34" charset="0"/>
-                <a:ea typeface="Tahoma" panose="020B0604030504040204" pitchFamily="34" charset="0"/>
-                <a:cs typeface="Tahoma" panose="020B0604030504040204" pitchFamily="34" charset="0"/>
-              </a:rPr>
-              <a:t>ObjDoc.Activate</a:t>
-            </a:r>
-            <a:r>
-              <a:rPr lang="en-US" b="1" dirty="0" smtClean="0">
-                <a:latin typeface="Tahoma" panose="020B0604030504040204" pitchFamily="34" charset="0"/>
-                <a:ea typeface="Tahoma" panose="020B0604030504040204" pitchFamily="34" charset="0"/>
-                <a:cs typeface="Tahoma" panose="020B0604030504040204" pitchFamily="34" charset="0"/>
-              </a:rPr>
-              <a:t>();</a:t>
-            </a:r>
-          </a:p>
-          <a:p>
+              <a:rPr lang="ru-RU" dirty="0">
+                <a:latin typeface="Tahoma" panose="020B0604030504040204" pitchFamily="34" charset="0"/>
+                <a:ea typeface="Tahoma" panose="020B0604030504040204" pitchFamily="34" charset="0"/>
+                <a:cs typeface="Tahoma" panose="020B0604030504040204" pitchFamily="34" charset="0"/>
+              </a:rPr>
+              <a:t>при необходимости перейти к новому абзацу с текстом конструкция 	прописывается повторно, но уже без объявления типа </a:t>
+            </a:r>
+            <a:r>
+              <a:rPr lang="en-US" i="1" dirty="0">
+                <a:latin typeface="Tahoma" panose="020B0604030504040204" pitchFamily="34" charset="0"/>
+                <a:ea typeface="Tahoma" panose="020B0604030504040204" pitchFamily="34" charset="0"/>
+                <a:cs typeface="Tahoma" panose="020B0604030504040204" pitchFamily="34" charset="0"/>
+              </a:rPr>
+              <a:t>object</a:t>
+            </a:r>
             <a:r>
               <a:rPr lang="en-US" dirty="0">
                 <a:latin typeface="Tahoma" panose="020B0604030504040204" pitchFamily="34" charset="0"/>
                 <a:ea typeface="Tahoma" panose="020B0604030504040204" pitchFamily="34" charset="0"/>
                 <a:cs typeface="Tahoma" panose="020B0604030504040204" pitchFamily="34" charset="0"/>
               </a:rPr>
-              <a:t>	</a:t>
-            </a:r>
-            <a:r>
-              <a:rPr lang="ru-RU" dirty="0" smtClean="0">
-                <a:latin typeface="Tahoma" panose="020B0604030504040204" pitchFamily="34" charset="0"/>
-                <a:ea typeface="Tahoma" panose="020B0604030504040204" pitchFamily="34" charset="0"/>
-                <a:cs typeface="Tahoma" panose="020B0604030504040204" pitchFamily="34" charset="0"/>
-              </a:rPr>
-              <a:t>д) создаётся </a:t>
-            </a:r>
-            <a:r>
-              <a:rPr lang="ru-RU" dirty="0">
-                <a:latin typeface="Tahoma" panose="020B0604030504040204" pitchFamily="34" charset="0"/>
-                <a:ea typeface="Tahoma" panose="020B0604030504040204" pitchFamily="34" charset="0"/>
-                <a:cs typeface="Tahoma" panose="020B0604030504040204" pitchFamily="34" charset="0"/>
-              </a:rPr>
-              <a:t>объект, отвечающий за выбранную область </a:t>
-            </a:r>
-            <a:r>
-              <a:rPr lang="ru-RU" dirty="0" smtClean="0">
-                <a:latin typeface="Tahoma" panose="020B0604030504040204" pitchFamily="34" charset="0"/>
-                <a:ea typeface="Tahoma" panose="020B0604030504040204" pitchFamily="34" charset="0"/>
-                <a:cs typeface="Tahoma" panose="020B0604030504040204" pitchFamily="34" charset="0"/>
-              </a:rPr>
-              <a:t>документа. В 	нём необходимо разместить </a:t>
-            </a:r>
-            <a:r>
-              <a:rPr lang="ru-RU" dirty="0">
-                <a:latin typeface="Tahoma" panose="020B0604030504040204" pitchFamily="34" charset="0"/>
-                <a:ea typeface="Tahoma" panose="020B0604030504040204" pitchFamily="34" charset="0"/>
-                <a:cs typeface="Tahoma" panose="020B0604030504040204" pitchFamily="34" charset="0"/>
-              </a:rPr>
-              <a:t>рабочий диапазон документа </a:t>
-            </a:r>
-            <a:r>
-              <a:rPr lang="en-US" i="1" dirty="0">
-                <a:latin typeface="Tahoma" panose="020B0604030504040204" pitchFamily="34" charset="0"/>
-                <a:ea typeface="Tahoma" panose="020B0604030504040204" pitchFamily="34" charset="0"/>
-                <a:cs typeface="Tahoma" panose="020B0604030504040204" pitchFamily="34" charset="0"/>
-              </a:rPr>
-              <a:t>Word</a:t>
-            </a:r>
-            <a:r>
-              <a:rPr lang="ru-RU" dirty="0">
-                <a:latin typeface="Tahoma" panose="020B0604030504040204" pitchFamily="34" charset="0"/>
-                <a:ea typeface="Tahoma" panose="020B0604030504040204" pitchFamily="34" charset="0"/>
-                <a:cs typeface="Tahoma" panose="020B0604030504040204" pitchFamily="34" charset="0"/>
-              </a:rPr>
-              <a:t>, </a:t>
-            </a:r>
-            <a:r>
-              <a:rPr lang="ru-RU" dirty="0" smtClean="0">
-                <a:latin typeface="Tahoma" panose="020B0604030504040204" pitchFamily="34" charset="0"/>
-                <a:ea typeface="Tahoma" panose="020B0604030504040204" pitchFamily="34" charset="0"/>
-                <a:cs typeface="Tahoma" panose="020B0604030504040204" pitchFamily="34" charset="0"/>
-              </a:rPr>
-              <a:t>	находящийся в конце</a:t>
+              <a:t>;</a:t>
             </a:r>
             <a:endParaRPr lang="ru-RU" dirty="0">
               <a:latin typeface="Tahoma" panose="020B0604030504040204" pitchFamily="34" charset="0"/>
@@ -11228,160 +10891,9 @@
                 <a:ea typeface="Tahoma" panose="020B0604030504040204" pitchFamily="34" charset="0"/>
                 <a:cs typeface="Tahoma" panose="020B0604030504040204" pitchFamily="34" charset="0"/>
               </a:rPr>
-              <a:t>		</a:t>
-            </a:r>
-            <a:r>
-              <a:rPr lang="en-US" b="1" i="1" dirty="0">
-                <a:latin typeface="Tahoma" panose="020B0604030504040204" pitchFamily="34" charset="0"/>
-                <a:ea typeface="Tahoma" panose="020B0604030504040204" pitchFamily="34" charset="0"/>
-                <a:cs typeface="Tahoma" panose="020B0604030504040204" pitchFamily="34" charset="0"/>
-              </a:rPr>
-              <a:t>object </a:t>
-            </a:r>
-            <a:r>
-              <a:rPr lang="en-US" b="1" i="1" dirty="0" err="1" smtClean="0">
-                <a:latin typeface="Tahoma" panose="020B0604030504040204" pitchFamily="34" charset="0"/>
-                <a:ea typeface="Tahoma" panose="020B0604030504040204" pitchFamily="34" charset="0"/>
-                <a:cs typeface="Tahoma" panose="020B0604030504040204" pitchFamily="34" charset="0"/>
-              </a:rPr>
-              <a:t>ObjRange</a:t>
-            </a:r>
-            <a:r>
-              <a:rPr lang="ru-RU" b="1" i="1" dirty="0" smtClean="0">
-                <a:latin typeface="Tahoma" panose="020B0604030504040204" pitchFamily="34" charset="0"/>
-                <a:ea typeface="Tahoma" panose="020B0604030504040204" pitchFamily="34" charset="0"/>
-                <a:cs typeface="Tahoma" panose="020B0604030504040204" pitchFamily="34" charset="0"/>
-              </a:rPr>
-              <a:t> </a:t>
-            </a:r>
-            <a:r>
-              <a:rPr lang="en-US" b="1" dirty="0">
-                <a:latin typeface="Tahoma" panose="020B0604030504040204" pitchFamily="34" charset="0"/>
-                <a:ea typeface="Tahoma" panose="020B0604030504040204" pitchFamily="34" charset="0"/>
-                <a:cs typeface="Tahoma" panose="020B0604030504040204" pitchFamily="34" charset="0"/>
-              </a:rPr>
-              <a:t>= </a:t>
-            </a:r>
-            <a:r>
-              <a:rPr lang="en-US" b="1" dirty="0" err="1">
-                <a:latin typeface="Tahoma" panose="020B0604030504040204" pitchFamily="34" charset="0"/>
-                <a:ea typeface="Tahoma" panose="020B0604030504040204" pitchFamily="34" charset="0"/>
-                <a:cs typeface="Tahoma" panose="020B0604030504040204" pitchFamily="34" charset="0"/>
-              </a:rPr>
-              <a:t>ObjDoc.Bookmarks.get_Item</a:t>
-            </a:r>
-            <a:r>
-              <a:rPr lang="en-US" b="1" dirty="0">
-                <a:latin typeface="Tahoma" panose="020B0604030504040204" pitchFamily="34" charset="0"/>
-                <a:ea typeface="Tahoma" panose="020B0604030504040204" pitchFamily="34" charset="0"/>
-                <a:cs typeface="Tahoma" panose="020B0604030504040204" pitchFamily="34" charset="0"/>
-              </a:rPr>
-              <a:t>(ref </a:t>
-            </a:r>
-            <a:r>
-              <a:rPr lang="ru-RU" b="1" dirty="0" smtClean="0">
-                <a:latin typeface="Tahoma" panose="020B0604030504040204" pitchFamily="34" charset="0"/>
-                <a:ea typeface="Tahoma" panose="020B0604030504040204" pitchFamily="34" charset="0"/>
-                <a:cs typeface="Tahoma" panose="020B0604030504040204" pitchFamily="34" charset="0"/>
-              </a:rPr>
-              <a:t>			</a:t>
-            </a:r>
-            <a:r>
-              <a:rPr lang="en-US" b="1" dirty="0" err="1" smtClean="0">
-                <a:latin typeface="Tahoma" panose="020B0604030504040204" pitchFamily="34" charset="0"/>
-                <a:ea typeface="Tahoma" panose="020B0604030504040204" pitchFamily="34" charset="0"/>
-                <a:cs typeface="Tahoma" panose="020B0604030504040204" pitchFamily="34" charset="0"/>
-              </a:rPr>
-              <a:t>EndOfDoc</a:t>
-            </a:r>
-            <a:r>
-              <a:rPr lang="en-US" b="1" dirty="0">
-                <a:latin typeface="Tahoma" panose="020B0604030504040204" pitchFamily="34" charset="0"/>
-                <a:ea typeface="Tahoma" panose="020B0604030504040204" pitchFamily="34" charset="0"/>
-                <a:cs typeface="Tahoma" panose="020B0604030504040204" pitchFamily="34" charset="0"/>
-              </a:rPr>
-              <a:t>).Range</a:t>
-            </a:r>
-            <a:r>
-              <a:rPr lang="en-US" b="1" dirty="0" smtClean="0">
-                <a:latin typeface="Tahoma" panose="020B0604030504040204" pitchFamily="34" charset="0"/>
-                <a:ea typeface="Tahoma" panose="020B0604030504040204" pitchFamily="34" charset="0"/>
-                <a:cs typeface="Tahoma" panose="020B0604030504040204" pitchFamily="34" charset="0"/>
-              </a:rPr>
-              <a:t>;</a:t>
-            </a:r>
-            <a:endParaRPr lang="en-US" b="1" i="1" dirty="0">
-              <a:latin typeface="Tahoma" panose="020B0604030504040204" pitchFamily="34" charset="0"/>
-              <a:ea typeface="Tahoma" panose="020B0604030504040204" pitchFamily="34" charset="0"/>
-              <a:cs typeface="Tahoma" panose="020B0604030504040204" pitchFamily="34" charset="0"/>
-            </a:endParaRPr>
-          </a:p>
-          <a:p>
-            <a:pPr algn="just"/>
-            <a:r>
-              <a:rPr lang="en-US" dirty="0">
-                <a:latin typeface="Tahoma" panose="020B0604030504040204" pitchFamily="34" charset="0"/>
-                <a:ea typeface="Tahoma" panose="020B0604030504040204" pitchFamily="34" charset="0"/>
-                <a:cs typeface="Tahoma" panose="020B0604030504040204" pitchFamily="34" charset="0"/>
-              </a:rPr>
               <a:t>	</a:t>
             </a:r>
-            <a:r>
-              <a:rPr lang="ru-RU" dirty="0" smtClean="0">
-                <a:latin typeface="Tahoma" panose="020B0604030504040204" pitchFamily="34" charset="0"/>
-                <a:ea typeface="Tahoma" panose="020B0604030504040204" pitchFamily="34" charset="0"/>
-                <a:cs typeface="Tahoma" panose="020B0604030504040204" pitchFamily="34" charset="0"/>
-              </a:rPr>
-              <a:t>при необходимости </a:t>
-            </a:r>
-            <a:r>
-              <a:rPr lang="ru-RU" dirty="0">
-                <a:latin typeface="Tahoma" panose="020B0604030504040204" pitchFamily="34" charset="0"/>
-                <a:ea typeface="Tahoma" panose="020B0604030504040204" pitchFamily="34" charset="0"/>
-                <a:cs typeface="Tahoma" panose="020B0604030504040204" pitchFamily="34" charset="0"/>
-              </a:rPr>
-              <a:t>перейти к новому абзацу с текстом </a:t>
-            </a:r>
-            <a:r>
-              <a:rPr lang="ru-RU" dirty="0" smtClean="0">
-                <a:latin typeface="Tahoma" panose="020B0604030504040204" pitchFamily="34" charset="0"/>
-                <a:ea typeface="Tahoma" panose="020B0604030504040204" pitchFamily="34" charset="0"/>
-                <a:cs typeface="Tahoma" panose="020B0604030504040204" pitchFamily="34" charset="0"/>
-              </a:rPr>
-              <a:t>конструкция 	прописывается повторно, но уже без объявления типа </a:t>
-            </a:r>
-            <a:r>
-              <a:rPr lang="en-US" i="1" dirty="0" smtClean="0">
-                <a:latin typeface="Tahoma" panose="020B0604030504040204" pitchFamily="34" charset="0"/>
-                <a:ea typeface="Tahoma" panose="020B0604030504040204" pitchFamily="34" charset="0"/>
-                <a:cs typeface="Tahoma" panose="020B0604030504040204" pitchFamily="34" charset="0"/>
-              </a:rPr>
-              <a:t>object</a:t>
-            </a:r>
-            <a:r>
-              <a:rPr lang="en-US" dirty="0">
-                <a:latin typeface="Tahoma" panose="020B0604030504040204" pitchFamily="34" charset="0"/>
-                <a:ea typeface="Tahoma" panose="020B0604030504040204" pitchFamily="34" charset="0"/>
-                <a:cs typeface="Tahoma" panose="020B0604030504040204" pitchFamily="34" charset="0"/>
-              </a:rPr>
-              <a:t>;</a:t>
-            </a:r>
-            <a:endParaRPr lang="ru-RU" dirty="0" smtClean="0">
-              <a:latin typeface="Tahoma" panose="020B0604030504040204" pitchFamily="34" charset="0"/>
-              <a:ea typeface="Tahoma" panose="020B0604030504040204" pitchFamily="34" charset="0"/>
-              <a:cs typeface="Tahoma" panose="020B0604030504040204" pitchFamily="34" charset="0"/>
-            </a:endParaRPr>
-          </a:p>
-          <a:p>
-            <a:r>
-              <a:rPr lang="ru-RU" dirty="0">
-                <a:latin typeface="Tahoma" panose="020B0604030504040204" pitchFamily="34" charset="0"/>
-                <a:ea typeface="Tahoma" panose="020B0604030504040204" pitchFamily="34" charset="0"/>
-                <a:cs typeface="Tahoma" panose="020B0604030504040204" pitchFamily="34" charset="0"/>
-              </a:rPr>
-              <a:t>	</a:t>
-            </a:r>
-            <a:endParaRPr lang="ru-RU" b="1" dirty="0" smtClean="0">
+            <a:endParaRPr lang="ru-RU" b="1" dirty="0">
               <a:latin typeface="Tahoma" panose="020B0604030504040204" pitchFamily="34" charset="0"/>
               <a:ea typeface="Tahoma" panose="020B0604030504040204" pitchFamily="34" charset="0"/>
               <a:cs typeface="Tahoma" panose="020B0604030504040204" pitchFamily="34" charset="0"/>
@@ -11399,13 +10911,6 @@
   <p:clrMapOvr>
     <a:masterClrMapping/>
   </p:clrMapOvr>
-  <p:timing>
-    <p:tnLst>
-      <p:par>
-        <p:cTn id="1" dur="indefinite" restart="never" nodeType="tmRoot"/>
-      </p:par>
-    </p:tnLst>
-  </p:timing>
 </p:sld>
 </file>
 
@@ -11450,7 +10955,7 @@
           <a:p>
             <a:pPr algn="ctr"/>
             <a:r>
-              <a:rPr lang="ru-RU" sz="2800" b="1" dirty="0" smtClean="0">
+              <a:rPr lang="ru-RU" sz="2800" b="1" dirty="0">
                 <a:latin typeface="Tahoma" panose="020B0604030504040204" pitchFamily="34" charset="0"/>
                 <a:ea typeface="Tahoma" panose="020B0604030504040204" pitchFamily="34" charset="0"/>
                 <a:cs typeface="Tahoma" panose="020B0604030504040204" pitchFamily="34" charset="0"/>
@@ -11458,7 +10963,7 @@
               <a:t>Работа с </a:t>
             </a:r>
             <a:r>
-              <a:rPr lang="en-US" sz="2800" b="1" i="1" dirty="0" smtClean="0">
+              <a:rPr lang="en-US" sz="2800" b="1" i="1" dirty="0">
                 <a:latin typeface="Tahoma" panose="020B0604030504040204" pitchFamily="34" charset="0"/>
                 <a:ea typeface="Tahoma" panose="020B0604030504040204" pitchFamily="34" charset="0"/>
                 <a:cs typeface="Tahoma" panose="020B0604030504040204" pitchFamily="34" charset="0"/>
@@ -11466,18 +10971,13 @@
               <a:t>Word</a:t>
             </a:r>
             <a:r>
-              <a:rPr lang="ru-RU" sz="2800" b="1" dirty="0" smtClean="0">
+              <a:rPr lang="ru-RU" sz="2800" b="1" dirty="0">
                 <a:latin typeface="Tahoma" panose="020B0604030504040204" pitchFamily="34" charset="0"/>
                 <a:ea typeface="Tahoma" panose="020B0604030504040204" pitchFamily="34" charset="0"/>
                 <a:cs typeface="Tahoma" panose="020B0604030504040204" pitchFamily="34" charset="0"/>
               </a:rPr>
               <a:t> программным способом</a:t>
             </a:r>
-            <a:endParaRPr lang="ru-RU" sz="2800" b="1" dirty="0">
-              <a:latin typeface="Tahoma" panose="020B0604030504040204" pitchFamily="34" charset="0"/>
-              <a:ea typeface="Tahoma" panose="020B0604030504040204" pitchFamily="34" charset="0"/>
-              <a:cs typeface="Tahoma" panose="020B0604030504040204" pitchFamily="34" charset="0"/>
-            </a:endParaRPr>
           </a:p>
         </p:txBody>
       </p:sp>
@@ -11516,7 +11016,7 @@
           <a:lstStyle/>
           <a:p>
             <a:r>
-              <a:rPr lang="ru-RU" dirty="0" smtClean="0">
+              <a:rPr lang="ru-RU" dirty="0">
                 <a:latin typeface="Tahoma" panose="020B0604030504040204" pitchFamily="34" charset="0"/>
                 <a:ea typeface="Tahoma" panose="020B0604030504040204" pitchFamily="34" charset="0"/>
                 <a:cs typeface="Tahoma" panose="020B0604030504040204" pitchFamily="34" charset="0"/>
@@ -11524,7 +11024,7 @@
               <a:t>Процедура, в рамках которой документ </a:t>
             </a:r>
             <a:r>
-              <a:rPr lang="en-US" i="1" dirty="0" smtClean="0">
+              <a:rPr lang="en-US" i="1" dirty="0">
                 <a:latin typeface="Tahoma" panose="020B0604030504040204" pitchFamily="34" charset="0"/>
                 <a:ea typeface="Tahoma" panose="020B0604030504040204" pitchFamily="34" charset="0"/>
                 <a:cs typeface="Tahoma" panose="020B0604030504040204" pitchFamily="34" charset="0"/>
@@ -11532,7 +11032,7 @@
               <a:t>Word</a:t>
             </a:r>
             <a:r>
-              <a:rPr lang="en-US" dirty="0" smtClean="0">
+              <a:rPr lang="en-US" dirty="0">
                 <a:latin typeface="Tahoma" panose="020B0604030504040204" pitchFamily="34" charset="0"/>
                 <a:ea typeface="Tahoma" panose="020B0604030504040204" pitchFamily="34" charset="0"/>
                 <a:cs typeface="Tahoma" panose="020B0604030504040204" pitchFamily="34" charset="0"/>
@@ -11540,7 +11040,7 @@
               <a:t> </a:t>
             </a:r>
             <a:r>
-              <a:rPr lang="ru-RU" dirty="0" smtClean="0">
+              <a:rPr lang="ru-RU" dirty="0">
                 <a:latin typeface="Tahoma" panose="020B0604030504040204" pitchFamily="34" charset="0"/>
                 <a:ea typeface="Tahoma" panose="020B0604030504040204" pitchFamily="34" charset="0"/>
                 <a:cs typeface="Tahoma" panose="020B0604030504040204" pitchFamily="34" charset="0"/>
@@ -11557,7 +11057,115 @@
               </a:rPr>
               <a:t>	</a:t>
             </a:r>
-            <a:endParaRPr lang="ru-RU" dirty="0" smtClean="0">
+          </a:p>
+          <a:p>
+            <a:r>
+              <a:rPr lang="ru-RU" dirty="0">
+                <a:latin typeface="Tahoma" panose="020B0604030504040204" pitchFamily="34" charset="0"/>
+                <a:ea typeface="Tahoma" panose="020B0604030504040204" pitchFamily="34" charset="0"/>
+                <a:cs typeface="Tahoma" panose="020B0604030504040204" pitchFamily="34" charset="0"/>
+              </a:rPr>
+              <a:t>	е)</a:t>
+            </a:r>
+            <a:r>
+              <a:rPr lang="en-US" dirty="0">
+                <a:latin typeface="Tahoma" panose="020B0604030504040204" pitchFamily="34" charset="0"/>
+                <a:ea typeface="Tahoma" panose="020B0604030504040204" pitchFamily="34" charset="0"/>
+                <a:cs typeface="Tahoma" panose="020B0604030504040204" pitchFamily="34" charset="0"/>
+              </a:rPr>
+              <a:t> </a:t>
+            </a:r>
+            <a:r>
+              <a:rPr lang="ru-RU" dirty="0">
+                <a:latin typeface="Tahoma" panose="020B0604030504040204" pitchFamily="34" charset="0"/>
+                <a:ea typeface="Tahoma" panose="020B0604030504040204" pitchFamily="34" charset="0"/>
+                <a:cs typeface="Tahoma" panose="020B0604030504040204" pitchFamily="34" charset="0"/>
+              </a:rPr>
+              <a:t>в указанной рабочей области создаётся новый абзац</a:t>
+            </a:r>
+          </a:p>
+          <a:p>
+            <a:r>
+              <a:rPr lang="ru-RU" b="1" dirty="0">
+                <a:latin typeface="Tahoma" panose="020B0604030504040204" pitchFamily="34" charset="0"/>
+                <a:ea typeface="Tahoma" panose="020B0604030504040204" pitchFamily="34" charset="0"/>
+                <a:cs typeface="Tahoma" panose="020B0604030504040204" pitchFamily="34" charset="0"/>
+              </a:rPr>
+              <a:t>		</a:t>
+            </a:r>
+            <a:r>
+              <a:rPr lang="en-US" b="1" dirty="0" err="1">
+                <a:latin typeface="Tahoma" panose="020B0604030504040204" pitchFamily="34" charset="0"/>
+                <a:ea typeface="Tahoma" panose="020B0604030504040204" pitchFamily="34" charset="0"/>
+                <a:cs typeface="Tahoma" panose="020B0604030504040204" pitchFamily="34" charset="0"/>
+              </a:rPr>
+              <a:t>Word.Paragraph</a:t>
+            </a:r>
+            <a:r>
+              <a:rPr lang="en-US" b="1" dirty="0">
+                <a:latin typeface="Tahoma" panose="020B0604030504040204" pitchFamily="34" charset="0"/>
+                <a:ea typeface="Tahoma" panose="020B0604030504040204" pitchFamily="34" charset="0"/>
+                <a:cs typeface="Tahoma" panose="020B0604030504040204" pitchFamily="34" charset="0"/>
+              </a:rPr>
+              <a:t> </a:t>
+            </a:r>
+            <a:r>
+              <a:rPr lang="en-US" b="1" dirty="0" err="1">
+                <a:latin typeface="Tahoma" panose="020B0604030504040204" pitchFamily="34" charset="0"/>
+                <a:ea typeface="Tahoma" panose="020B0604030504040204" pitchFamily="34" charset="0"/>
+                <a:cs typeface="Tahoma" panose="020B0604030504040204" pitchFamily="34" charset="0"/>
+              </a:rPr>
+              <a:t>ObjParagraph</a:t>
+            </a:r>
+            <a:r>
+              <a:rPr lang="en-US" b="1" dirty="0">
+                <a:latin typeface="Tahoma" panose="020B0604030504040204" pitchFamily="34" charset="0"/>
+                <a:ea typeface="Tahoma" panose="020B0604030504040204" pitchFamily="34" charset="0"/>
+                <a:cs typeface="Tahoma" panose="020B0604030504040204" pitchFamily="34" charset="0"/>
+              </a:rPr>
+              <a:t> = </a:t>
+            </a:r>
+            <a:r>
+              <a:rPr lang="ru-RU" b="1" dirty="0">
+                <a:latin typeface="Tahoma" panose="020B0604030504040204" pitchFamily="34" charset="0"/>
+                <a:ea typeface="Tahoma" panose="020B0604030504040204" pitchFamily="34" charset="0"/>
+                <a:cs typeface="Tahoma" panose="020B0604030504040204" pitchFamily="34" charset="0"/>
+              </a:rPr>
+              <a:t>					</a:t>
+            </a:r>
+            <a:r>
+              <a:rPr lang="en-US" b="1" dirty="0" err="1">
+                <a:latin typeface="Tahoma" panose="020B0604030504040204" pitchFamily="34" charset="0"/>
+                <a:ea typeface="Tahoma" panose="020B0604030504040204" pitchFamily="34" charset="0"/>
+                <a:cs typeface="Tahoma" panose="020B0604030504040204" pitchFamily="34" charset="0"/>
+              </a:rPr>
+              <a:t>ObjDoc.Content.Paragraphs.Add</a:t>
+            </a:r>
+            <a:r>
+              <a:rPr lang="en-US" b="1" dirty="0">
+                <a:latin typeface="Tahoma" panose="020B0604030504040204" pitchFamily="34" charset="0"/>
+                <a:ea typeface="Tahoma" panose="020B0604030504040204" pitchFamily="34" charset="0"/>
+                <a:cs typeface="Tahoma" panose="020B0604030504040204" pitchFamily="34" charset="0"/>
+              </a:rPr>
+              <a:t>(ref </a:t>
+            </a:r>
+            <a:r>
+              <a:rPr lang="en-US" b="1" dirty="0" err="1">
+                <a:latin typeface="Tahoma" panose="020B0604030504040204" pitchFamily="34" charset="0"/>
+                <a:ea typeface="Tahoma" panose="020B0604030504040204" pitchFamily="34" charset="0"/>
+                <a:cs typeface="Tahoma" panose="020B0604030504040204" pitchFamily="34" charset="0"/>
+              </a:rPr>
+              <a:t>ObjRange</a:t>
+            </a:r>
+            <a:r>
+              <a:rPr lang="en-US" b="1" dirty="0">
+                <a:latin typeface="Tahoma" panose="020B0604030504040204" pitchFamily="34" charset="0"/>
+                <a:ea typeface="Tahoma" panose="020B0604030504040204" pitchFamily="34" charset="0"/>
+                <a:cs typeface="Tahoma" panose="020B0604030504040204" pitchFamily="34" charset="0"/>
+              </a:rPr>
+              <a:t>);</a:t>
+            </a:r>
+            <a:endParaRPr lang="ru-RU" dirty="0">
               <a:latin typeface="Tahoma" panose="020B0604030504040204" pitchFamily="34" charset="0"/>
               <a:ea typeface="Tahoma" panose="020B0604030504040204" pitchFamily="34" charset="0"/>
               <a:cs typeface="Tahoma" panose="020B0604030504040204" pitchFamily="34" charset="0"/>
@@ -11565,19 +11173,79 @@
           </a:p>
           <a:p>
             <a:r>
-              <a:rPr lang="ru-RU" dirty="0" smtClean="0">
-                <a:latin typeface="Tahoma" panose="020B0604030504040204" pitchFamily="34" charset="0"/>
-                <a:ea typeface="Tahoma" panose="020B0604030504040204" pitchFamily="34" charset="0"/>
-                <a:cs typeface="Tahoma" panose="020B0604030504040204" pitchFamily="34" charset="0"/>
-              </a:rPr>
-              <a:t>	е</a:t>
-            </a:r>
-            <a:r>
               <a:rPr lang="ru-RU" dirty="0">
                 <a:latin typeface="Tahoma" panose="020B0604030504040204" pitchFamily="34" charset="0"/>
                 <a:ea typeface="Tahoma" panose="020B0604030504040204" pitchFamily="34" charset="0"/>
                 <a:cs typeface="Tahoma" panose="020B0604030504040204" pitchFamily="34" charset="0"/>
               </a:rPr>
+              <a:t>	ж) для размещения в абзаце какого-либо текста прописывается</a:t>
+            </a:r>
+          </a:p>
+          <a:p>
+            <a:r>
+              <a:rPr lang="ru-RU" dirty="0">
+                <a:latin typeface="Tahoma" panose="020B0604030504040204" pitchFamily="34" charset="0"/>
+                <a:ea typeface="Tahoma" panose="020B0604030504040204" pitchFamily="34" charset="0"/>
+                <a:cs typeface="Tahoma" panose="020B0604030504040204" pitchFamily="34" charset="0"/>
+              </a:rPr>
+              <a:t>		</a:t>
+            </a:r>
+            <a:r>
+              <a:rPr lang="en-US" b="1" i="1" dirty="0" err="1">
+                <a:latin typeface="Tahoma" panose="020B0604030504040204" pitchFamily="34" charset="0"/>
+                <a:ea typeface="Tahoma" panose="020B0604030504040204" pitchFamily="34" charset="0"/>
+                <a:cs typeface="Tahoma" panose="020B0604030504040204" pitchFamily="34" charset="0"/>
+              </a:rPr>
+              <a:t>ObjParagraph.Range.Text</a:t>
+            </a:r>
+            <a:r>
+              <a:rPr lang="en-US" b="1" i="1" dirty="0">
+                <a:latin typeface="Tahoma" panose="020B0604030504040204" pitchFamily="34" charset="0"/>
+                <a:ea typeface="Tahoma" panose="020B0604030504040204" pitchFamily="34" charset="0"/>
+                <a:cs typeface="Tahoma" panose="020B0604030504040204" pitchFamily="34" charset="0"/>
+              </a:rPr>
+              <a:t> = “</a:t>
+            </a:r>
+            <a:r>
+              <a:rPr lang="ru-RU" b="1" i="1" dirty="0">
+                <a:latin typeface="Tahoma" panose="020B0604030504040204" pitchFamily="34" charset="0"/>
+                <a:ea typeface="Tahoma" panose="020B0604030504040204" pitchFamily="34" charset="0"/>
+                <a:cs typeface="Tahoma" panose="020B0604030504040204" pitchFamily="34" charset="0"/>
+              </a:rPr>
+              <a:t>Какой-либо текст</a:t>
+            </a:r>
+            <a:r>
+              <a:rPr lang="en-US" b="1" i="1" dirty="0">
+                <a:latin typeface="Tahoma" panose="020B0604030504040204" pitchFamily="34" charset="0"/>
+                <a:ea typeface="Tahoma" panose="020B0604030504040204" pitchFamily="34" charset="0"/>
+                <a:cs typeface="Tahoma" panose="020B0604030504040204" pitchFamily="34" charset="0"/>
+              </a:rPr>
+              <a:t>”;</a:t>
+            </a:r>
+          </a:p>
+          <a:p>
+            <a:r>
+              <a:rPr lang="ru-RU" dirty="0">
+                <a:latin typeface="Tahoma" panose="020B0604030504040204" pitchFamily="34" charset="0"/>
+                <a:ea typeface="Tahoma" panose="020B0604030504040204" pitchFamily="34" charset="0"/>
+                <a:cs typeface="Tahoma" panose="020B0604030504040204" pitchFamily="34" charset="0"/>
+              </a:rPr>
+              <a:t> 	з) выполняется сохранение файла (например, в той же директории, 	где размещён исполняемый (</a:t>
+            </a:r>
+            <a:r>
+              <a:rPr lang="en-US" i="1" dirty="0">
+                <a:latin typeface="Tahoma" panose="020B0604030504040204" pitchFamily="34" charset="0"/>
+                <a:ea typeface="Tahoma" panose="020B0604030504040204" pitchFamily="34" charset="0"/>
+                <a:cs typeface="Tahoma" panose="020B0604030504040204" pitchFamily="34" charset="0"/>
+              </a:rPr>
+              <a:t>exe</a:t>
+            </a:r>
+            <a:r>
+              <a:rPr lang="ru-RU" dirty="0">
+                <a:latin typeface="Tahoma" panose="020B0604030504040204" pitchFamily="34" charset="0"/>
+                <a:ea typeface="Tahoma" panose="020B0604030504040204" pitchFamily="34" charset="0"/>
+                <a:cs typeface="Tahoma" panose="020B0604030504040204" pitchFamily="34" charset="0"/>
+              </a:rPr>
               <a:t>)</a:t>
             </a:r>
             <a:r>
@@ -11594,107 +11262,51 @@
                 <a:ea typeface="Tahoma" panose="020B0604030504040204" pitchFamily="34" charset="0"/>
                 <a:cs typeface="Tahoma" panose="020B0604030504040204" pitchFamily="34" charset="0"/>
               </a:rPr>
-              <a:t>в</a:t>
-            </a:r>
-            <a:r>
-              <a:rPr lang="ru-RU" dirty="0" smtClean="0">
-                <a:latin typeface="Tahoma" panose="020B0604030504040204" pitchFamily="34" charset="0"/>
-                <a:ea typeface="Tahoma" panose="020B0604030504040204" pitchFamily="34" charset="0"/>
-                <a:cs typeface="Tahoma" panose="020B0604030504040204" pitchFamily="34" charset="0"/>
-              </a:rPr>
-              <a:t> </a:t>
-            </a:r>
+              <a:t>файл)</a:t>
+            </a:r>
+          </a:p>
+          <a:p>
             <a:r>
               <a:rPr lang="ru-RU" dirty="0">
                 <a:latin typeface="Tahoma" panose="020B0604030504040204" pitchFamily="34" charset="0"/>
                 <a:ea typeface="Tahoma" panose="020B0604030504040204" pitchFamily="34" charset="0"/>
                 <a:cs typeface="Tahoma" panose="020B0604030504040204" pitchFamily="34" charset="0"/>
               </a:rPr>
-              <a:t>указанной рабочей области создаётся новый абзац</a:t>
-            </a:r>
-          </a:p>
-          <a:p>
-            <a:r>
-              <a:rPr lang="ru-RU" b="1" dirty="0">
-                <a:latin typeface="Tahoma" panose="020B0604030504040204" pitchFamily="34" charset="0"/>
-                <a:ea typeface="Tahoma" panose="020B0604030504040204" pitchFamily="34" charset="0"/>
-                <a:cs typeface="Tahoma" panose="020B0604030504040204" pitchFamily="34" charset="0"/>
-              </a:rPr>
               <a:t>		</a:t>
             </a:r>
             <a:r>
-              <a:rPr lang="en-US" b="1" dirty="0" err="1">
-                <a:latin typeface="Tahoma" panose="020B0604030504040204" pitchFamily="34" charset="0"/>
-                <a:ea typeface="Tahoma" panose="020B0604030504040204" pitchFamily="34" charset="0"/>
-                <a:cs typeface="Tahoma" panose="020B0604030504040204" pitchFamily="34" charset="0"/>
-              </a:rPr>
-              <a:t>Word.Paragraph</a:t>
-            </a:r>
-            <a:r>
-              <a:rPr lang="en-US" b="1" dirty="0">
-                <a:latin typeface="Tahoma" panose="020B0604030504040204" pitchFamily="34" charset="0"/>
-                <a:ea typeface="Tahoma" panose="020B0604030504040204" pitchFamily="34" charset="0"/>
-                <a:cs typeface="Tahoma" panose="020B0604030504040204" pitchFamily="34" charset="0"/>
-              </a:rPr>
-              <a:t> </a:t>
-            </a:r>
-            <a:r>
-              <a:rPr lang="en-US" b="1" dirty="0" err="1">
-                <a:latin typeface="Tahoma" panose="020B0604030504040204" pitchFamily="34" charset="0"/>
-                <a:ea typeface="Tahoma" panose="020B0604030504040204" pitchFamily="34" charset="0"/>
-                <a:cs typeface="Tahoma" panose="020B0604030504040204" pitchFamily="34" charset="0"/>
-              </a:rPr>
-              <a:t>ObjParagraph</a:t>
-            </a:r>
-            <a:r>
-              <a:rPr lang="en-US" b="1" dirty="0">
-                <a:latin typeface="Tahoma" panose="020B0604030504040204" pitchFamily="34" charset="0"/>
-                <a:ea typeface="Tahoma" panose="020B0604030504040204" pitchFamily="34" charset="0"/>
-                <a:cs typeface="Tahoma" panose="020B0604030504040204" pitchFamily="34" charset="0"/>
-              </a:rPr>
-              <a:t> = </a:t>
-            </a:r>
-            <a:r>
-              <a:rPr lang="ru-RU" b="1" dirty="0" smtClean="0">
-                <a:latin typeface="Tahoma" panose="020B0604030504040204" pitchFamily="34" charset="0"/>
-                <a:ea typeface="Tahoma" panose="020B0604030504040204" pitchFamily="34" charset="0"/>
-                <a:cs typeface="Tahoma" panose="020B0604030504040204" pitchFamily="34" charset="0"/>
-              </a:rPr>
-              <a:t>					</a:t>
-            </a:r>
-            <a:r>
-              <a:rPr lang="en-US" b="1" dirty="0" err="1" smtClean="0">
-                <a:latin typeface="Tahoma" panose="020B0604030504040204" pitchFamily="34" charset="0"/>
-                <a:ea typeface="Tahoma" panose="020B0604030504040204" pitchFamily="34" charset="0"/>
-                <a:cs typeface="Tahoma" panose="020B0604030504040204" pitchFamily="34" charset="0"/>
-              </a:rPr>
-              <a:t>ObjDoc.Content.Paragraphs.Add</a:t>
-            </a:r>
-            <a:r>
-              <a:rPr lang="en-US" b="1" dirty="0" smtClean="0">
-                <a:latin typeface="Tahoma" panose="020B0604030504040204" pitchFamily="34" charset="0"/>
-                <a:ea typeface="Tahoma" panose="020B0604030504040204" pitchFamily="34" charset="0"/>
-                <a:cs typeface="Tahoma" panose="020B0604030504040204" pitchFamily="34" charset="0"/>
-              </a:rPr>
-              <a:t>(ref </a:t>
-            </a:r>
-            <a:r>
-              <a:rPr lang="en-US" b="1" dirty="0" err="1" smtClean="0">
-                <a:latin typeface="Tahoma" panose="020B0604030504040204" pitchFamily="34" charset="0"/>
-                <a:ea typeface="Tahoma" panose="020B0604030504040204" pitchFamily="34" charset="0"/>
-                <a:cs typeface="Tahoma" panose="020B0604030504040204" pitchFamily="34" charset="0"/>
-              </a:rPr>
-              <a:t>ObjRange</a:t>
-            </a:r>
-            <a:r>
-              <a:rPr lang="en-US" b="1" dirty="0" smtClean="0">
-                <a:latin typeface="Tahoma" panose="020B0604030504040204" pitchFamily="34" charset="0"/>
-                <a:ea typeface="Tahoma" panose="020B0604030504040204" pitchFamily="34" charset="0"/>
-                <a:cs typeface="Tahoma" panose="020B0604030504040204" pitchFamily="34" charset="0"/>
-              </a:rPr>
-              <a:t>);</a:t>
-            </a:r>
-            <a:endParaRPr lang="ru-RU" dirty="0" smtClean="0">
+              <a:rPr lang="en-US" b="1" i="1" dirty="0" err="1">
+                <a:latin typeface="Tahoma" panose="020B0604030504040204" pitchFamily="34" charset="0"/>
+                <a:ea typeface="Tahoma" panose="020B0604030504040204" pitchFamily="34" charset="0"/>
+                <a:cs typeface="Tahoma" panose="020B0604030504040204" pitchFamily="34" charset="0"/>
+              </a:rPr>
+              <a:t>ObjDoc.SaveAs</a:t>
+            </a:r>
+            <a:r>
+              <a:rPr lang="en-US" b="1" i="1" dirty="0">
+                <a:latin typeface="Tahoma" panose="020B0604030504040204" pitchFamily="34" charset="0"/>
+                <a:ea typeface="Tahoma" panose="020B0604030504040204" pitchFamily="34" charset="0"/>
+                <a:cs typeface="Tahoma" panose="020B0604030504040204" pitchFamily="34" charset="0"/>
+              </a:rPr>
+              <a:t>(</a:t>
+            </a:r>
+            <a:r>
+              <a:rPr lang="en-US" b="1" i="1" dirty="0" err="1">
+                <a:latin typeface="Tahoma" panose="020B0604030504040204" pitchFamily="34" charset="0"/>
+                <a:ea typeface="Tahoma" panose="020B0604030504040204" pitchFamily="34" charset="0"/>
+                <a:cs typeface="Tahoma" panose="020B0604030504040204" pitchFamily="34" charset="0"/>
+              </a:rPr>
+              <a:t>Application.StartupPath</a:t>
+            </a:r>
+            <a:r>
+              <a:rPr lang="en-US" b="1" i="1" dirty="0">
+                <a:latin typeface="Tahoma" panose="020B0604030504040204" pitchFamily="34" charset="0"/>
+                <a:ea typeface="Tahoma" panose="020B0604030504040204" pitchFamily="34" charset="0"/>
+                <a:cs typeface="Tahoma" panose="020B0604030504040204" pitchFamily="34" charset="0"/>
+              </a:rPr>
+              <a:t> + </a:t>
+            </a:r>
+            <a:endParaRPr lang="ru-RU" b="1" i="1" dirty="0">
               <a:latin typeface="Tahoma" panose="020B0604030504040204" pitchFamily="34" charset="0"/>
               <a:ea typeface="Tahoma" panose="020B0604030504040204" pitchFamily="34" charset="0"/>
               <a:cs typeface="Tahoma" panose="020B0604030504040204" pitchFamily="34" charset="0"/>
@@ -11702,287 +11314,106 @@
           </a:p>
           <a:p>
             <a:r>
+              <a:rPr lang="ru-RU" b="1" i="1" dirty="0">
+                <a:latin typeface="Tahoma" panose="020B0604030504040204" pitchFamily="34" charset="0"/>
+                <a:ea typeface="Tahoma" panose="020B0604030504040204" pitchFamily="34" charset="0"/>
+                <a:cs typeface="Tahoma" panose="020B0604030504040204" pitchFamily="34" charset="0"/>
+              </a:rPr>
+              <a:t>		</a:t>
+            </a:r>
+            <a:r>
+              <a:rPr lang="en-US" b="1" i="1" dirty="0">
+                <a:latin typeface="Tahoma" panose="020B0604030504040204" pitchFamily="34" charset="0"/>
+                <a:ea typeface="Tahoma" panose="020B0604030504040204" pitchFamily="34" charset="0"/>
+                <a:cs typeface="Tahoma" panose="020B0604030504040204" pitchFamily="34" charset="0"/>
+              </a:rPr>
+              <a:t>@”\” + Name + “.</a:t>
+            </a:r>
+            <a:r>
+              <a:rPr lang="en-US" b="1" i="1" dirty="0" err="1">
+                <a:latin typeface="Tahoma" panose="020B0604030504040204" pitchFamily="34" charset="0"/>
+                <a:ea typeface="Tahoma" panose="020B0604030504040204" pitchFamily="34" charset="0"/>
+                <a:cs typeface="Tahoma" panose="020B0604030504040204" pitchFamily="34" charset="0"/>
+              </a:rPr>
+              <a:t>docx</a:t>
+            </a:r>
+            <a:r>
+              <a:rPr lang="en-US" b="1" i="1" dirty="0">
+                <a:latin typeface="Tahoma" panose="020B0604030504040204" pitchFamily="34" charset="0"/>
+                <a:ea typeface="Tahoma" panose="020B0604030504040204" pitchFamily="34" charset="0"/>
+                <a:cs typeface="Tahoma" panose="020B0604030504040204" pitchFamily="34" charset="0"/>
+              </a:rPr>
+              <a:t>”);</a:t>
+            </a:r>
+          </a:p>
+          <a:p>
+            <a:r>
+              <a:rPr lang="en-US" dirty="0">
+                <a:latin typeface="Tahoma" panose="020B0604030504040204" pitchFamily="34" charset="0"/>
+                <a:ea typeface="Tahoma" panose="020B0604030504040204" pitchFamily="34" charset="0"/>
+                <a:cs typeface="Tahoma" panose="020B0604030504040204" pitchFamily="34" charset="0"/>
+              </a:rPr>
+              <a:t>	</a:t>
+            </a:r>
+            <a:r>
               <a:rPr lang="ru-RU" dirty="0">
                 <a:latin typeface="Tahoma" panose="020B0604030504040204" pitchFamily="34" charset="0"/>
                 <a:ea typeface="Tahoma" panose="020B0604030504040204" pitchFamily="34" charset="0"/>
                 <a:cs typeface="Tahoma" panose="020B0604030504040204" pitchFamily="34" charset="0"/>
               </a:rPr>
-              <a:t>	</a:t>
-            </a:r>
-            <a:r>
-              <a:rPr lang="ru-RU" dirty="0" smtClean="0">
-                <a:latin typeface="Tahoma" panose="020B0604030504040204" pitchFamily="34" charset="0"/>
-                <a:ea typeface="Tahoma" panose="020B0604030504040204" pitchFamily="34" charset="0"/>
-                <a:cs typeface="Tahoma" panose="020B0604030504040204" pitchFamily="34" charset="0"/>
-              </a:rPr>
-              <a:t>ж) для размещения в абзаце какого-либо текста прописывается</a:t>
-            </a:r>
-          </a:p>
-          <a:p>
-            <a:r>
-              <a:rPr lang="ru-RU" dirty="0">
-                <a:latin typeface="Tahoma" panose="020B0604030504040204" pitchFamily="34" charset="0"/>
-                <a:ea typeface="Tahoma" panose="020B0604030504040204" pitchFamily="34" charset="0"/>
-                <a:cs typeface="Tahoma" panose="020B0604030504040204" pitchFamily="34" charset="0"/>
-              </a:rPr>
-              <a:t>	</a:t>
-            </a:r>
-            <a:r>
-              <a:rPr lang="ru-RU" dirty="0" smtClean="0">
-                <a:latin typeface="Tahoma" panose="020B0604030504040204" pitchFamily="34" charset="0"/>
-                <a:ea typeface="Tahoma" panose="020B0604030504040204" pitchFamily="34" charset="0"/>
-                <a:cs typeface="Tahoma" panose="020B0604030504040204" pitchFamily="34" charset="0"/>
-              </a:rPr>
-              <a:t>	</a:t>
-            </a:r>
-            <a:r>
-              <a:rPr lang="en-US" b="1" i="1" dirty="0" err="1" smtClean="0">
-                <a:latin typeface="Tahoma" panose="020B0604030504040204" pitchFamily="34" charset="0"/>
-                <a:ea typeface="Tahoma" panose="020B0604030504040204" pitchFamily="34" charset="0"/>
-                <a:cs typeface="Tahoma" panose="020B0604030504040204" pitchFamily="34" charset="0"/>
-              </a:rPr>
-              <a:t>ObjParagraph.Range.Text</a:t>
-            </a:r>
-            <a:r>
-              <a:rPr lang="en-US" b="1" i="1" dirty="0" smtClean="0">
-                <a:latin typeface="Tahoma" panose="020B0604030504040204" pitchFamily="34" charset="0"/>
-                <a:ea typeface="Tahoma" panose="020B0604030504040204" pitchFamily="34" charset="0"/>
-                <a:cs typeface="Tahoma" panose="020B0604030504040204" pitchFamily="34" charset="0"/>
-              </a:rPr>
-              <a:t> = “</a:t>
-            </a:r>
-            <a:r>
-              <a:rPr lang="ru-RU" b="1" i="1" dirty="0" smtClean="0">
-                <a:latin typeface="Tahoma" panose="020B0604030504040204" pitchFamily="34" charset="0"/>
-                <a:ea typeface="Tahoma" panose="020B0604030504040204" pitchFamily="34" charset="0"/>
-                <a:cs typeface="Tahoma" panose="020B0604030504040204" pitchFamily="34" charset="0"/>
-              </a:rPr>
-              <a:t>Какой-либо текст</a:t>
-            </a:r>
-            <a:r>
-              <a:rPr lang="en-US" b="1" i="1" dirty="0" smtClean="0">
-                <a:latin typeface="Tahoma" panose="020B0604030504040204" pitchFamily="34" charset="0"/>
-                <a:ea typeface="Tahoma" panose="020B0604030504040204" pitchFamily="34" charset="0"/>
-                <a:cs typeface="Tahoma" panose="020B0604030504040204" pitchFamily="34" charset="0"/>
-              </a:rPr>
-              <a:t>”;</a:t>
-            </a:r>
-          </a:p>
-          <a:p>
-            <a:r>
-              <a:rPr lang="ru-RU" dirty="0" smtClean="0">
-                <a:latin typeface="Tahoma" panose="020B0604030504040204" pitchFamily="34" charset="0"/>
-                <a:ea typeface="Tahoma" panose="020B0604030504040204" pitchFamily="34" charset="0"/>
-                <a:cs typeface="Tahoma" panose="020B0604030504040204" pitchFamily="34" charset="0"/>
-              </a:rPr>
-              <a:t> 	з) выполняется сохранение файла (например, в той же директории, 	где размещён исполняемый (</a:t>
-            </a:r>
-            <a:r>
-              <a:rPr lang="en-US" i="1" dirty="0" smtClean="0">
-                <a:latin typeface="Tahoma" panose="020B0604030504040204" pitchFamily="34" charset="0"/>
-                <a:ea typeface="Tahoma" panose="020B0604030504040204" pitchFamily="34" charset="0"/>
-                <a:cs typeface="Tahoma" panose="020B0604030504040204" pitchFamily="34" charset="0"/>
-              </a:rPr>
-              <a:t>exe</a:t>
-            </a:r>
-            <a:r>
-              <a:rPr lang="ru-RU" dirty="0" smtClean="0">
-                <a:latin typeface="Tahoma" panose="020B0604030504040204" pitchFamily="34" charset="0"/>
-                <a:ea typeface="Tahoma" panose="020B0604030504040204" pitchFamily="34" charset="0"/>
-                <a:cs typeface="Tahoma" panose="020B0604030504040204" pitchFamily="34" charset="0"/>
-              </a:rPr>
-              <a:t>)</a:t>
-            </a:r>
-            <a:r>
-              <a:rPr lang="en-US" dirty="0" smtClean="0">
-                <a:latin typeface="Tahoma" panose="020B0604030504040204" pitchFamily="34" charset="0"/>
-                <a:ea typeface="Tahoma" panose="020B0604030504040204" pitchFamily="34" charset="0"/>
-                <a:cs typeface="Tahoma" panose="020B0604030504040204" pitchFamily="34" charset="0"/>
-              </a:rPr>
-              <a:t> </a:t>
-            </a:r>
-            <a:r>
-              <a:rPr lang="ru-RU" dirty="0" smtClean="0">
-                <a:latin typeface="Tahoma" panose="020B0604030504040204" pitchFamily="34" charset="0"/>
-                <a:ea typeface="Tahoma" panose="020B0604030504040204" pitchFamily="34" charset="0"/>
-                <a:cs typeface="Tahoma" panose="020B0604030504040204" pitchFamily="34" charset="0"/>
-              </a:rPr>
-              <a:t>файл)</a:t>
-            </a:r>
-          </a:p>
-          <a:p>
-            <a:r>
-              <a:rPr lang="ru-RU" dirty="0">
-                <a:latin typeface="Tahoma" panose="020B0604030504040204" pitchFamily="34" charset="0"/>
-                <a:ea typeface="Tahoma" panose="020B0604030504040204" pitchFamily="34" charset="0"/>
-                <a:cs typeface="Tahoma" panose="020B0604030504040204" pitchFamily="34" charset="0"/>
-              </a:rPr>
-              <a:t>	</a:t>
-            </a:r>
-            <a:r>
-              <a:rPr lang="ru-RU" dirty="0" smtClean="0">
-                <a:latin typeface="Tahoma" panose="020B0604030504040204" pitchFamily="34" charset="0"/>
-                <a:ea typeface="Tahoma" panose="020B0604030504040204" pitchFamily="34" charset="0"/>
-                <a:cs typeface="Tahoma" panose="020B0604030504040204" pitchFamily="34" charset="0"/>
-              </a:rPr>
-              <a:t>	</a:t>
-            </a:r>
-            <a:r>
-              <a:rPr lang="en-US" b="1" i="1" dirty="0" err="1" smtClean="0">
-                <a:latin typeface="Tahoma" panose="020B0604030504040204" pitchFamily="34" charset="0"/>
-                <a:ea typeface="Tahoma" panose="020B0604030504040204" pitchFamily="34" charset="0"/>
-                <a:cs typeface="Tahoma" panose="020B0604030504040204" pitchFamily="34" charset="0"/>
-              </a:rPr>
-              <a:t>ObjDoc.SaveAs</a:t>
-            </a:r>
-            <a:r>
-              <a:rPr lang="en-US" b="1" i="1" dirty="0" smtClean="0">
-                <a:latin typeface="Tahoma" panose="020B0604030504040204" pitchFamily="34" charset="0"/>
-                <a:ea typeface="Tahoma" panose="020B0604030504040204" pitchFamily="34" charset="0"/>
-                <a:cs typeface="Tahoma" panose="020B0604030504040204" pitchFamily="34" charset="0"/>
-              </a:rPr>
-              <a:t>(</a:t>
-            </a:r>
-            <a:r>
-              <a:rPr lang="en-US" b="1" i="1" dirty="0" err="1" smtClean="0">
-                <a:latin typeface="Tahoma" panose="020B0604030504040204" pitchFamily="34" charset="0"/>
-                <a:ea typeface="Tahoma" panose="020B0604030504040204" pitchFamily="34" charset="0"/>
-                <a:cs typeface="Tahoma" panose="020B0604030504040204" pitchFamily="34" charset="0"/>
-              </a:rPr>
-              <a:t>Application.StartupPath</a:t>
-            </a:r>
-            <a:r>
-              <a:rPr lang="en-US" b="1" i="1" dirty="0" smtClean="0">
-                <a:latin typeface="Tahoma" panose="020B0604030504040204" pitchFamily="34" charset="0"/>
-                <a:ea typeface="Tahoma" panose="020B0604030504040204" pitchFamily="34" charset="0"/>
-                <a:cs typeface="Tahoma" panose="020B0604030504040204" pitchFamily="34" charset="0"/>
-              </a:rPr>
-              <a:t> + </a:t>
-            </a:r>
-            <a:endParaRPr lang="ru-RU" b="1" i="1" dirty="0" smtClean="0">
+              <a:t>и) закрыть документ </a:t>
+            </a:r>
+            <a:r>
+              <a:rPr lang="en-US" i="1" dirty="0">
+                <a:latin typeface="Tahoma" panose="020B0604030504040204" pitchFamily="34" charset="0"/>
+                <a:ea typeface="Tahoma" panose="020B0604030504040204" pitchFamily="34" charset="0"/>
+                <a:cs typeface="Tahoma" panose="020B0604030504040204" pitchFamily="34" charset="0"/>
+              </a:rPr>
+              <a:t>Word</a:t>
+            </a:r>
+          </a:p>
+          <a:p>
+            <a:r>
+              <a:rPr lang="en-US" i="1" dirty="0">
+                <a:latin typeface="Tahoma" panose="020B0604030504040204" pitchFamily="34" charset="0"/>
+                <a:ea typeface="Tahoma" panose="020B0604030504040204" pitchFamily="34" charset="0"/>
+                <a:cs typeface="Tahoma" panose="020B0604030504040204" pitchFamily="34" charset="0"/>
+              </a:rPr>
+              <a:t>		</a:t>
+            </a:r>
+            <a:r>
+              <a:rPr lang="en-US" b="1" i="1" dirty="0" err="1">
+                <a:latin typeface="Tahoma" panose="020B0604030504040204" pitchFamily="34" charset="0"/>
+                <a:ea typeface="Tahoma" panose="020B0604030504040204" pitchFamily="34" charset="0"/>
+                <a:cs typeface="Tahoma" panose="020B0604030504040204" pitchFamily="34" charset="0"/>
+              </a:rPr>
+              <a:t>ObjDoc.Close</a:t>
+            </a:r>
+            <a:r>
+              <a:rPr lang="en-US" b="1" i="1" dirty="0">
+                <a:latin typeface="Tahoma" panose="020B0604030504040204" pitchFamily="34" charset="0"/>
+                <a:ea typeface="Tahoma" panose="020B0604030504040204" pitchFamily="34" charset="0"/>
+                <a:cs typeface="Tahoma" panose="020B0604030504040204" pitchFamily="34" charset="0"/>
+              </a:rPr>
+              <a:t>();</a:t>
+            </a:r>
+            <a:endParaRPr lang="en-US" i="1" dirty="0">
               <a:latin typeface="Tahoma" panose="020B0604030504040204" pitchFamily="34" charset="0"/>
               <a:ea typeface="Tahoma" panose="020B0604030504040204" pitchFamily="34" charset="0"/>
               <a:cs typeface="Tahoma" panose="020B0604030504040204" pitchFamily="34" charset="0"/>
             </a:endParaRPr>
           </a:p>
           <a:p>
-            <a:r>
-              <a:rPr lang="ru-RU" b="1" i="1" dirty="0">
-                <a:latin typeface="Tahoma" panose="020B0604030504040204" pitchFamily="34" charset="0"/>
-                <a:ea typeface="Tahoma" panose="020B0604030504040204" pitchFamily="34" charset="0"/>
-                <a:cs typeface="Tahoma" panose="020B0604030504040204" pitchFamily="34" charset="0"/>
-              </a:rPr>
-              <a:t>	</a:t>
-            </a:r>
-            <a:r>
-              <a:rPr lang="ru-RU" b="1" i="1" dirty="0" smtClean="0">
-                <a:latin typeface="Tahoma" panose="020B0604030504040204" pitchFamily="34" charset="0"/>
-                <a:ea typeface="Tahoma" panose="020B0604030504040204" pitchFamily="34" charset="0"/>
-                <a:cs typeface="Tahoma" panose="020B0604030504040204" pitchFamily="34" charset="0"/>
-              </a:rPr>
-              <a:t>	</a:t>
-            </a:r>
-            <a:r>
-              <a:rPr lang="en-US" b="1" i="1" dirty="0" smtClean="0">
-                <a:latin typeface="Tahoma" panose="020B0604030504040204" pitchFamily="34" charset="0"/>
-                <a:ea typeface="Tahoma" panose="020B0604030504040204" pitchFamily="34" charset="0"/>
-                <a:cs typeface="Tahoma" panose="020B0604030504040204" pitchFamily="34" charset="0"/>
-              </a:rPr>
-              <a:t>@”\” + Name + “.</a:t>
-            </a:r>
-            <a:r>
-              <a:rPr lang="en-US" b="1" i="1" dirty="0" err="1" smtClean="0">
-                <a:latin typeface="Tahoma" panose="020B0604030504040204" pitchFamily="34" charset="0"/>
-                <a:ea typeface="Tahoma" panose="020B0604030504040204" pitchFamily="34" charset="0"/>
-                <a:cs typeface="Tahoma" panose="020B0604030504040204" pitchFamily="34" charset="0"/>
-              </a:rPr>
-              <a:t>docx</a:t>
-            </a:r>
-            <a:r>
-              <a:rPr lang="en-US" b="1" i="1" dirty="0" smtClean="0">
-                <a:latin typeface="Tahoma" panose="020B0604030504040204" pitchFamily="34" charset="0"/>
-                <a:ea typeface="Tahoma" panose="020B0604030504040204" pitchFamily="34" charset="0"/>
-                <a:cs typeface="Tahoma" panose="020B0604030504040204" pitchFamily="34" charset="0"/>
-              </a:rPr>
-              <a:t>”);</a:t>
-            </a:r>
-          </a:p>
-          <a:p>
-            <a:r>
-              <a:rPr lang="en-US" dirty="0" smtClean="0">
-                <a:latin typeface="Tahoma" panose="020B0604030504040204" pitchFamily="34" charset="0"/>
-                <a:ea typeface="Tahoma" panose="020B0604030504040204" pitchFamily="34" charset="0"/>
-                <a:cs typeface="Tahoma" panose="020B0604030504040204" pitchFamily="34" charset="0"/>
-              </a:rPr>
-              <a:t>	</a:t>
-            </a:r>
-            <a:r>
-              <a:rPr lang="ru-RU" dirty="0" smtClean="0">
-                <a:latin typeface="Tahoma" panose="020B0604030504040204" pitchFamily="34" charset="0"/>
-                <a:ea typeface="Tahoma" panose="020B0604030504040204" pitchFamily="34" charset="0"/>
-                <a:cs typeface="Tahoma" panose="020B0604030504040204" pitchFamily="34" charset="0"/>
-              </a:rPr>
-              <a:t>и) закрыть документ </a:t>
-            </a:r>
-            <a:r>
-              <a:rPr lang="en-US" i="1" dirty="0" smtClean="0">
-                <a:latin typeface="Tahoma" panose="020B0604030504040204" pitchFamily="34" charset="0"/>
-                <a:ea typeface="Tahoma" panose="020B0604030504040204" pitchFamily="34" charset="0"/>
-                <a:cs typeface="Tahoma" panose="020B0604030504040204" pitchFamily="34" charset="0"/>
-              </a:rPr>
-              <a:t>Word</a:t>
-            </a:r>
-          </a:p>
-          <a:p>
-            <a:r>
-              <a:rPr lang="en-US" i="1" dirty="0">
-                <a:latin typeface="Tahoma" panose="020B0604030504040204" pitchFamily="34" charset="0"/>
-                <a:ea typeface="Tahoma" panose="020B0604030504040204" pitchFamily="34" charset="0"/>
-                <a:cs typeface="Tahoma" panose="020B0604030504040204" pitchFamily="34" charset="0"/>
-              </a:rPr>
-              <a:t>	</a:t>
-            </a:r>
-            <a:r>
-              <a:rPr lang="en-US" i="1" dirty="0" smtClean="0">
-                <a:latin typeface="Tahoma" panose="020B0604030504040204" pitchFamily="34" charset="0"/>
-                <a:ea typeface="Tahoma" panose="020B0604030504040204" pitchFamily="34" charset="0"/>
-                <a:cs typeface="Tahoma" panose="020B0604030504040204" pitchFamily="34" charset="0"/>
-              </a:rPr>
-              <a:t>	</a:t>
-            </a:r>
-            <a:r>
-              <a:rPr lang="en-US" b="1" i="1" dirty="0" err="1" smtClean="0">
-                <a:latin typeface="Tahoma" panose="020B0604030504040204" pitchFamily="34" charset="0"/>
-                <a:ea typeface="Tahoma" panose="020B0604030504040204" pitchFamily="34" charset="0"/>
-                <a:cs typeface="Tahoma" panose="020B0604030504040204" pitchFamily="34" charset="0"/>
-              </a:rPr>
-              <a:t>ObjDoc.Close</a:t>
-            </a:r>
-            <a:r>
-              <a:rPr lang="en-US" b="1" i="1" dirty="0" smtClean="0">
-                <a:latin typeface="Tahoma" panose="020B0604030504040204" pitchFamily="34" charset="0"/>
-                <a:ea typeface="Tahoma" panose="020B0604030504040204" pitchFamily="34" charset="0"/>
-                <a:cs typeface="Tahoma" panose="020B0604030504040204" pitchFamily="34" charset="0"/>
-              </a:rPr>
-              <a:t>();</a:t>
-            </a:r>
-            <a:endParaRPr lang="en-US" i="1" dirty="0" smtClean="0">
+            <a:endParaRPr lang="en-US" dirty="0">
               <a:latin typeface="Tahoma" panose="020B0604030504040204" pitchFamily="34" charset="0"/>
               <a:ea typeface="Tahoma" panose="020B0604030504040204" pitchFamily="34" charset="0"/>
               <a:cs typeface="Tahoma" panose="020B0604030504040204" pitchFamily="34" charset="0"/>
             </a:endParaRPr>
           </a:p>
           <a:p>
-            <a:endParaRPr lang="en-US" dirty="0" smtClean="0">
-              <a:latin typeface="Tahoma" panose="020B0604030504040204" pitchFamily="34" charset="0"/>
-              <a:ea typeface="Tahoma" panose="020B0604030504040204" pitchFamily="34" charset="0"/>
-              <a:cs typeface="Tahoma" panose="020B0604030504040204" pitchFamily="34" charset="0"/>
-            </a:endParaRPr>
-          </a:p>
-          <a:p>
             <a:pPr algn="just"/>
             <a:r>
-              <a:rPr lang="ru-RU" dirty="0" smtClean="0">
+              <a:rPr lang="ru-RU" dirty="0">
                 <a:latin typeface="Tahoma" panose="020B0604030504040204" pitchFamily="34" charset="0"/>
                 <a:ea typeface="Tahoma" panose="020B0604030504040204" pitchFamily="34" charset="0"/>
                 <a:cs typeface="Tahoma" panose="020B0604030504040204" pitchFamily="34" charset="0"/>
@@ -11990,7 +11421,7 @@
               <a:t>В переменную </a:t>
             </a:r>
             <a:r>
-              <a:rPr lang="en-US" i="1" dirty="0" smtClean="0">
+              <a:rPr lang="en-US" i="1" dirty="0">
                 <a:latin typeface="Tahoma" panose="020B0604030504040204" pitchFamily="34" charset="0"/>
                 <a:ea typeface="Tahoma" panose="020B0604030504040204" pitchFamily="34" charset="0"/>
                 <a:cs typeface="Tahoma" panose="020B0604030504040204" pitchFamily="34" charset="0"/>
@@ -11998,7 +11429,7 @@
               <a:t>Name</a:t>
             </a:r>
             <a:r>
-              <a:rPr lang="en-US" dirty="0" smtClean="0">
+              <a:rPr lang="en-US" dirty="0">
                 <a:latin typeface="Tahoma" panose="020B0604030504040204" pitchFamily="34" charset="0"/>
                 <a:ea typeface="Tahoma" panose="020B0604030504040204" pitchFamily="34" charset="0"/>
                 <a:cs typeface="Tahoma" panose="020B0604030504040204" pitchFamily="34" charset="0"/>
@@ -12006,7 +11437,7 @@
               <a:t> </a:t>
             </a:r>
             <a:r>
-              <a:rPr lang="ru-RU" dirty="0" smtClean="0">
+              <a:rPr lang="ru-RU" dirty="0">
                 <a:latin typeface="Tahoma" panose="020B0604030504040204" pitchFamily="34" charset="0"/>
                 <a:ea typeface="Tahoma" panose="020B0604030504040204" pitchFamily="34" charset="0"/>
                 <a:cs typeface="Tahoma" panose="020B0604030504040204" pitchFamily="34" charset="0"/>
@@ -12026,13 +11457,6 @@
   <p:clrMapOvr>
     <a:masterClrMapping/>
   </p:clrMapOvr>
-  <p:timing>
-    <p:tnLst>
-      <p:par>
-        <p:cTn id="1" dur="indefinite" restart="never" nodeType="tmRoot"/>
-      </p:par>
-    </p:tnLst>
-  </p:timing>
 </p:sld>
 </file>
 
@@ -12077,18 +11501,13 @@
           <a:p>
             <a:pPr algn="ctr"/>
             <a:r>
-              <a:rPr lang="ru-RU" sz="2800" b="1" dirty="0" smtClean="0">
+              <a:rPr lang="ru-RU" sz="2800" b="1" dirty="0">
                 <a:latin typeface="Tahoma" panose="020B0604030504040204" pitchFamily="34" charset="0"/>
                 <a:ea typeface="Tahoma" panose="020B0604030504040204" pitchFamily="34" charset="0"/>
                 <a:cs typeface="Tahoma" panose="020B0604030504040204" pitchFamily="34" charset="0"/>
               </a:rPr>
               <a:t>Пример работы с абзацами</a:t>
             </a:r>
-            <a:endParaRPr lang="ru-RU" sz="2800" b="1" dirty="0">
-              <a:latin typeface="Tahoma" panose="020B0604030504040204" pitchFamily="34" charset="0"/>
-              <a:ea typeface="Tahoma" panose="020B0604030504040204" pitchFamily="34" charset="0"/>
-              <a:cs typeface="Tahoma" panose="020B0604030504040204" pitchFamily="34" charset="0"/>
-            </a:endParaRPr>
           </a:p>
         </p:txBody>
       </p:sp>
@@ -12102,13 +11521,6 @@
   <p:clrMapOvr>
     <a:masterClrMapping/>
   </p:clrMapOvr>
-  <p:timing>
-    <p:tnLst>
-      <p:par>
-        <p:cTn id="1" dur="indefinite" restart="never" nodeType="tmRoot"/>
-      </p:par>
-    </p:tnLst>
-  </p:timing>
 </p:sld>
 </file>
 
@@ -12164,7 +11576,7 @@
           <a:lstStyle/>
           <a:p>
             <a:r>
-              <a:rPr lang="ru-RU" dirty="0" smtClean="0">
+              <a:rPr lang="ru-RU" dirty="0">
                 <a:latin typeface="Tahoma" panose="020B0604030504040204" pitchFamily="34" charset="0"/>
                 <a:ea typeface="Tahoma" panose="020B0604030504040204" pitchFamily="34" charset="0"/>
                 <a:cs typeface="Tahoma" panose="020B0604030504040204" pitchFamily="34" charset="0"/>
@@ -12180,13 +11592,6 @@
             </a:endParaRPr>
           </a:p>
           <a:p>
-            <a:endParaRPr lang="ru-RU" dirty="0" smtClean="0">
-              <a:latin typeface="Tahoma" panose="020B0604030504040204" pitchFamily="34" charset="0"/>
-              <a:ea typeface="Tahoma" panose="020B0604030504040204" pitchFamily="34" charset="0"/>
-              <a:cs typeface="Tahoma" panose="020B0604030504040204" pitchFamily="34" charset="0"/>
-            </a:endParaRPr>
-          </a:p>
-          <a:p>
             <a:endParaRPr lang="ru-RU" dirty="0">
               <a:latin typeface="Tahoma" panose="020B0604030504040204" pitchFamily="34" charset="0"/>
               <a:ea typeface="Tahoma" panose="020B0604030504040204" pitchFamily="34" charset="0"/>
@@ -12194,13 +11599,6 @@
             </a:endParaRPr>
           </a:p>
           <a:p>
-            <a:endParaRPr lang="ru-RU" dirty="0" smtClean="0">
-              <a:latin typeface="Tahoma" panose="020B0604030504040204" pitchFamily="34" charset="0"/>
-              <a:ea typeface="Tahoma" panose="020B0604030504040204" pitchFamily="34" charset="0"/>
-              <a:cs typeface="Tahoma" panose="020B0604030504040204" pitchFamily="34" charset="0"/>
-            </a:endParaRPr>
-          </a:p>
-          <a:p>
             <a:endParaRPr lang="ru-RU" dirty="0">
               <a:latin typeface="Tahoma" panose="020B0604030504040204" pitchFamily="34" charset="0"/>
               <a:ea typeface="Tahoma" panose="020B0604030504040204" pitchFamily="34" charset="0"/>
@@ -12208,13 +11606,6 @@
             </a:endParaRPr>
           </a:p>
           <a:p>
-            <a:endParaRPr lang="ru-RU" dirty="0" smtClean="0">
-              <a:latin typeface="Tahoma" panose="020B0604030504040204" pitchFamily="34" charset="0"/>
-              <a:ea typeface="Tahoma" panose="020B0604030504040204" pitchFamily="34" charset="0"/>
-              <a:cs typeface="Tahoma" panose="020B0604030504040204" pitchFamily="34" charset="0"/>
-            </a:endParaRPr>
-          </a:p>
-          <a:p>
             <a:endParaRPr lang="ru-RU" dirty="0">
               <a:latin typeface="Tahoma" panose="020B0604030504040204" pitchFamily="34" charset="0"/>
               <a:ea typeface="Tahoma" panose="020B0604030504040204" pitchFamily="34" charset="0"/>
@@ -12222,13 +11613,6 @@
             </a:endParaRPr>
           </a:p>
           <a:p>
-            <a:endParaRPr lang="ru-RU" dirty="0" smtClean="0">
-              <a:latin typeface="Tahoma" panose="020B0604030504040204" pitchFamily="34" charset="0"/>
-              <a:ea typeface="Tahoma" panose="020B0604030504040204" pitchFamily="34" charset="0"/>
-              <a:cs typeface="Tahoma" panose="020B0604030504040204" pitchFamily="34" charset="0"/>
-            </a:endParaRPr>
-          </a:p>
-          <a:p>
             <a:endParaRPr lang="ru-RU" dirty="0">
               <a:latin typeface="Tahoma" panose="020B0604030504040204" pitchFamily="34" charset="0"/>
               <a:ea typeface="Tahoma" panose="020B0604030504040204" pitchFamily="34" charset="0"/>
@@ -12236,43 +11620,50 @@
             </a:endParaRPr>
           </a:p>
           <a:p>
-            <a:endParaRPr lang="ru-RU" dirty="0" smtClean="0">
-              <a:latin typeface="Tahoma" panose="020B0604030504040204" pitchFamily="34" charset="0"/>
-              <a:ea typeface="Tahoma" panose="020B0604030504040204" pitchFamily="34" charset="0"/>
-              <a:cs typeface="Tahoma" panose="020B0604030504040204" pitchFamily="34" charset="0"/>
-            </a:endParaRPr>
-          </a:p>
-          <a:p>
-            <a:r>
-              <a:rPr lang="ru-RU" dirty="0" smtClean="0">
-                <a:latin typeface="Tahoma" panose="020B0604030504040204" pitchFamily="34" charset="0"/>
-                <a:ea typeface="Tahoma" panose="020B0604030504040204" pitchFamily="34" charset="0"/>
-                <a:cs typeface="Tahoma" panose="020B0604030504040204" pitchFamily="34" charset="0"/>
-              </a:rPr>
-              <a:t>Процедура </a:t>
-            </a:r>
-            <a:r>
-              <a:rPr lang="ru-RU" dirty="0">
-                <a:latin typeface="Tahoma" panose="020B0604030504040204" pitchFamily="34" charset="0"/>
-                <a:ea typeface="Tahoma" panose="020B0604030504040204" pitchFamily="34" charset="0"/>
-                <a:cs typeface="Tahoma" panose="020B0604030504040204" pitchFamily="34" charset="0"/>
-              </a:rPr>
-              <a:t>для вставки нужного количества отступов </a:t>
-            </a:r>
-            <a:r>
-              <a:rPr lang="ru-RU" dirty="0" smtClean="0">
-                <a:latin typeface="Tahoma" panose="020B0604030504040204" pitchFamily="34" charset="0"/>
-                <a:ea typeface="Tahoma" panose="020B0604030504040204" pitchFamily="34" charset="0"/>
-                <a:cs typeface="Tahoma" panose="020B0604030504040204" pitchFamily="34" charset="0"/>
-              </a:rPr>
-              <a:t>после абзаца:</a:t>
-            </a:r>
             <a:endParaRPr lang="ru-RU" dirty="0">
               <a:latin typeface="Tahoma" panose="020B0604030504040204" pitchFamily="34" charset="0"/>
               <a:ea typeface="Tahoma" panose="020B0604030504040204" pitchFamily="34" charset="0"/>
               <a:cs typeface="Tahoma" panose="020B0604030504040204" pitchFamily="34" charset="0"/>
             </a:endParaRPr>
           </a:p>
+          <a:p>
+            <a:endParaRPr lang="ru-RU" dirty="0">
+              <a:latin typeface="Tahoma" panose="020B0604030504040204" pitchFamily="34" charset="0"/>
+              <a:ea typeface="Tahoma" panose="020B0604030504040204" pitchFamily="34" charset="0"/>
+              <a:cs typeface="Tahoma" panose="020B0604030504040204" pitchFamily="34" charset="0"/>
+            </a:endParaRPr>
+          </a:p>
+          <a:p>
+            <a:endParaRPr lang="ru-RU" dirty="0">
+              <a:latin typeface="Tahoma" panose="020B0604030504040204" pitchFamily="34" charset="0"/>
+              <a:ea typeface="Tahoma" panose="020B0604030504040204" pitchFamily="34" charset="0"/>
+              <a:cs typeface="Tahoma" panose="020B0604030504040204" pitchFamily="34" charset="0"/>
+            </a:endParaRPr>
+          </a:p>
+          <a:p>
+            <a:endParaRPr lang="ru-RU" dirty="0">
+              <a:latin typeface="Tahoma" panose="020B0604030504040204" pitchFamily="34" charset="0"/>
+              <a:ea typeface="Tahoma" panose="020B0604030504040204" pitchFamily="34" charset="0"/>
+              <a:cs typeface="Tahoma" panose="020B0604030504040204" pitchFamily="34" charset="0"/>
+            </a:endParaRPr>
+          </a:p>
+          <a:p>
+            <a:endParaRPr lang="ru-RU" dirty="0">
+              <a:latin typeface="Tahoma" panose="020B0604030504040204" pitchFamily="34" charset="0"/>
+              <a:ea typeface="Tahoma" panose="020B0604030504040204" pitchFamily="34" charset="0"/>
+              <a:cs typeface="Tahoma" panose="020B0604030504040204" pitchFamily="34" charset="0"/>
+            </a:endParaRPr>
+          </a:p>
+          <a:p>
+            <a:r>
+              <a:rPr lang="ru-RU" dirty="0">
+                <a:latin typeface="Tahoma" panose="020B0604030504040204" pitchFamily="34" charset="0"/>
+                <a:ea typeface="Tahoma" panose="020B0604030504040204" pitchFamily="34" charset="0"/>
+                <a:cs typeface="Tahoma" panose="020B0604030504040204" pitchFamily="34" charset="0"/>
+              </a:rPr>
+              <a:t>Процедура для вставки нужного количества отступов после абзаца:</a:t>
+            </a:r>
+          </a:p>
         </p:txBody>
       </p:sp>
       <p:sp>
@@ -12299,18 +11690,13 @@
           <a:p>
             <a:pPr algn="ctr"/>
             <a:r>
-              <a:rPr lang="ru-RU" sz="2800" b="1" dirty="0" smtClean="0">
+              <a:rPr lang="ru-RU" sz="2800" b="1" dirty="0">
                 <a:latin typeface="Tahoma" panose="020B0604030504040204" pitchFamily="34" charset="0"/>
                 <a:ea typeface="Tahoma" panose="020B0604030504040204" pitchFamily="34" charset="0"/>
                 <a:cs typeface="Tahoma" panose="020B0604030504040204" pitchFamily="34" charset="0"/>
               </a:rPr>
               <a:t>Пример работы с абзацами</a:t>
             </a:r>
-            <a:endParaRPr lang="ru-RU" sz="2800" b="1" dirty="0">
-              <a:latin typeface="Tahoma" panose="020B0604030504040204" pitchFamily="34" charset="0"/>
-              <a:ea typeface="Tahoma" panose="020B0604030504040204" pitchFamily="34" charset="0"/>
-              <a:cs typeface="Tahoma" panose="020B0604030504040204" pitchFamily="34" charset="0"/>
-            </a:endParaRPr>
           </a:p>
         </p:txBody>
       </p:sp>
@@ -12422,13 +11808,6 @@
   <p:clrMapOvr>
     <a:masterClrMapping/>
   </p:clrMapOvr>
-  <p:timing>
-    <p:tnLst>
-      <p:par>
-        <p:cTn id="1" dur="indefinite" restart="never" nodeType="tmRoot"/>
-      </p:par>
-    </p:tnLst>
-  </p:timing>
 </p:sld>
 </file>
 
@@ -12473,18 +11852,13 @@
           <a:p>
             <a:pPr algn="ctr"/>
             <a:r>
-              <a:rPr lang="ru-RU" sz="2800" b="1" dirty="0" smtClean="0">
+              <a:rPr lang="ru-RU" sz="2800" b="1" dirty="0">
                 <a:latin typeface="Tahoma" panose="020B0604030504040204" pitchFamily="34" charset="0"/>
                 <a:ea typeface="Tahoma" panose="020B0604030504040204" pitchFamily="34" charset="0"/>
                 <a:cs typeface="Tahoma" panose="020B0604030504040204" pitchFamily="34" charset="0"/>
               </a:rPr>
               <a:t>Пример работы с абзацами</a:t>
             </a:r>
-            <a:endParaRPr lang="ru-RU" sz="2800" b="1" dirty="0">
-              <a:latin typeface="Tahoma" panose="020B0604030504040204" pitchFamily="34" charset="0"/>
-              <a:ea typeface="Tahoma" panose="020B0604030504040204" pitchFamily="34" charset="0"/>
-              <a:cs typeface="Tahoma" panose="020B0604030504040204" pitchFamily="34" charset="0"/>
-            </a:endParaRPr>
           </a:p>
         </p:txBody>
       </p:sp>
@@ -12596,13 +11970,6 @@
   <p:clrMapOvr>
     <a:masterClrMapping/>
   </p:clrMapOvr>
-  <p:timing>
-    <p:tnLst>
-      <p:par>
-        <p:cTn id="1" dur="indefinite" restart="never" nodeType="tmRoot"/>
-      </p:par>
-    </p:tnLst>
-  </p:timing>
 </p:sld>
 </file>
 
@@ -12647,18 +12014,13 @@
           <a:p>
             <a:pPr algn="ctr"/>
             <a:r>
-              <a:rPr lang="ru-RU" sz="2800" b="1" dirty="0" smtClean="0">
+              <a:rPr lang="ru-RU" sz="2800" b="1" dirty="0">
                 <a:latin typeface="Tahoma" panose="020B0604030504040204" pitchFamily="34" charset="0"/>
                 <a:ea typeface="Tahoma" panose="020B0604030504040204" pitchFamily="34" charset="0"/>
                 <a:cs typeface="Tahoma" panose="020B0604030504040204" pitchFamily="34" charset="0"/>
               </a:rPr>
               <a:t>Пример работы с абзацами</a:t>
             </a:r>
-            <a:endParaRPr lang="ru-RU" sz="2800" b="1" dirty="0">
-              <a:latin typeface="Tahoma" panose="020B0604030504040204" pitchFamily="34" charset="0"/>
-              <a:ea typeface="Tahoma" panose="020B0604030504040204" pitchFamily="34" charset="0"/>
-              <a:cs typeface="Tahoma" panose="020B0604030504040204" pitchFamily="34" charset="0"/>
-            </a:endParaRPr>
           </a:p>
         </p:txBody>
       </p:sp>
@@ -12770,13 +12132,6 @@
   <p:clrMapOvr>
     <a:masterClrMapping/>
   </p:clrMapOvr>
-  <p:timing>
-    <p:tnLst>
-      <p:par>
-        <p:cTn id="1" dur="indefinite" restart="never" nodeType="tmRoot"/>
-      </p:par>
-    </p:tnLst>
-  </p:timing>
 </p:sld>
 </file>
 
@@ -12821,18 +12176,13 @@
           <a:p>
             <a:pPr algn="ctr"/>
             <a:r>
-              <a:rPr lang="ru-RU" sz="2800" b="1" dirty="0" smtClean="0">
+              <a:rPr lang="ru-RU" sz="2800" b="1" dirty="0">
                 <a:latin typeface="Tahoma" panose="020B0604030504040204" pitchFamily="34" charset="0"/>
                 <a:ea typeface="Tahoma" panose="020B0604030504040204" pitchFamily="34" charset="0"/>
                 <a:cs typeface="Tahoma" panose="020B0604030504040204" pitchFamily="34" charset="0"/>
               </a:rPr>
               <a:t>Пример работы с абзацами</a:t>
             </a:r>
-            <a:endParaRPr lang="ru-RU" sz="2800" b="1" dirty="0">
-              <a:latin typeface="Tahoma" panose="020B0604030504040204" pitchFamily="34" charset="0"/>
-              <a:ea typeface="Tahoma" panose="020B0604030504040204" pitchFamily="34" charset="0"/>
-              <a:cs typeface="Tahoma" panose="020B0604030504040204" pitchFamily="34" charset="0"/>
-            </a:endParaRPr>
           </a:p>
         </p:txBody>
       </p:sp>
@@ -13043,13 +12393,6 @@
   <p:clrMapOvr>
     <a:masterClrMapping/>
   </p:clrMapOvr>
-  <p:timing>
-    <p:tnLst>
-      <p:par>
-        <p:cTn id="1" dur="indefinite" restart="never" nodeType="tmRoot"/>
-      </p:par>
-    </p:tnLst>
-  </p:timing>
 </p:sld>
 </file>
 
@@ -13094,18 +12437,13 @@
           <a:p>
             <a:pPr algn="ctr"/>
             <a:r>
-              <a:rPr lang="ru-RU" sz="2800" b="1" dirty="0" smtClean="0">
+              <a:rPr lang="ru-RU" sz="2800" b="1" dirty="0">
                 <a:latin typeface="Tahoma" panose="020B0604030504040204" pitchFamily="34" charset="0"/>
                 <a:ea typeface="Tahoma" panose="020B0604030504040204" pitchFamily="34" charset="0"/>
                 <a:cs typeface="Tahoma" panose="020B0604030504040204" pitchFamily="34" charset="0"/>
               </a:rPr>
               <a:t>Пример работы с абзацами</a:t>
             </a:r>
-            <a:endParaRPr lang="ru-RU" sz="2800" b="1" dirty="0">
-              <a:latin typeface="Tahoma" panose="020B0604030504040204" pitchFamily="34" charset="0"/>
-              <a:ea typeface="Tahoma" panose="020B0604030504040204" pitchFamily="34" charset="0"/>
-              <a:cs typeface="Tahoma" panose="020B0604030504040204" pitchFamily="34" charset="0"/>
-            </a:endParaRPr>
           </a:p>
         </p:txBody>
       </p:sp>
@@ -13321,13 +12659,6 @@
   <p:clrMapOvr>
     <a:masterClrMapping/>
   </p:clrMapOvr>
-  <p:timing>
-    <p:tnLst>
-      <p:par>
-        <p:cTn id="1" dur="indefinite" restart="never" nodeType="tmRoot"/>
-      </p:par>
-    </p:tnLst>
-  </p:timing>
 </p:sld>
 </file>
 
@@ -13372,18 +12703,13 @@
           <a:p>
             <a:pPr algn="ctr"/>
             <a:r>
-              <a:rPr lang="ru-RU" sz="2800" b="1" dirty="0" smtClean="0">
+              <a:rPr lang="ru-RU" sz="2800" b="1" dirty="0">
                 <a:latin typeface="Tahoma" panose="020B0604030504040204" pitchFamily="34" charset="0"/>
                 <a:ea typeface="Tahoma" panose="020B0604030504040204" pitchFamily="34" charset="0"/>
                 <a:cs typeface="Tahoma" panose="020B0604030504040204" pitchFamily="34" charset="0"/>
               </a:rPr>
               <a:t>Форматирование таблиц</a:t>
             </a:r>
-            <a:endParaRPr lang="ru-RU" sz="2800" b="1" dirty="0">
-              <a:latin typeface="Tahoma" panose="020B0604030504040204" pitchFamily="34" charset="0"/>
-              <a:ea typeface="Tahoma" panose="020B0604030504040204" pitchFamily="34" charset="0"/>
-              <a:cs typeface="Tahoma" panose="020B0604030504040204" pitchFamily="34" charset="0"/>
-            </a:endParaRPr>
           </a:p>
         </p:txBody>
       </p:sp>
@@ -13423,7 +12749,7 @@
           <a:p>
             <a:pPr algn="just"/>
             <a:r>
-              <a:rPr lang="ru-RU" dirty="0" smtClean="0">
+              <a:rPr lang="ru-RU" dirty="0">
                 <a:latin typeface="Tahoma" panose="020B0604030504040204" pitchFamily="34" charset="0"/>
                 <a:ea typeface="Tahoma" panose="020B0604030504040204" pitchFamily="34" charset="0"/>
                 <a:cs typeface="Tahoma" panose="020B0604030504040204" pitchFamily="34" charset="0"/>
@@ -13534,13 +12860,6 @@
   <p:clrMapOvr>
     <a:masterClrMapping/>
   </p:clrMapOvr>
-  <p:timing>
-    <p:tnLst>
-      <p:par>
-        <p:cTn id="1" dur="indefinite" restart="never" nodeType="tmRoot"/>
-      </p:par>
-    </p:tnLst>
-  </p:timing>
 </p:sld>
 </file>
 
@@ -13585,18 +12904,13 @@
           <a:p>
             <a:pPr algn="ctr"/>
             <a:r>
-              <a:rPr lang="ru-RU" sz="2800" b="1" dirty="0" smtClean="0">
+              <a:rPr lang="ru-RU" sz="2800" b="1" dirty="0">
                 <a:latin typeface="Tahoma" panose="020B0604030504040204" pitchFamily="34" charset="0"/>
                 <a:ea typeface="Tahoma" panose="020B0604030504040204" pitchFamily="34" charset="0"/>
                 <a:cs typeface="Tahoma" panose="020B0604030504040204" pitchFamily="34" charset="0"/>
               </a:rPr>
               <a:t>Пример работы с таблицами</a:t>
             </a:r>
-            <a:endParaRPr lang="ru-RU" sz="2800" b="1" dirty="0">
-              <a:latin typeface="Tahoma" panose="020B0604030504040204" pitchFamily="34" charset="0"/>
-              <a:ea typeface="Tahoma" panose="020B0604030504040204" pitchFamily="34" charset="0"/>
-              <a:cs typeface="Tahoma" panose="020B0604030504040204" pitchFamily="34" charset="0"/>
-            </a:endParaRPr>
           </a:p>
         </p:txBody>
       </p:sp>
@@ -13610,13 +12924,6 @@
   <p:clrMapOvr>
     <a:masterClrMapping/>
   </p:clrMapOvr>
-  <p:timing>
-    <p:tnLst>
-      <p:par>
-        <p:cTn id="1" dur="indefinite" restart="never" nodeType="tmRoot"/>
-      </p:par>
-    </p:tnLst>
-  </p:timing>
 </p:sld>
 </file>
 
@@ -13661,18 +12968,13 @@
           <a:p>
             <a:pPr algn="ctr"/>
             <a:r>
-              <a:rPr lang="ru-RU" sz="2800" b="1" dirty="0" smtClean="0">
+              <a:rPr lang="ru-RU" sz="2800" b="1" dirty="0">
                 <a:latin typeface="Tahoma" panose="020B0604030504040204" pitchFamily="34" charset="0"/>
                 <a:ea typeface="Tahoma" panose="020B0604030504040204" pitchFamily="34" charset="0"/>
                 <a:cs typeface="Tahoma" panose="020B0604030504040204" pitchFamily="34" charset="0"/>
               </a:rPr>
               <a:t>Пример работы с таблицами</a:t>
             </a:r>
-            <a:endParaRPr lang="ru-RU" sz="2800" b="1" dirty="0">
-              <a:latin typeface="Tahoma" panose="020B0604030504040204" pitchFamily="34" charset="0"/>
-              <a:ea typeface="Tahoma" panose="020B0604030504040204" pitchFamily="34" charset="0"/>
-              <a:cs typeface="Tahoma" panose="020B0604030504040204" pitchFamily="34" charset="0"/>
-            </a:endParaRPr>
           </a:p>
         </p:txBody>
       </p:sp>
@@ -13740,13 +13042,6 @@
   <p:clrMapOvr>
     <a:masterClrMapping/>
   </p:clrMapOvr>
-  <p:timing>
-    <p:tnLst>
-      <p:par>
-        <p:cTn id="1" dur="indefinite" restart="never" nodeType="tmRoot"/>
-      </p:par>
-    </p:tnLst>
-  </p:timing>
 </p:sld>
 </file>
 
@@ -13791,18 +13086,13 @@
           <a:p>
             <a:pPr algn="ctr"/>
             <a:r>
-              <a:rPr lang="ru-RU" sz="2800" b="1" dirty="0" smtClean="0">
+              <a:rPr lang="ru-RU" sz="2800" b="1" dirty="0">
                 <a:latin typeface="Tahoma" panose="020B0604030504040204" pitchFamily="34" charset="0"/>
                 <a:ea typeface="Tahoma" panose="020B0604030504040204" pitchFamily="34" charset="0"/>
                 <a:cs typeface="Tahoma" panose="020B0604030504040204" pitchFamily="34" charset="0"/>
               </a:rPr>
               <a:t>Пример работы с таблицами</a:t>
             </a:r>
-            <a:endParaRPr lang="ru-RU" sz="2800" b="1" dirty="0">
-              <a:latin typeface="Tahoma" panose="020B0604030504040204" pitchFamily="34" charset="0"/>
-              <a:ea typeface="Tahoma" panose="020B0604030504040204" pitchFamily="34" charset="0"/>
-              <a:cs typeface="Tahoma" panose="020B0604030504040204" pitchFamily="34" charset="0"/>
-            </a:endParaRPr>
           </a:p>
         </p:txBody>
       </p:sp>
@@ -13917,13 +13207,6 @@
   <p:clrMapOvr>
     <a:masterClrMapping/>
   </p:clrMapOvr>
-  <p:timing>
-    <p:tnLst>
-      <p:par>
-        <p:cTn id="1" dur="indefinite" restart="never" nodeType="tmRoot"/>
-      </p:par>
-    </p:tnLst>
-  </p:timing>
 </p:sld>
 </file>
 
@@ -13968,18 +13251,13 @@
           <a:p>
             <a:pPr algn="ctr"/>
             <a:r>
-              <a:rPr lang="ru-RU" sz="2800" b="1" dirty="0" smtClean="0">
+              <a:rPr lang="ru-RU" sz="2800" b="1" dirty="0">
                 <a:latin typeface="Tahoma" panose="020B0604030504040204" pitchFamily="34" charset="0"/>
                 <a:ea typeface="Tahoma" panose="020B0604030504040204" pitchFamily="34" charset="0"/>
                 <a:cs typeface="Tahoma" panose="020B0604030504040204" pitchFamily="34" charset="0"/>
               </a:rPr>
               <a:t>Пример работы с таблицами</a:t>
             </a:r>
-            <a:endParaRPr lang="ru-RU" sz="2800" b="1" dirty="0">
-              <a:latin typeface="Tahoma" panose="020B0604030504040204" pitchFamily="34" charset="0"/>
-              <a:ea typeface="Tahoma" panose="020B0604030504040204" pitchFamily="34" charset="0"/>
-              <a:cs typeface="Tahoma" panose="020B0604030504040204" pitchFamily="34" charset="0"/>
-            </a:endParaRPr>
           </a:p>
         </p:txBody>
       </p:sp>
@@ -14094,13 +13372,6 @@
   <p:clrMapOvr>
     <a:masterClrMapping/>
   </p:clrMapOvr>
-  <p:timing>
-    <p:tnLst>
-      <p:par>
-        <p:cTn id="1" dur="indefinite" restart="never" nodeType="tmRoot"/>
-      </p:par>
-    </p:tnLst>
-  </p:timing>
 </p:sld>
 </file>
 
@@ -14145,18 +13416,13 @@
           <a:p>
             <a:pPr algn="ctr"/>
             <a:r>
-              <a:rPr lang="ru-RU" sz="2800" b="1" dirty="0" smtClean="0">
+              <a:rPr lang="ru-RU" sz="2800" b="1" dirty="0">
                 <a:latin typeface="Tahoma" panose="020B0604030504040204" pitchFamily="34" charset="0"/>
                 <a:ea typeface="Tahoma" panose="020B0604030504040204" pitchFamily="34" charset="0"/>
                 <a:cs typeface="Tahoma" panose="020B0604030504040204" pitchFamily="34" charset="0"/>
               </a:rPr>
               <a:t>Пример работы с таблицами</a:t>
             </a:r>
-            <a:endParaRPr lang="ru-RU" sz="2800" b="1" dirty="0">
-              <a:latin typeface="Tahoma" panose="020B0604030504040204" pitchFamily="34" charset="0"/>
-              <a:ea typeface="Tahoma" panose="020B0604030504040204" pitchFamily="34" charset="0"/>
-              <a:cs typeface="Tahoma" panose="020B0604030504040204" pitchFamily="34" charset="0"/>
-            </a:endParaRPr>
           </a:p>
         </p:txBody>
       </p:sp>
@@ -14271,13 +13537,6 @@
   <p:clrMapOvr>
     <a:masterClrMapping/>
   </p:clrMapOvr>
-  <p:timing>
-    <p:tnLst>
-      <p:par>
-        <p:cTn id="1" dur="indefinite" restart="never" nodeType="tmRoot"/>
-      </p:par>
-    </p:tnLst>
-  </p:timing>
 </p:sld>
 </file>
 
@@ -14322,7 +13581,7 @@
           <a:p>
             <a:pPr algn="ctr"/>
             <a:r>
-              <a:rPr lang="ru-RU" sz="2800" b="1" dirty="0" smtClean="0">
+              <a:rPr lang="ru-RU" sz="2800" b="1" dirty="0">
                 <a:latin typeface="Tahoma" panose="020B0604030504040204" pitchFamily="34" charset="0"/>
                 <a:ea typeface="Tahoma" panose="020B0604030504040204" pitchFamily="34" charset="0"/>
                 <a:cs typeface="Tahoma" panose="020B0604030504040204" pitchFamily="34" charset="0"/>
@@ -14347,13 +13606,6 @@
   <p:clrMapOvr>
     <a:masterClrMapping/>
   </p:clrMapOvr>
-  <p:timing>
-    <p:tnLst>
-      <p:par>
-        <p:cTn id="1" dur="indefinite" restart="never" nodeType="tmRoot"/>
-      </p:par>
-    </p:tnLst>
-  </p:timing>
 </p:sld>
 </file>
 
@@ -14398,18 +13650,13 @@
           <a:p>
             <a:pPr algn="ctr"/>
             <a:r>
-              <a:rPr lang="ru-RU" sz="2800" b="1" dirty="0" smtClean="0">
+              <a:rPr lang="ru-RU" sz="2800" b="1" dirty="0">
                 <a:latin typeface="Tahoma" panose="020B0604030504040204" pitchFamily="34" charset="0"/>
                 <a:ea typeface="Tahoma" panose="020B0604030504040204" pitchFamily="34" charset="0"/>
                 <a:cs typeface="Tahoma" panose="020B0604030504040204" pitchFamily="34" charset="0"/>
               </a:rPr>
               <a:t>Пример разрыва страницы</a:t>
             </a:r>
-            <a:endParaRPr lang="ru-RU" sz="2800" b="1" dirty="0">
-              <a:latin typeface="Tahoma" panose="020B0604030504040204" pitchFamily="34" charset="0"/>
-              <a:ea typeface="Tahoma" panose="020B0604030504040204" pitchFamily="34" charset="0"/>
-              <a:cs typeface="Tahoma" panose="020B0604030504040204" pitchFamily="34" charset="0"/>
-            </a:endParaRPr>
           </a:p>
         </p:txBody>
       </p:sp>
@@ -14472,13 +13719,6 @@
   <p:clrMapOvr>
     <a:masterClrMapping/>
   </p:clrMapOvr>
-  <p:timing>
-    <p:tnLst>
-      <p:par>
-        <p:cTn id="1" dur="indefinite" restart="never" nodeType="tmRoot"/>
-      </p:par>
-    </p:tnLst>
-  </p:timing>
 </p:sld>
 </file>
 
@@ -14523,7 +13763,7 @@
           <a:p>
             <a:pPr algn="ctr"/>
             <a:r>
-              <a:rPr lang="ru-RU" sz="2800" b="1" dirty="0" smtClean="0">
+              <a:rPr lang="ru-RU" sz="2800" b="1" dirty="0">
                 <a:latin typeface="Tahoma" panose="020B0604030504040204" pitchFamily="34" charset="0"/>
                 <a:ea typeface="Tahoma" panose="020B0604030504040204" pitchFamily="34" charset="0"/>
                 <a:cs typeface="Tahoma" panose="020B0604030504040204" pitchFamily="34" charset="0"/>
@@ -14531,7 +13771,7 @@
               <a:t>Полезные настройки при работе с </a:t>
             </a:r>
             <a:r>
-              <a:rPr lang="en-US" sz="2800" b="1" i="1" dirty="0" smtClean="0">
+              <a:rPr lang="en-US" sz="2800" b="1" i="1" dirty="0">
                 <a:latin typeface="Tahoma" panose="020B0604030504040204" pitchFamily="34" charset="0"/>
                 <a:ea typeface="Tahoma" panose="020B0604030504040204" pitchFamily="34" charset="0"/>
                 <a:cs typeface="Tahoma" panose="020B0604030504040204" pitchFamily="34" charset="0"/>
@@ -14556,13 +13796,6 @@
   <p:clrMapOvr>
     <a:masterClrMapping/>
   </p:clrMapOvr>
-  <p:timing>
-    <p:tnLst>
-      <p:par>
-        <p:cTn id="1" dur="indefinite" restart="never" nodeType="tmRoot"/>
-      </p:par>
-    </p:tnLst>
-  </p:timing>
 </p:sld>
 </file>
 
@@ -14607,18 +13840,13 @@
           <a:p>
             <a:pPr algn="ctr"/>
             <a:r>
-              <a:rPr lang="ru-RU" sz="2800" b="1" dirty="0" smtClean="0">
+              <a:rPr lang="ru-RU" sz="2800" b="1" dirty="0">
                 <a:latin typeface="Tahoma" panose="020B0604030504040204" pitchFamily="34" charset="0"/>
                 <a:ea typeface="Tahoma" panose="020B0604030504040204" pitchFamily="34" charset="0"/>
                 <a:cs typeface="Tahoma" panose="020B0604030504040204" pitchFamily="34" charset="0"/>
               </a:rPr>
               <a:t>Настройки страницы</a:t>
             </a:r>
-            <a:endParaRPr lang="ru-RU" sz="2800" b="1" dirty="0">
-              <a:latin typeface="Tahoma" panose="020B0604030504040204" pitchFamily="34" charset="0"/>
-              <a:ea typeface="Tahoma" panose="020B0604030504040204" pitchFamily="34" charset="0"/>
-              <a:cs typeface="Tahoma" panose="020B0604030504040204" pitchFamily="34" charset="0"/>
-            </a:endParaRPr>
           </a:p>
         </p:txBody>
       </p:sp>
@@ -14657,7 +13885,7 @@
           <a:lstStyle/>
           <a:p>
             <a:r>
-              <a:rPr lang="ru-RU" dirty="0" smtClean="0">
+              <a:rPr lang="ru-RU" dirty="0">
                 <a:latin typeface="Tahoma" panose="020B0604030504040204" pitchFamily="34" charset="0"/>
                 <a:ea typeface="Tahoma" panose="020B0604030504040204" pitchFamily="34" charset="0"/>
                 <a:cs typeface="Tahoma" panose="020B0604030504040204" pitchFamily="34" charset="0"/>
@@ -14665,7 +13893,7 @@
               <a:t>После того, как документ </a:t>
             </a:r>
             <a:r>
-              <a:rPr lang="en-US" i="1" dirty="0" smtClean="0">
+              <a:rPr lang="en-US" i="1" dirty="0">
                 <a:latin typeface="Tahoma" panose="020B0604030504040204" pitchFamily="34" charset="0"/>
                 <a:ea typeface="Tahoma" panose="020B0604030504040204" pitchFamily="34" charset="0"/>
                 <a:cs typeface="Tahoma" panose="020B0604030504040204" pitchFamily="34" charset="0"/>
@@ -14673,7 +13901,7 @@
               <a:t>Word</a:t>
             </a:r>
             <a:r>
-              <a:rPr lang="en-US" dirty="0" smtClean="0">
+              <a:rPr lang="en-US" dirty="0">
                 <a:latin typeface="Tahoma" panose="020B0604030504040204" pitchFamily="34" charset="0"/>
                 <a:ea typeface="Tahoma" panose="020B0604030504040204" pitchFamily="34" charset="0"/>
                 <a:cs typeface="Tahoma" panose="020B0604030504040204" pitchFamily="34" charset="0"/>
@@ -14681,7 +13909,7 @@
               <a:t> </a:t>
             </a:r>
             <a:r>
-              <a:rPr lang="ru-RU" dirty="0" smtClean="0">
+              <a:rPr lang="ru-RU" dirty="0">
                 <a:latin typeface="Tahoma" panose="020B0604030504040204" pitchFamily="34" charset="0"/>
                 <a:ea typeface="Tahoma" panose="020B0604030504040204" pitchFamily="34" charset="0"/>
                 <a:cs typeface="Tahoma" panose="020B0604030504040204" pitchFamily="34" charset="0"/>
@@ -14689,7 +13917,7 @@
               <a:t>создан и активирован, можно обратиться к его свойству </a:t>
             </a:r>
             <a:r>
-              <a:rPr lang="en-US" i="1" dirty="0" err="1" smtClean="0">
+              <a:rPr lang="en-US" i="1" dirty="0" err="1">
                 <a:latin typeface="Tahoma" panose="020B0604030504040204" pitchFamily="34" charset="0"/>
                 <a:ea typeface="Tahoma" panose="020B0604030504040204" pitchFamily="34" charset="0"/>
                 <a:cs typeface="Tahoma" panose="020B0604030504040204" pitchFamily="34" charset="0"/>
@@ -14697,7 +13925,7 @@
               <a:t>PageSetup</a:t>
             </a:r>
             <a:r>
-              <a:rPr lang="en-US" dirty="0" smtClean="0">
+              <a:rPr lang="en-US" dirty="0">
                 <a:latin typeface="Tahoma" panose="020B0604030504040204" pitchFamily="34" charset="0"/>
                 <a:ea typeface="Tahoma" panose="020B0604030504040204" pitchFamily="34" charset="0"/>
                 <a:cs typeface="Tahoma" panose="020B0604030504040204" pitchFamily="34" charset="0"/>
@@ -14706,14 +13934,14 @@
             </a:r>
           </a:p>
           <a:p>
-            <a:endParaRPr lang="en-US" dirty="0" smtClean="0">
+            <a:endParaRPr lang="en-US" dirty="0">
               <a:latin typeface="Tahoma" panose="020B0604030504040204" pitchFamily="34" charset="0"/>
               <a:ea typeface="Tahoma" panose="020B0604030504040204" pitchFamily="34" charset="0"/>
               <a:cs typeface="Tahoma" panose="020B0604030504040204" pitchFamily="34" charset="0"/>
             </a:endParaRPr>
           </a:p>
           <a:p>
-            <a:endParaRPr lang="ru-RU" dirty="0" smtClean="0">
+            <a:endParaRPr lang="ru-RU" dirty="0">
               <a:latin typeface="Tahoma" panose="020B0604030504040204" pitchFamily="34" charset="0"/>
               <a:ea typeface="Tahoma" panose="020B0604030504040204" pitchFamily="34" charset="0"/>
               <a:cs typeface="Tahoma" panose="020B0604030504040204" pitchFamily="34" charset="0"/>
@@ -15196,13 +14424,6 @@
   <p:clrMapOvr>
     <a:masterClrMapping/>
   </p:clrMapOvr>
-  <p:timing>
-    <p:tnLst>
-      <p:par>
-        <p:cTn id="1" dur="indefinite" restart="never" nodeType="tmRoot"/>
-      </p:par>
-    </p:tnLst>
-  </p:timing>
 </p:sld>
 </file>
 
@@ -15247,18 +14468,13 @@
           <a:p>
             <a:pPr algn="ctr"/>
             <a:r>
-              <a:rPr lang="ru-RU" sz="2800" b="1" dirty="0" smtClean="0">
+              <a:rPr lang="ru-RU" sz="2800" b="1" dirty="0">
                 <a:latin typeface="Tahoma" panose="020B0604030504040204" pitchFamily="34" charset="0"/>
                 <a:ea typeface="Tahoma" panose="020B0604030504040204" pitchFamily="34" charset="0"/>
                 <a:cs typeface="Tahoma" panose="020B0604030504040204" pitchFamily="34" charset="0"/>
               </a:rPr>
               <a:t>Настройки страницы</a:t>
             </a:r>
-            <a:endParaRPr lang="ru-RU" sz="2800" b="1" dirty="0">
-              <a:latin typeface="Tahoma" panose="020B0604030504040204" pitchFamily="34" charset="0"/>
-              <a:ea typeface="Tahoma" panose="020B0604030504040204" pitchFamily="34" charset="0"/>
-              <a:cs typeface="Tahoma" panose="020B0604030504040204" pitchFamily="34" charset="0"/>
-            </a:endParaRPr>
           </a:p>
         </p:txBody>
       </p:sp>
@@ -15297,7 +14513,7 @@
           <a:lstStyle/>
           <a:p>
             <a:r>
-              <a:rPr lang="ru-RU" dirty="0" smtClean="0">
+              <a:rPr lang="ru-RU" dirty="0">
                 <a:latin typeface="Tahoma" panose="020B0604030504040204" pitchFamily="34" charset="0"/>
                 <a:ea typeface="Tahoma" panose="020B0604030504040204" pitchFamily="34" charset="0"/>
                 <a:cs typeface="Tahoma" panose="020B0604030504040204" pitchFamily="34" charset="0"/>
@@ -15305,7 +14521,7 @@
               <a:t>После того, как документ </a:t>
             </a:r>
             <a:r>
-              <a:rPr lang="en-US" i="1" dirty="0" smtClean="0">
+              <a:rPr lang="en-US" i="1" dirty="0">
                 <a:latin typeface="Tahoma" panose="020B0604030504040204" pitchFamily="34" charset="0"/>
                 <a:ea typeface="Tahoma" panose="020B0604030504040204" pitchFamily="34" charset="0"/>
                 <a:cs typeface="Tahoma" panose="020B0604030504040204" pitchFamily="34" charset="0"/>
@@ -15313,7 +14529,7 @@
               <a:t>Word</a:t>
             </a:r>
             <a:r>
-              <a:rPr lang="en-US" dirty="0" smtClean="0">
+              <a:rPr lang="en-US" dirty="0">
                 <a:latin typeface="Tahoma" panose="020B0604030504040204" pitchFamily="34" charset="0"/>
                 <a:ea typeface="Tahoma" panose="020B0604030504040204" pitchFamily="34" charset="0"/>
                 <a:cs typeface="Tahoma" panose="020B0604030504040204" pitchFamily="34" charset="0"/>
@@ -15321,7 +14537,7 @@
               <a:t> </a:t>
             </a:r>
             <a:r>
-              <a:rPr lang="ru-RU" dirty="0" smtClean="0">
+              <a:rPr lang="ru-RU" dirty="0">
                 <a:latin typeface="Tahoma" panose="020B0604030504040204" pitchFamily="34" charset="0"/>
                 <a:ea typeface="Tahoma" panose="020B0604030504040204" pitchFamily="34" charset="0"/>
                 <a:cs typeface="Tahoma" panose="020B0604030504040204" pitchFamily="34" charset="0"/>
@@ -15329,7 +14545,7 @@
               <a:t>создан и активирован, можно обратиться к его свойству </a:t>
             </a:r>
             <a:r>
-              <a:rPr lang="en-US" i="1" dirty="0" err="1" smtClean="0">
+              <a:rPr lang="en-US" i="1" dirty="0" err="1">
                 <a:latin typeface="Tahoma" panose="020B0604030504040204" pitchFamily="34" charset="0"/>
                 <a:ea typeface="Tahoma" panose="020B0604030504040204" pitchFamily="34" charset="0"/>
                 <a:cs typeface="Tahoma" panose="020B0604030504040204" pitchFamily="34" charset="0"/>
@@ -15337,7 +14553,7 @@
               <a:t>PageSetup</a:t>
             </a:r>
             <a:r>
-              <a:rPr lang="en-US" dirty="0" smtClean="0">
+              <a:rPr lang="en-US" dirty="0">
                 <a:latin typeface="Tahoma" panose="020B0604030504040204" pitchFamily="34" charset="0"/>
                 <a:ea typeface="Tahoma" panose="020B0604030504040204" pitchFamily="34" charset="0"/>
                 <a:cs typeface="Tahoma" panose="020B0604030504040204" pitchFamily="34" charset="0"/>
@@ -15346,14 +14562,14 @@
             </a:r>
           </a:p>
           <a:p>
-            <a:endParaRPr lang="en-US" dirty="0" smtClean="0">
+            <a:endParaRPr lang="en-US" dirty="0">
               <a:latin typeface="Tahoma" panose="020B0604030504040204" pitchFamily="34" charset="0"/>
               <a:ea typeface="Tahoma" panose="020B0604030504040204" pitchFamily="34" charset="0"/>
               <a:cs typeface="Tahoma" panose="020B0604030504040204" pitchFamily="34" charset="0"/>
             </a:endParaRPr>
           </a:p>
           <a:p>
-            <a:endParaRPr lang="ru-RU" dirty="0" smtClean="0">
+            <a:endParaRPr lang="ru-RU" dirty="0">
               <a:latin typeface="Tahoma" panose="020B0604030504040204" pitchFamily="34" charset="0"/>
               <a:ea typeface="Tahoma" panose="020B0604030504040204" pitchFamily="34" charset="0"/>
               <a:cs typeface="Tahoma" panose="020B0604030504040204" pitchFamily="34" charset="0"/>
@@ -15795,13 +15011,6 @@
   <p:clrMapOvr>
     <a:masterClrMapping/>
   </p:clrMapOvr>
-  <p:timing>
-    <p:tnLst>
-      <p:par>
-        <p:cTn id="1" dur="indefinite" restart="never" nodeType="tmRoot"/>
-      </p:par>
-    </p:tnLst>
-  </p:timing>
 </p:sld>
 </file>
 
@@ -15846,18 +15055,13 @@
           <a:p>
             <a:pPr algn="ctr"/>
             <a:r>
-              <a:rPr lang="ru-RU" sz="2800" b="1" dirty="0" smtClean="0">
+              <a:rPr lang="ru-RU" sz="2800" b="1" dirty="0">
                 <a:latin typeface="Tahoma" panose="020B0604030504040204" pitchFamily="34" charset="0"/>
                 <a:ea typeface="Tahoma" panose="020B0604030504040204" pitchFamily="34" charset="0"/>
                 <a:cs typeface="Tahoma" panose="020B0604030504040204" pitchFamily="34" charset="0"/>
               </a:rPr>
               <a:t>Форматирование таблиц</a:t>
             </a:r>
-            <a:endParaRPr lang="ru-RU" sz="2800" b="1" dirty="0">
-              <a:latin typeface="Tahoma" panose="020B0604030504040204" pitchFamily="34" charset="0"/>
-              <a:ea typeface="Tahoma" panose="020B0604030504040204" pitchFamily="34" charset="0"/>
-              <a:cs typeface="Tahoma" panose="020B0604030504040204" pitchFamily="34" charset="0"/>
-            </a:endParaRPr>
           </a:p>
         </p:txBody>
       </p:sp>
@@ -15897,7 +15101,7 @@
           <a:p>
             <a:pPr algn="just"/>
             <a:r>
-              <a:rPr lang="ru-RU" dirty="0" smtClean="0">
+              <a:rPr lang="ru-RU" dirty="0">
                 <a:latin typeface="Tahoma" panose="020B0604030504040204" pitchFamily="34" charset="0"/>
                 <a:ea typeface="Tahoma" panose="020B0604030504040204" pitchFamily="34" charset="0"/>
                 <a:cs typeface="Tahoma" panose="020B0604030504040204" pitchFamily="34" charset="0"/>
@@ -15905,7 +15109,7 @@
               <a:t>В последующих записаны публикации по шаблону с разделителем «</a:t>
             </a:r>
             <a:r>
-              <a:rPr lang="en-US" dirty="0" smtClean="0">
+              <a:rPr lang="en-US" dirty="0">
                 <a:latin typeface="Tahoma" panose="020B0604030504040204" pitchFamily="34" charset="0"/>
                 <a:ea typeface="Tahoma" panose="020B0604030504040204" pitchFamily="34" charset="0"/>
                 <a:cs typeface="Tahoma" panose="020B0604030504040204" pitchFamily="34" charset="0"/>
@@ -15913,7 +15117,7 @@
               <a:t>;</a:t>
             </a:r>
             <a:r>
-              <a:rPr lang="ru-RU" dirty="0" smtClean="0">
+              <a:rPr lang="ru-RU" dirty="0">
                 <a:latin typeface="Tahoma" panose="020B0604030504040204" pitchFamily="34" charset="0"/>
                 <a:ea typeface="Tahoma" panose="020B0604030504040204" pitchFamily="34" charset="0"/>
                 <a:cs typeface="Tahoma" panose="020B0604030504040204" pitchFamily="34" charset="0"/>
@@ -16024,13 +15228,6 @@
   <p:clrMapOvr>
     <a:masterClrMapping/>
   </p:clrMapOvr>
-  <p:timing>
-    <p:tnLst>
-      <p:par>
-        <p:cTn id="1" dur="indefinite" restart="never" nodeType="tmRoot"/>
-      </p:par>
-    </p:tnLst>
-  </p:timing>
 </p:sld>
 </file>
 
@@ -16075,18 +15272,13 @@
           <a:p>
             <a:pPr algn="ctr"/>
             <a:r>
-              <a:rPr lang="ru-RU" sz="2800" b="1" dirty="0" smtClean="0">
+              <a:rPr lang="ru-RU" sz="2800" b="1" dirty="0">
                 <a:latin typeface="Tahoma" panose="020B0604030504040204" pitchFamily="34" charset="0"/>
                 <a:ea typeface="Tahoma" panose="020B0604030504040204" pitchFamily="34" charset="0"/>
                 <a:cs typeface="Tahoma" panose="020B0604030504040204" pitchFamily="34" charset="0"/>
               </a:rPr>
               <a:t>Настройки страницы</a:t>
             </a:r>
-            <a:endParaRPr lang="ru-RU" sz="2800" b="1" dirty="0">
-              <a:latin typeface="Tahoma" panose="020B0604030504040204" pitchFamily="34" charset="0"/>
-              <a:ea typeface="Tahoma" panose="020B0604030504040204" pitchFamily="34" charset="0"/>
-              <a:cs typeface="Tahoma" panose="020B0604030504040204" pitchFamily="34" charset="0"/>
-            </a:endParaRPr>
           </a:p>
         </p:txBody>
       </p:sp>
@@ -16125,7 +15317,7 @@
           <a:lstStyle/>
           <a:p>
             <a:r>
-              <a:rPr lang="ru-RU" dirty="0" smtClean="0">
+              <a:rPr lang="ru-RU" dirty="0">
                 <a:latin typeface="Tahoma" panose="020B0604030504040204" pitchFamily="34" charset="0"/>
                 <a:ea typeface="Tahoma" panose="020B0604030504040204" pitchFamily="34" charset="0"/>
                 <a:cs typeface="Tahoma" panose="020B0604030504040204" pitchFamily="34" charset="0"/>
@@ -16133,7 +15325,7 @@
               <a:t>После того, как документ </a:t>
             </a:r>
             <a:r>
-              <a:rPr lang="en-US" i="1" dirty="0" smtClean="0">
+              <a:rPr lang="en-US" i="1" dirty="0">
                 <a:latin typeface="Tahoma" panose="020B0604030504040204" pitchFamily="34" charset="0"/>
                 <a:ea typeface="Tahoma" panose="020B0604030504040204" pitchFamily="34" charset="0"/>
                 <a:cs typeface="Tahoma" panose="020B0604030504040204" pitchFamily="34" charset="0"/>
@@ -16141,7 +15333,7 @@
               <a:t>Word</a:t>
             </a:r>
             <a:r>
-              <a:rPr lang="en-US" dirty="0" smtClean="0">
+              <a:rPr lang="en-US" dirty="0">
                 <a:latin typeface="Tahoma" panose="020B0604030504040204" pitchFamily="34" charset="0"/>
                 <a:ea typeface="Tahoma" panose="020B0604030504040204" pitchFamily="34" charset="0"/>
                 <a:cs typeface="Tahoma" panose="020B0604030504040204" pitchFamily="34" charset="0"/>
@@ -16149,7 +15341,7 @@
               <a:t> </a:t>
             </a:r>
             <a:r>
-              <a:rPr lang="ru-RU" dirty="0" smtClean="0">
+              <a:rPr lang="ru-RU" dirty="0">
                 <a:latin typeface="Tahoma" panose="020B0604030504040204" pitchFamily="34" charset="0"/>
                 <a:ea typeface="Tahoma" panose="020B0604030504040204" pitchFamily="34" charset="0"/>
                 <a:cs typeface="Tahoma" panose="020B0604030504040204" pitchFamily="34" charset="0"/>
@@ -16157,7 +15349,7 @@
               <a:t>создан и активирован, можно обратиться к его свойству </a:t>
             </a:r>
             <a:r>
-              <a:rPr lang="en-US" i="1" dirty="0" err="1" smtClean="0">
+              <a:rPr lang="en-US" i="1" dirty="0" err="1">
                 <a:latin typeface="Tahoma" panose="020B0604030504040204" pitchFamily="34" charset="0"/>
                 <a:ea typeface="Tahoma" panose="020B0604030504040204" pitchFamily="34" charset="0"/>
                 <a:cs typeface="Tahoma" panose="020B0604030504040204" pitchFamily="34" charset="0"/>
@@ -16165,7 +15357,7 @@
               <a:t>PageSetup</a:t>
             </a:r>
             <a:r>
-              <a:rPr lang="en-US" dirty="0" smtClean="0">
+              <a:rPr lang="en-US" dirty="0">
                 <a:latin typeface="Tahoma" panose="020B0604030504040204" pitchFamily="34" charset="0"/>
                 <a:ea typeface="Tahoma" panose="020B0604030504040204" pitchFamily="34" charset="0"/>
                 <a:cs typeface="Tahoma" panose="020B0604030504040204" pitchFamily="34" charset="0"/>
@@ -16567,13 +15759,6 @@
   <p:clrMapOvr>
     <a:masterClrMapping/>
   </p:clrMapOvr>
-  <p:timing>
-    <p:tnLst>
-      <p:par>
-        <p:cTn id="1" dur="indefinite" restart="never" nodeType="tmRoot"/>
-      </p:par>
-    </p:tnLst>
-  </p:timing>
 </p:sld>
 </file>
 
@@ -16618,18 +15803,13 @@
           <a:p>
             <a:pPr algn="ctr"/>
             <a:r>
-              <a:rPr lang="ru-RU" sz="2800" b="1" dirty="0" smtClean="0">
+              <a:rPr lang="ru-RU" sz="2800" b="1" dirty="0">
                 <a:latin typeface="Tahoma" panose="020B0604030504040204" pitchFamily="34" charset="0"/>
                 <a:ea typeface="Tahoma" panose="020B0604030504040204" pitchFamily="34" charset="0"/>
                 <a:cs typeface="Tahoma" panose="020B0604030504040204" pitchFamily="34" charset="0"/>
               </a:rPr>
               <a:t>Настройки страницы</a:t>
             </a:r>
-            <a:endParaRPr lang="ru-RU" sz="2800" b="1" dirty="0">
-              <a:latin typeface="Tahoma" panose="020B0604030504040204" pitchFamily="34" charset="0"/>
-              <a:ea typeface="Tahoma" panose="020B0604030504040204" pitchFamily="34" charset="0"/>
-              <a:cs typeface="Tahoma" panose="020B0604030504040204" pitchFamily="34" charset="0"/>
-            </a:endParaRPr>
           </a:p>
         </p:txBody>
       </p:sp>
@@ -16668,7 +15848,7 @@
           <a:lstStyle/>
           <a:p>
             <a:r>
-              <a:rPr lang="ru-RU" dirty="0" smtClean="0">
+              <a:rPr lang="ru-RU" dirty="0">
                 <a:latin typeface="Tahoma" panose="020B0604030504040204" pitchFamily="34" charset="0"/>
                 <a:ea typeface="Tahoma" panose="020B0604030504040204" pitchFamily="34" charset="0"/>
                 <a:cs typeface="Tahoma" panose="020B0604030504040204" pitchFamily="34" charset="0"/>
@@ -16676,7 +15856,7 @@
               <a:t>После того, как документ </a:t>
             </a:r>
             <a:r>
-              <a:rPr lang="en-US" i="1" dirty="0" smtClean="0">
+              <a:rPr lang="en-US" i="1" dirty="0">
                 <a:latin typeface="Tahoma" panose="020B0604030504040204" pitchFamily="34" charset="0"/>
                 <a:ea typeface="Tahoma" panose="020B0604030504040204" pitchFamily="34" charset="0"/>
                 <a:cs typeface="Tahoma" panose="020B0604030504040204" pitchFamily="34" charset="0"/>
@@ -16684,7 +15864,7 @@
               <a:t>Word</a:t>
             </a:r>
             <a:r>
-              <a:rPr lang="en-US" dirty="0" smtClean="0">
+              <a:rPr lang="en-US" dirty="0">
                 <a:latin typeface="Tahoma" panose="020B0604030504040204" pitchFamily="34" charset="0"/>
                 <a:ea typeface="Tahoma" panose="020B0604030504040204" pitchFamily="34" charset="0"/>
                 <a:cs typeface="Tahoma" panose="020B0604030504040204" pitchFamily="34" charset="0"/>
@@ -16692,7 +15872,7 @@
               <a:t> </a:t>
             </a:r>
             <a:r>
-              <a:rPr lang="ru-RU" dirty="0" smtClean="0">
+              <a:rPr lang="ru-RU" dirty="0">
                 <a:latin typeface="Tahoma" panose="020B0604030504040204" pitchFamily="34" charset="0"/>
                 <a:ea typeface="Tahoma" panose="020B0604030504040204" pitchFamily="34" charset="0"/>
                 <a:cs typeface="Tahoma" panose="020B0604030504040204" pitchFamily="34" charset="0"/>
@@ -16700,7 +15880,7 @@
               <a:t>создан и активирован, можно обратиться к его свойству </a:t>
             </a:r>
             <a:r>
-              <a:rPr lang="en-US" i="1" dirty="0" err="1" smtClean="0">
+              <a:rPr lang="en-US" i="1" dirty="0" err="1">
                 <a:latin typeface="Tahoma" panose="020B0604030504040204" pitchFamily="34" charset="0"/>
                 <a:ea typeface="Tahoma" panose="020B0604030504040204" pitchFamily="34" charset="0"/>
                 <a:cs typeface="Tahoma" panose="020B0604030504040204" pitchFamily="34" charset="0"/>
@@ -16708,7 +15888,7 @@
               <a:t>PageSetup</a:t>
             </a:r>
             <a:r>
-              <a:rPr lang="en-US" dirty="0" smtClean="0">
+              <a:rPr lang="en-US" dirty="0">
                 <a:latin typeface="Tahoma" panose="020B0604030504040204" pitchFamily="34" charset="0"/>
                 <a:ea typeface="Tahoma" panose="020B0604030504040204" pitchFamily="34" charset="0"/>
                 <a:cs typeface="Tahoma" panose="020B0604030504040204" pitchFamily="34" charset="0"/>
@@ -16717,14 +15897,14 @@
             </a:r>
           </a:p>
           <a:p>
-            <a:endParaRPr lang="en-US" dirty="0" smtClean="0">
+            <a:endParaRPr lang="en-US" dirty="0">
               <a:latin typeface="Tahoma" panose="020B0604030504040204" pitchFamily="34" charset="0"/>
               <a:ea typeface="Tahoma" panose="020B0604030504040204" pitchFamily="34" charset="0"/>
               <a:cs typeface="Tahoma" panose="020B0604030504040204" pitchFamily="34" charset="0"/>
             </a:endParaRPr>
           </a:p>
           <a:p>
-            <a:endParaRPr lang="ru-RU" dirty="0" smtClean="0">
+            <a:endParaRPr lang="ru-RU" dirty="0">
               <a:latin typeface="Tahoma" panose="020B0604030504040204" pitchFamily="34" charset="0"/>
               <a:ea typeface="Tahoma" panose="020B0604030504040204" pitchFamily="34" charset="0"/>
               <a:cs typeface="Tahoma" panose="020B0604030504040204" pitchFamily="34" charset="0"/>
@@ -17002,13 +16182,6 @@
   <p:clrMapOvr>
     <a:masterClrMapping/>
   </p:clrMapOvr>
-  <p:timing>
-    <p:tnLst>
-      <p:par>
-        <p:cTn id="1" dur="indefinite" restart="never" nodeType="tmRoot"/>
-      </p:par>
-    </p:tnLst>
-  </p:timing>
 </p:sld>
 </file>
 
@@ -17053,7 +16226,7 @@
           <a:p>
             <a:pPr algn="ctr"/>
             <a:r>
-              <a:rPr lang="ru-RU" sz="2800" b="1" dirty="0" smtClean="0">
+              <a:rPr lang="ru-RU" sz="2800" b="1" dirty="0">
                 <a:latin typeface="Tahoma" panose="020B0604030504040204" pitchFamily="34" charset="0"/>
                 <a:ea typeface="Tahoma" panose="020B0604030504040204" pitchFamily="34" charset="0"/>
                 <a:cs typeface="Tahoma" panose="020B0604030504040204" pitchFamily="34" charset="0"/>
@@ -17078,13 +16251,6 @@
   <p:clrMapOvr>
     <a:masterClrMapping/>
   </p:clrMapOvr>
-  <p:timing>
-    <p:tnLst>
-      <p:par>
-        <p:cTn id="1" dur="indefinite" restart="never" nodeType="tmRoot"/>
-      </p:par>
-    </p:tnLst>
-  </p:timing>
 </p:sld>
 </file>
 
@@ -17129,18 +16295,13 @@
           <a:p>
             <a:pPr algn="ctr"/>
             <a:r>
-              <a:rPr lang="ru-RU" sz="2800" b="1" dirty="0" smtClean="0">
+              <a:rPr lang="ru-RU" sz="2800" b="1" dirty="0">
                 <a:latin typeface="Tahoma" panose="020B0604030504040204" pitchFamily="34" charset="0"/>
                 <a:ea typeface="Tahoma" panose="020B0604030504040204" pitchFamily="34" charset="0"/>
                 <a:cs typeface="Tahoma" panose="020B0604030504040204" pitchFamily="34" charset="0"/>
               </a:rPr>
               <a:t>Пример настройки параметров страницы</a:t>
             </a:r>
-            <a:endParaRPr lang="ru-RU" sz="2800" b="1" dirty="0">
-              <a:latin typeface="Tahoma" panose="020B0604030504040204" pitchFamily="34" charset="0"/>
-              <a:ea typeface="Tahoma" panose="020B0604030504040204" pitchFamily="34" charset="0"/>
-              <a:cs typeface="Tahoma" panose="020B0604030504040204" pitchFamily="34" charset="0"/>
-            </a:endParaRPr>
           </a:p>
         </p:txBody>
       </p:sp>
@@ -17179,7 +16340,7 @@
           <a:lstStyle/>
           <a:p>
             <a:r>
-              <a:rPr lang="ru-RU" dirty="0" smtClean="0">
+              <a:rPr lang="ru-RU" dirty="0">
                 <a:latin typeface="Tahoma" panose="020B0604030504040204" pitchFamily="34" charset="0"/>
                 <a:ea typeface="Tahoma" panose="020B0604030504040204" pitchFamily="34" charset="0"/>
                 <a:cs typeface="Tahoma" panose="020B0604030504040204" pitchFamily="34" charset="0"/>
@@ -17187,7 +16348,7 @@
               <a:t>В контексте блока </a:t>
             </a:r>
             <a:r>
-              <a:rPr lang="en-US" b="1" i="1" dirty="0" smtClean="0">
+              <a:rPr lang="en-US" b="1" i="1" dirty="0">
                 <a:latin typeface="Tahoma" panose="020B0604030504040204" pitchFamily="34" charset="0"/>
                 <a:ea typeface="Tahoma" panose="020B0604030504040204" pitchFamily="34" charset="0"/>
                 <a:cs typeface="Tahoma" panose="020B0604030504040204" pitchFamily="34" charset="0"/>
@@ -17203,20 +16364,6 @@
             </a:endParaRPr>
           </a:p>
           <a:p>
-            <a:endParaRPr lang="en-US" dirty="0" smtClean="0">
-              <a:latin typeface="Tahoma" panose="020B0604030504040204" pitchFamily="34" charset="0"/>
-              <a:ea typeface="Tahoma" panose="020B0604030504040204" pitchFamily="34" charset="0"/>
-              <a:cs typeface="Tahoma" panose="020B0604030504040204" pitchFamily="34" charset="0"/>
-            </a:endParaRPr>
-          </a:p>
-          <a:p>
-            <a:endParaRPr lang="en-US" dirty="0" smtClean="0">
-              <a:latin typeface="Tahoma" panose="020B0604030504040204" pitchFamily="34" charset="0"/>
-              <a:ea typeface="Tahoma" panose="020B0604030504040204" pitchFamily="34" charset="0"/>
-              <a:cs typeface="Tahoma" panose="020B0604030504040204" pitchFamily="34" charset="0"/>
-            </a:endParaRPr>
-          </a:p>
-          <a:p>
             <a:endParaRPr lang="en-US" dirty="0">
               <a:latin typeface="Tahoma" panose="020B0604030504040204" pitchFamily="34" charset="0"/>
               <a:ea typeface="Tahoma" panose="020B0604030504040204" pitchFamily="34" charset="0"/>
@@ -17224,20 +16371,6 @@
             </a:endParaRPr>
           </a:p>
           <a:p>
-            <a:endParaRPr lang="en-US" dirty="0" smtClean="0">
-              <a:latin typeface="Tahoma" panose="020B0604030504040204" pitchFamily="34" charset="0"/>
-              <a:ea typeface="Tahoma" panose="020B0604030504040204" pitchFamily="34" charset="0"/>
-              <a:cs typeface="Tahoma" panose="020B0604030504040204" pitchFamily="34" charset="0"/>
-            </a:endParaRPr>
-          </a:p>
-          <a:p>
-            <a:endParaRPr lang="en-US" dirty="0" smtClean="0">
-              <a:latin typeface="Tahoma" panose="020B0604030504040204" pitchFamily="34" charset="0"/>
-              <a:ea typeface="Tahoma" panose="020B0604030504040204" pitchFamily="34" charset="0"/>
-              <a:cs typeface="Tahoma" panose="020B0604030504040204" pitchFamily="34" charset="0"/>
-            </a:endParaRPr>
-          </a:p>
-          <a:p>
             <a:endParaRPr lang="en-US" dirty="0">
               <a:latin typeface="Tahoma" panose="020B0604030504040204" pitchFamily="34" charset="0"/>
               <a:ea typeface="Tahoma" panose="020B0604030504040204" pitchFamily="34" charset="0"/>
@@ -17245,15 +16378,43 @@
             </a:endParaRPr>
           </a:p>
           <a:p>
-            <a:endParaRPr lang="en-US" dirty="0" smtClean="0">
+            <a:endParaRPr lang="en-US" dirty="0">
               <a:latin typeface="Tahoma" panose="020B0604030504040204" pitchFamily="34" charset="0"/>
               <a:ea typeface="Tahoma" panose="020B0604030504040204" pitchFamily="34" charset="0"/>
               <a:cs typeface="Tahoma" panose="020B0604030504040204" pitchFamily="34" charset="0"/>
             </a:endParaRPr>
           </a:p>
           <a:p>
-            <a:r>
-              <a:rPr lang="ru-RU" dirty="0" smtClean="0">
+            <a:endParaRPr lang="en-US" dirty="0">
+              <a:latin typeface="Tahoma" panose="020B0604030504040204" pitchFamily="34" charset="0"/>
+              <a:ea typeface="Tahoma" panose="020B0604030504040204" pitchFamily="34" charset="0"/>
+              <a:cs typeface="Tahoma" panose="020B0604030504040204" pitchFamily="34" charset="0"/>
+            </a:endParaRPr>
+          </a:p>
+          <a:p>
+            <a:endParaRPr lang="en-US" dirty="0">
+              <a:latin typeface="Tahoma" panose="020B0604030504040204" pitchFamily="34" charset="0"/>
+              <a:ea typeface="Tahoma" panose="020B0604030504040204" pitchFamily="34" charset="0"/>
+              <a:cs typeface="Tahoma" panose="020B0604030504040204" pitchFamily="34" charset="0"/>
+            </a:endParaRPr>
+          </a:p>
+          <a:p>
+            <a:endParaRPr lang="en-US" dirty="0">
+              <a:latin typeface="Tahoma" panose="020B0604030504040204" pitchFamily="34" charset="0"/>
+              <a:ea typeface="Tahoma" panose="020B0604030504040204" pitchFamily="34" charset="0"/>
+              <a:cs typeface="Tahoma" panose="020B0604030504040204" pitchFamily="34" charset="0"/>
+            </a:endParaRPr>
+          </a:p>
+          <a:p>
+            <a:endParaRPr lang="en-US" dirty="0">
+              <a:latin typeface="Tahoma" panose="020B0604030504040204" pitchFamily="34" charset="0"/>
+              <a:ea typeface="Tahoma" panose="020B0604030504040204" pitchFamily="34" charset="0"/>
+              <a:cs typeface="Tahoma" panose="020B0604030504040204" pitchFamily="34" charset="0"/>
+            </a:endParaRPr>
+          </a:p>
+          <a:p>
+            <a:r>
+              <a:rPr lang="ru-RU" dirty="0">
                 <a:latin typeface="Tahoma" panose="020B0604030504040204" pitchFamily="34" charset="0"/>
                 <a:ea typeface="Tahoma" panose="020B0604030504040204" pitchFamily="34" charset="0"/>
                 <a:cs typeface="Tahoma" panose="020B0604030504040204" pitchFamily="34" charset="0"/>
@@ -17269,13 +16430,6 @@
             </a:endParaRPr>
           </a:p>
           <a:p>
-            <a:endParaRPr lang="ru-RU" dirty="0" smtClean="0">
-              <a:latin typeface="Tahoma" panose="020B0604030504040204" pitchFamily="34" charset="0"/>
-              <a:ea typeface="Tahoma" panose="020B0604030504040204" pitchFamily="34" charset="0"/>
-              <a:cs typeface="Tahoma" panose="020B0604030504040204" pitchFamily="34" charset="0"/>
-            </a:endParaRPr>
-          </a:p>
-          <a:p>
             <a:endParaRPr lang="ru-RU" dirty="0">
               <a:latin typeface="Tahoma" panose="020B0604030504040204" pitchFamily="34" charset="0"/>
               <a:ea typeface="Tahoma" panose="020B0604030504040204" pitchFamily="34" charset="0"/>
@@ -17283,13 +16437,6 @@
             </a:endParaRPr>
           </a:p>
           <a:p>
-            <a:endParaRPr lang="ru-RU" dirty="0" smtClean="0">
-              <a:latin typeface="Tahoma" panose="020B0604030504040204" pitchFamily="34" charset="0"/>
-              <a:ea typeface="Tahoma" panose="020B0604030504040204" pitchFamily="34" charset="0"/>
-              <a:cs typeface="Tahoma" panose="020B0604030504040204" pitchFamily="34" charset="0"/>
-            </a:endParaRPr>
-          </a:p>
-          <a:p>
             <a:endParaRPr lang="ru-RU" dirty="0">
               <a:latin typeface="Tahoma" panose="020B0604030504040204" pitchFamily="34" charset="0"/>
               <a:ea typeface="Tahoma" panose="020B0604030504040204" pitchFamily="34" charset="0"/>
@@ -17297,15 +16444,29 @@
             </a:endParaRPr>
           </a:p>
           <a:p>
-            <a:endParaRPr lang="ru-RU" dirty="0" smtClean="0">
+            <a:endParaRPr lang="ru-RU" dirty="0">
               <a:latin typeface="Tahoma" panose="020B0604030504040204" pitchFamily="34" charset="0"/>
               <a:ea typeface="Tahoma" panose="020B0604030504040204" pitchFamily="34" charset="0"/>
               <a:cs typeface="Tahoma" panose="020B0604030504040204" pitchFamily="34" charset="0"/>
             </a:endParaRPr>
           </a:p>
           <a:p>
-            <a:r>
-              <a:rPr lang="ru-RU" dirty="0" smtClean="0">
+            <a:endParaRPr lang="ru-RU" dirty="0">
+              <a:latin typeface="Tahoma" panose="020B0604030504040204" pitchFamily="34" charset="0"/>
+              <a:ea typeface="Tahoma" panose="020B0604030504040204" pitchFamily="34" charset="0"/>
+              <a:cs typeface="Tahoma" panose="020B0604030504040204" pitchFamily="34" charset="0"/>
+            </a:endParaRPr>
+          </a:p>
+          <a:p>
+            <a:endParaRPr lang="ru-RU" dirty="0">
+              <a:latin typeface="Tahoma" panose="020B0604030504040204" pitchFamily="34" charset="0"/>
+              <a:ea typeface="Tahoma" panose="020B0604030504040204" pitchFamily="34" charset="0"/>
+              <a:cs typeface="Tahoma" panose="020B0604030504040204" pitchFamily="34" charset="0"/>
+            </a:endParaRPr>
+          </a:p>
+          <a:p>
+            <a:r>
+              <a:rPr lang="ru-RU" dirty="0">
                 <a:latin typeface="Tahoma" panose="020B0604030504040204" pitchFamily="34" charset="0"/>
                 <a:ea typeface="Tahoma" panose="020B0604030504040204" pitchFamily="34" charset="0"/>
                 <a:cs typeface="Tahoma" panose="020B0604030504040204" pitchFamily="34" charset="0"/>
@@ -17315,7 +16476,7 @@
           </a:p>
           <a:p>
             <a:r>
-              <a:rPr lang="ru-RU" dirty="0" smtClean="0">
+              <a:rPr lang="ru-RU" dirty="0">
                 <a:latin typeface="Tahoma" panose="020B0604030504040204" pitchFamily="34" charset="0"/>
                 <a:ea typeface="Tahoma" panose="020B0604030504040204" pitchFamily="34" charset="0"/>
                 <a:cs typeface="Tahoma" panose="020B0604030504040204" pitchFamily="34" charset="0"/>
@@ -17323,7 +16484,7 @@
               <a:t>В знаменателе подобранная (экспериментально) константа для перевода единиц (в </a:t>
             </a:r>
             <a:r>
-              <a:rPr lang="en-US" b="1" i="1" dirty="0" smtClean="0">
+              <a:rPr lang="en-US" b="1" i="1" dirty="0">
                 <a:latin typeface="Tahoma" panose="020B0604030504040204" pitchFamily="34" charset="0"/>
                 <a:ea typeface="Tahoma" panose="020B0604030504040204" pitchFamily="34" charset="0"/>
                 <a:cs typeface="Tahoma" panose="020B0604030504040204" pitchFamily="34" charset="0"/>
@@ -17331,7 +16492,7 @@
               <a:t>C#</a:t>
             </a:r>
             <a:r>
-              <a:rPr lang="en-US" dirty="0" smtClean="0">
+              <a:rPr lang="en-US" dirty="0">
                 <a:latin typeface="Tahoma" panose="020B0604030504040204" pitchFamily="34" charset="0"/>
                 <a:ea typeface="Tahoma" panose="020B0604030504040204" pitchFamily="34" charset="0"/>
                 <a:cs typeface="Tahoma" panose="020B0604030504040204" pitchFamily="34" charset="0"/>
@@ -17339,7 +16500,7 @@
               <a:t> </a:t>
             </a:r>
             <a:r>
-              <a:rPr lang="ru-RU" dirty="0" smtClean="0">
+              <a:rPr lang="ru-RU" dirty="0">
                 <a:latin typeface="Tahoma" panose="020B0604030504040204" pitchFamily="34" charset="0"/>
                 <a:ea typeface="Tahoma" panose="020B0604030504040204" pitchFamily="34" charset="0"/>
                 <a:cs typeface="Tahoma" panose="020B0604030504040204" pitchFamily="34" charset="0"/>
@@ -17421,7 +16582,7 @@
         </p:blipFill>
         <p:spPr bwMode="auto">
           <a:xfrm>
-            <a:off x="2548315" y="3790164"/>
+            <a:off x="2548315" y="3717032"/>
             <a:ext cx="4047369" cy="1224136"/>
           </a:xfrm>
           <a:prstGeom prst="rect">
@@ -17578,13 +16739,6 @@
   <p:clrMapOvr>
     <a:masterClrMapping/>
   </p:clrMapOvr>
-  <p:timing>
-    <p:tnLst>
-      <p:par>
-        <p:cTn id="1" dur="indefinite" restart="never" nodeType="tmRoot"/>
-      </p:par>
-    </p:tnLst>
-  </p:timing>
 </p:sld>
 </file>
 
@@ -17629,18 +16783,13 @@
           <a:p>
             <a:pPr algn="ctr"/>
             <a:r>
-              <a:rPr lang="ru-RU" sz="2800" b="1" dirty="0" smtClean="0">
+              <a:rPr lang="ru-RU" sz="2800" b="1" dirty="0">
                 <a:latin typeface="Tahoma" panose="020B0604030504040204" pitchFamily="34" charset="0"/>
                 <a:ea typeface="Tahoma" panose="020B0604030504040204" pitchFamily="34" charset="0"/>
                 <a:cs typeface="Tahoma" panose="020B0604030504040204" pitchFamily="34" charset="0"/>
               </a:rPr>
               <a:t>Форматирование таблиц</a:t>
             </a:r>
-            <a:endParaRPr lang="ru-RU" sz="2800" b="1" dirty="0">
-              <a:latin typeface="Tahoma" panose="020B0604030504040204" pitchFamily="34" charset="0"/>
-              <a:ea typeface="Tahoma" panose="020B0604030504040204" pitchFamily="34" charset="0"/>
-              <a:cs typeface="Tahoma" panose="020B0604030504040204" pitchFamily="34" charset="0"/>
-            </a:endParaRPr>
           </a:p>
         </p:txBody>
       </p:sp>
@@ -17680,7 +16829,7 @@
           <a:p>
             <a:pPr algn="just"/>
             <a:r>
-              <a:rPr lang="ru-RU" dirty="0" smtClean="0">
+              <a:rPr lang="ru-RU" dirty="0">
                 <a:latin typeface="Tahoma" panose="020B0604030504040204" pitchFamily="34" charset="0"/>
                 <a:ea typeface="Tahoma" panose="020B0604030504040204" pitchFamily="34" charset="0"/>
                 <a:cs typeface="Tahoma" panose="020B0604030504040204" pitchFamily="34" charset="0"/>
@@ -17688,7 +16837,7 @@
               <a:t>Строковый метод </a:t>
             </a:r>
             <a:r>
-              <a:rPr lang="en-US" dirty="0" smtClean="0">
+              <a:rPr lang="en-US" dirty="0">
                 <a:latin typeface="Tahoma" panose="020B0604030504040204" pitchFamily="34" charset="0"/>
                 <a:ea typeface="Tahoma" panose="020B0604030504040204" pitchFamily="34" charset="0"/>
                 <a:cs typeface="Tahoma" panose="020B0604030504040204" pitchFamily="34" charset="0"/>
@@ -17696,7 +16845,7 @@
               <a:t>Split() </a:t>
             </a:r>
             <a:r>
-              <a:rPr lang="ru-RU" dirty="0" smtClean="0">
+              <a:rPr lang="ru-RU" dirty="0">
                 <a:latin typeface="Tahoma" panose="020B0604030504040204" pitchFamily="34" charset="0"/>
                 <a:ea typeface="Tahoma" panose="020B0604030504040204" pitchFamily="34" charset="0"/>
                 <a:cs typeface="Tahoma" panose="020B0604030504040204" pitchFamily="34" charset="0"/>
@@ -17704,7 +16853,7 @@
               <a:t>создаёт строковый массив по указанному разделителю (в рассматриваемом случае – это «</a:t>
             </a:r>
             <a:r>
-              <a:rPr lang="en-US" dirty="0" smtClean="0">
+              <a:rPr lang="en-US" dirty="0">
                 <a:latin typeface="Tahoma" panose="020B0604030504040204" pitchFamily="34" charset="0"/>
                 <a:ea typeface="Tahoma" panose="020B0604030504040204" pitchFamily="34" charset="0"/>
                 <a:cs typeface="Tahoma" panose="020B0604030504040204" pitchFamily="34" charset="0"/>
@@ -17712,7 +16861,7 @@
               <a:t>;</a:t>
             </a:r>
             <a:r>
-              <a:rPr lang="ru-RU" dirty="0" smtClean="0">
+              <a:rPr lang="ru-RU" dirty="0">
                 <a:latin typeface="Tahoma" panose="020B0604030504040204" pitchFamily="34" charset="0"/>
                 <a:ea typeface="Tahoma" panose="020B0604030504040204" pitchFamily="34" charset="0"/>
                 <a:cs typeface="Tahoma" panose="020B0604030504040204" pitchFamily="34" charset="0"/>
@@ -17720,7 +16869,7 @@
               <a:t>»</a:t>
             </a:r>
             <a:r>
-              <a:rPr lang="en-US" dirty="0" smtClean="0">
+              <a:rPr lang="en-US" dirty="0">
                 <a:latin typeface="Tahoma" panose="020B0604030504040204" pitchFamily="34" charset="0"/>
                 <a:ea typeface="Tahoma" panose="020B0604030504040204" pitchFamily="34" charset="0"/>
                 <a:cs typeface="Tahoma" panose="020B0604030504040204" pitchFamily="34" charset="0"/>
@@ -17728,7 +16877,7 @@
               <a:t>)</a:t>
             </a:r>
             <a:r>
-              <a:rPr lang="ru-RU" dirty="0" smtClean="0">
+              <a:rPr lang="ru-RU" dirty="0">
                 <a:latin typeface="Tahoma" panose="020B0604030504040204" pitchFamily="34" charset="0"/>
                 <a:ea typeface="Tahoma" panose="020B0604030504040204" pitchFamily="34" charset="0"/>
                 <a:cs typeface="Tahoma" panose="020B0604030504040204" pitchFamily="34" charset="0"/>
@@ -17839,13 +16988,6 @@
   <p:clrMapOvr>
     <a:masterClrMapping/>
   </p:clrMapOvr>
-  <p:timing>
-    <p:tnLst>
-      <p:par>
-        <p:cTn id="1" dur="indefinite" restart="never" nodeType="tmRoot"/>
-      </p:par>
-    </p:tnLst>
-  </p:timing>
 </p:sld>
 </file>
 
@@ -17890,18 +17032,13 @@
           <a:p>
             <a:pPr algn="ctr"/>
             <a:r>
-              <a:rPr lang="ru-RU" sz="2800" b="1" dirty="0" smtClean="0">
+              <a:rPr lang="ru-RU" sz="2800" b="1" dirty="0">
                 <a:latin typeface="Tahoma" panose="020B0604030504040204" pitchFamily="34" charset="0"/>
                 <a:ea typeface="Tahoma" panose="020B0604030504040204" pitchFamily="34" charset="0"/>
                 <a:cs typeface="Tahoma" panose="020B0604030504040204" pitchFamily="34" charset="0"/>
               </a:rPr>
               <a:t>Форматирование таблиц</a:t>
             </a:r>
-            <a:endParaRPr lang="ru-RU" sz="2800" b="1" dirty="0">
-              <a:latin typeface="Tahoma" panose="020B0604030504040204" pitchFamily="34" charset="0"/>
-              <a:ea typeface="Tahoma" panose="020B0604030504040204" pitchFamily="34" charset="0"/>
-              <a:cs typeface="Tahoma" panose="020B0604030504040204" pitchFamily="34" charset="0"/>
-            </a:endParaRPr>
           </a:p>
         </p:txBody>
       </p:sp>
@@ -17941,7 +17078,7 @@
           <a:p>
             <a:pPr algn="just"/>
             <a:r>
-              <a:rPr lang="ru-RU" dirty="0" smtClean="0">
+              <a:rPr lang="ru-RU" dirty="0">
                 <a:latin typeface="Tahoma" panose="020B0604030504040204" pitchFamily="34" charset="0"/>
                 <a:ea typeface="Tahoma" panose="020B0604030504040204" pitchFamily="34" charset="0"/>
                 <a:cs typeface="Tahoma" panose="020B0604030504040204" pitchFamily="34" charset="0"/>
@@ -17949,7 +17086,7 @@
               <a:t>Выполняется разбор шапки</a:t>
             </a:r>
             <a:r>
-              <a:rPr lang="en-US" dirty="0" smtClean="0">
+              <a:rPr lang="en-US" dirty="0">
                 <a:latin typeface="Tahoma" panose="020B0604030504040204" pitchFamily="34" charset="0"/>
                 <a:ea typeface="Tahoma" panose="020B0604030504040204" pitchFamily="34" charset="0"/>
                 <a:cs typeface="Tahoma" panose="020B0604030504040204" pitchFamily="34" charset="0"/>
@@ -17957,7 +17094,7 @@
               <a:t> </a:t>
             </a:r>
             <a:r>
-              <a:rPr lang="ru-RU" dirty="0" smtClean="0">
+              <a:rPr lang="ru-RU" dirty="0">
                 <a:latin typeface="Tahoma" panose="020B0604030504040204" pitchFamily="34" charset="0"/>
                 <a:ea typeface="Tahoma" panose="020B0604030504040204" pitchFamily="34" charset="0"/>
                 <a:cs typeface="Tahoma" panose="020B0604030504040204" pitchFamily="34" charset="0"/>
@@ -18374,13 +17511,6 @@
   <p:clrMapOvr>
     <a:masterClrMapping/>
   </p:clrMapOvr>
-  <p:timing>
-    <p:tnLst>
-      <p:par>
-        <p:cTn id="1" dur="indefinite" restart="never" nodeType="tmRoot"/>
-      </p:par>
-    </p:tnLst>
-  </p:timing>
 </p:sld>
 </file>
 
@@ -18425,18 +17555,13 @@
           <a:p>
             <a:pPr algn="ctr"/>
             <a:r>
-              <a:rPr lang="ru-RU" sz="2800" b="1" dirty="0" smtClean="0">
+              <a:rPr lang="ru-RU" sz="2800" b="1" dirty="0">
                 <a:latin typeface="Tahoma" panose="020B0604030504040204" pitchFamily="34" charset="0"/>
                 <a:ea typeface="Tahoma" panose="020B0604030504040204" pitchFamily="34" charset="0"/>
                 <a:cs typeface="Tahoma" panose="020B0604030504040204" pitchFamily="34" charset="0"/>
               </a:rPr>
               <a:t>Форматирование таблиц</a:t>
             </a:r>
-            <a:endParaRPr lang="ru-RU" sz="2800" b="1" dirty="0">
-              <a:latin typeface="Tahoma" panose="020B0604030504040204" pitchFamily="34" charset="0"/>
-              <a:ea typeface="Tahoma" panose="020B0604030504040204" pitchFamily="34" charset="0"/>
-              <a:cs typeface="Tahoma" panose="020B0604030504040204" pitchFamily="34" charset="0"/>
-            </a:endParaRPr>
           </a:p>
         </p:txBody>
       </p:sp>
@@ -18476,7 +17601,7 @@
           <a:p>
             <a:pPr algn="just"/>
             <a:r>
-              <a:rPr lang="ru-RU" dirty="0" smtClean="0">
+              <a:rPr lang="ru-RU" dirty="0">
                 <a:latin typeface="Tahoma" panose="020B0604030504040204" pitchFamily="34" charset="0"/>
                 <a:ea typeface="Tahoma" panose="020B0604030504040204" pitchFamily="34" charset="0"/>
                 <a:cs typeface="Tahoma" panose="020B0604030504040204" pitchFamily="34" charset="0"/>
@@ -18713,13 +17838,6 @@
   <p:clrMapOvr>
     <a:masterClrMapping/>
   </p:clrMapOvr>
-  <p:timing>
-    <p:tnLst>
-      <p:par>
-        <p:cTn id="1" dur="indefinite" restart="never" nodeType="tmRoot"/>
-      </p:par>
-    </p:tnLst>
-  </p:timing>
 </p:sld>
 </file>
 
@@ -18764,18 +17882,13 @@
           <a:p>
             <a:pPr algn="ctr"/>
             <a:r>
-              <a:rPr lang="ru-RU" sz="2800" b="1" dirty="0" smtClean="0">
+              <a:rPr lang="ru-RU" sz="2800" b="1" dirty="0">
                 <a:latin typeface="Tahoma" panose="020B0604030504040204" pitchFamily="34" charset="0"/>
                 <a:ea typeface="Tahoma" panose="020B0604030504040204" pitchFamily="34" charset="0"/>
                 <a:cs typeface="Tahoma" panose="020B0604030504040204" pitchFamily="34" charset="0"/>
               </a:rPr>
               <a:t>Форматирование таблиц</a:t>
             </a:r>
-            <a:endParaRPr lang="ru-RU" sz="2800" b="1" dirty="0">
-              <a:latin typeface="Tahoma" panose="020B0604030504040204" pitchFamily="34" charset="0"/>
-              <a:ea typeface="Tahoma" panose="020B0604030504040204" pitchFamily="34" charset="0"/>
-              <a:cs typeface="Tahoma" panose="020B0604030504040204" pitchFamily="34" charset="0"/>
-            </a:endParaRPr>
           </a:p>
         </p:txBody>
       </p:sp>
@@ -18815,7 +17928,7 @@
           <a:p>
             <a:pPr algn="just"/>
             <a:r>
-              <a:rPr lang="ru-RU" dirty="0" smtClean="0">
+              <a:rPr lang="ru-RU" dirty="0">
                 <a:latin typeface="Tahoma" panose="020B0604030504040204" pitchFamily="34" charset="0"/>
                 <a:ea typeface="Tahoma" panose="020B0604030504040204" pitchFamily="34" charset="0"/>
                 <a:cs typeface="Tahoma" panose="020B0604030504040204" pitchFamily="34" charset="0"/>
@@ -19107,13 +18220,6 @@
   <p:clrMapOvr>
     <a:masterClrMapping/>
   </p:clrMapOvr>
-  <p:timing>
-    <p:tnLst>
-      <p:par>
-        <p:cTn id="1" dur="indefinite" restart="never" nodeType="tmRoot"/>
-      </p:par>
-    </p:tnLst>
-  </p:timing>
 </p:sld>
 </file>
 
